--- a/slides/chapter1.pptx
+++ b/slides/chapter1.pptx
@@ -157,7 +157,7 @@
               <a:rPr b="0" lang="en-US" sz="1400" spc="-1" strike="noStrike">
                 <a:latin typeface="Times New Roman"/>
               </a:rPr>
-              <a:t>&lt;header&gt;</a:t>
+              <a:t> </a:t>
             </a:r>
             <a:endParaRPr b="0" lang="en-US" sz="1400" spc="-1" strike="noStrike">
               <a:latin typeface="Times New Roman"/>
@@ -192,7 +192,7 @@
               <a:rPr b="0" lang="en-US" sz="1400" spc="-1" strike="noStrike">
                 <a:latin typeface="Times New Roman"/>
               </a:rPr>
-              <a:t>&lt;date/time&gt;</a:t>
+              <a:t> </a:t>
             </a:r>
             <a:endParaRPr b="0" lang="en-US" sz="1400" spc="-1" strike="noStrike">
               <a:latin typeface="Times New Roman"/>
@@ -226,7 +226,7 @@
               <a:rPr b="0" lang="en-US" sz="1400" spc="-1" strike="noStrike">
                 <a:latin typeface="Times New Roman"/>
               </a:rPr>
-              <a:t>&lt;footer&gt;</a:t>
+              <a:t> </a:t>
             </a:r>
             <a:endParaRPr b="0" lang="en-US" sz="1400" spc="-1" strike="noStrike">
               <a:latin typeface="Times New Roman"/>
@@ -257,11 +257,11 @@
           <a:bodyPr lIns="0" rIns="0" tIns="0" bIns="0" anchor="b"/>
           <a:p>
             <a:pPr algn="r"/>
-            <a:fld id="{09F01632-E024-4848-827A-1004247827F4}" type="slidenum">
+            <a:fld id="{0B5CEC55-BA65-4CE6-B2EE-1304696BA0E2}" type="slidenum">
               <a:rPr b="0" lang="en-US" sz="1400" spc="-1" strike="noStrike">
                 <a:latin typeface="Times New Roman"/>
               </a:rPr>
-              <a:t>&lt;number&gt;</a:t>
+              <a:t>1</a:t>
             </a:fld>
             <a:endParaRPr b="0" lang="en-US" sz="1400" spc="-1" strike="noStrike">
               <a:latin typeface="Times New Roman"/>
@@ -305,7 +305,7 @@
         <p:spPr>
           <a:xfrm>
             <a:off x="3332160" y="971640"/>
-            <a:ext cx="3393000" cy="2621520"/>
+            <a:ext cx="3392280" cy="2620800"/>
           </a:xfrm>
           <a:prstGeom prst="rect">
             <a:avLst/>
@@ -325,7 +325,7 @@
         <p:spPr>
           <a:xfrm>
             <a:off x="1006560" y="3740040"/>
-            <a:ext cx="8044200" cy="3059640"/>
+            <a:ext cx="8043480" cy="3058920"/>
           </a:xfrm>
           <a:prstGeom prst="rect">
             <a:avLst/>
@@ -349,7 +349,7 @@
         <p:spPr>
           <a:xfrm>
             <a:off x="5697360" y="7383600"/>
-            <a:ext cx="4358160" cy="387720"/>
+            <a:ext cx="4357440" cy="387000"/>
           </a:xfrm>
           <a:prstGeom prst="rect">
             <a:avLst/>
@@ -373,7 +373,7 @@
                 <a:spcPct val="100000"/>
               </a:lnSpc>
             </a:pPr>
-            <a:fld id="{6F5EE4A8-BEF0-47B8-A3DB-24EE3274DF39}" type="slidenum">
+            <a:fld id="{E9946A2B-DD55-4190-A49D-E18FE43378A6}" type="slidenum">
               <a:rPr b="0" lang="en-US" sz="1200" spc="-1" strike="noStrike">
                 <a:solidFill>
                   <a:srgbClr val="000000"/>
@@ -6031,49 +6031,7 @@
               <a:rPr b="0" lang="en-US" sz="4400" spc="-1" strike="noStrike">
                 <a:latin typeface="Arial"/>
               </a:rPr>
-              <a:t>Clic</a:t>
-            </a:r>
-            <a:r>
-              <a:rPr b="0" lang="en-US" sz="4400" spc="-1" strike="noStrike">
-                <a:latin typeface="Arial"/>
-              </a:rPr>
-              <a:t>k to </a:t>
-            </a:r>
-            <a:r>
-              <a:rPr b="0" lang="en-US" sz="4400" spc="-1" strike="noStrike">
-                <a:latin typeface="Arial"/>
-              </a:rPr>
-              <a:t>edit </a:t>
-            </a:r>
-            <a:r>
-              <a:rPr b="0" lang="en-US" sz="4400" spc="-1" strike="noStrike">
-                <a:latin typeface="Arial"/>
-              </a:rPr>
-              <a:t>the </a:t>
-            </a:r>
-            <a:r>
-              <a:rPr b="0" lang="en-US" sz="4400" spc="-1" strike="noStrike">
-                <a:latin typeface="Arial"/>
-              </a:rPr>
-              <a:t>title </a:t>
-            </a:r>
-            <a:r>
-              <a:rPr b="0" lang="en-US" sz="4400" spc="-1" strike="noStrike">
-                <a:latin typeface="Arial"/>
-              </a:rPr>
-              <a:t>text </a:t>
-            </a:r>
-            <a:r>
-              <a:rPr b="0" lang="en-US" sz="4400" spc="-1" strike="noStrike">
-                <a:latin typeface="Arial"/>
-              </a:rPr>
-              <a:t>form</a:t>
-            </a:r>
-            <a:r>
-              <a:rPr b="0" lang="en-US" sz="4400" spc="-1" strike="noStrike">
-                <a:latin typeface="Arial"/>
-              </a:rPr>
-              <a:t>at</a:t>
+              <a:t>Click to edit the title text format</a:t>
             </a:r>
             <a:endParaRPr b="0" lang="en-US" sz="4400" spc="-1" strike="noStrike">
               <a:latin typeface="Arial"/>
@@ -6331,49 +6289,7 @@
               <a:rPr b="0" lang="en-US" sz="4400" spc="-1" strike="noStrike">
                 <a:latin typeface="Arial"/>
               </a:rPr>
-              <a:t>Clic</a:t>
-            </a:r>
-            <a:r>
-              <a:rPr b="0" lang="en-US" sz="4400" spc="-1" strike="noStrike">
-                <a:latin typeface="Arial"/>
-              </a:rPr>
-              <a:t>k to </a:t>
-            </a:r>
-            <a:r>
-              <a:rPr b="0" lang="en-US" sz="4400" spc="-1" strike="noStrike">
-                <a:latin typeface="Arial"/>
-              </a:rPr>
-              <a:t>edit </a:t>
-            </a:r>
-            <a:r>
-              <a:rPr b="0" lang="en-US" sz="4400" spc="-1" strike="noStrike">
-                <a:latin typeface="Arial"/>
-              </a:rPr>
-              <a:t>the </a:t>
-            </a:r>
-            <a:r>
-              <a:rPr b="0" lang="en-US" sz="4400" spc="-1" strike="noStrike">
-                <a:latin typeface="Arial"/>
-              </a:rPr>
-              <a:t>title </a:t>
-            </a:r>
-            <a:r>
-              <a:rPr b="0" lang="en-US" sz="4400" spc="-1" strike="noStrike">
-                <a:latin typeface="Arial"/>
-              </a:rPr>
-              <a:t>text </a:t>
-            </a:r>
-            <a:r>
-              <a:rPr b="0" lang="en-US" sz="4400" spc="-1" strike="noStrike">
-                <a:latin typeface="Arial"/>
-              </a:rPr>
-              <a:t>form</a:t>
-            </a:r>
-            <a:r>
-              <a:rPr b="0" lang="en-US" sz="4400" spc="-1" strike="noStrike">
-                <a:latin typeface="Arial"/>
-              </a:rPr>
-              <a:t>at</a:t>
+              <a:t>Click to edit the title text format</a:t>
             </a:r>
             <a:endParaRPr b="0" lang="en-US" sz="4400" spc="-1" strike="noStrike">
               <a:latin typeface="Arial"/>
@@ -6631,7 +6547,13 @@
               <a:rPr b="0" lang="en-US" sz="4400" spc="-1" strike="noStrike">
                 <a:latin typeface="Arial"/>
               </a:rPr>
-              <a:t>Click to edit the title text format</a:t>
+              <a:t>Click to edit the title text </a:t>
+            </a:r>
+            <a:r>
+              <a:rPr b="0" lang="en-US" sz="4400" spc="-1" strike="noStrike">
+                <a:latin typeface="Arial"/>
+              </a:rPr>
+              <a:t>format</a:t>
             </a:r>
             <a:endParaRPr b="0" lang="en-US" sz="4400" spc="-1" strike="noStrike">
               <a:latin typeface="Arial"/>
@@ -6864,7 +6786,7 @@
         <p:spPr>
           <a:xfrm>
             <a:off x="2503800" y="2487240"/>
-            <a:ext cx="5050080" cy="1297080"/>
+            <a:ext cx="5049360" cy="1296360"/>
           </a:xfrm>
           <a:prstGeom prst="rect">
             <a:avLst/>
@@ -6889,7 +6811,7 @@
               </a:lnSpc>
             </a:pPr>
             <a:r>
-              <a:rPr b="0" lang="en-US" sz="2450" spc="352" strike="noStrike">
+              <a:rPr b="0" lang="en-US" sz="2450" spc="347" strike="noStrike">
                 <a:solidFill>
                   <a:srgbClr val="000000"/>
                 </a:solidFill>
@@ -6899,7 +6821,7 @@
               <a:t>Artificial</a:t>
             </a:r>
             <a:r>
-              <a:rPr b="0" lang="en-US" sz="2450" spc="253" strike="noStrike">
+              <a:rPr b="0" lang="en-US" sz="2450" spc="248" strike="noStrike">
                 <a:solidFill>
                   <a:srgbClr val="000000"/>
                 </a:solidFill>
@@ -6909,7 +6831,7 @@
               <a:t> </a:t>
             </a:r>
             <a:r>
-              <a:rPr b="0" lang="en-US" sz="2450" spc="364" strike="noStrike">
+              <a:rPr b="0" lang="en-US" sz="2450" spc="358" strike="noStrike">
                 <a:solidFill>
                   <a:srgbClr val="000000"/>
                 </a:solidFill>
@@ -6933,7 +6855,7 @@
         <p:spPr>
           <a:xfrm>
             <a:off x="3657600" y="3962520"/>
-            <a:ext cx="1751400" cy="280440"/>
+            <a:ext cx="1750680" cy="279720"/>
           </a:xfrm>
           <a:prstGeom prst="rect">
             <a:avLst/>
@@ -6958,7 +6880,7 @@
               </a:lnSpc>
             </a:pPr>
             <a:r>
-              <a:rPr b="0" lang="en-US" sz="2050" spc="333" strike="noStrike">
+              <a:rPr b="0" lang="en-US" sz="2050" spc="327" strike="noStrike">
                 <a:solidFill>
                   <a:srgbClr val="000000"/>
                 </a:solidFill>
@@ -6968,7 +6890,7 @@
               <a:t>Chapter</a:t>
             </a:r>
             <a:r>
-              <a:rPr b="0" lang="en-US" sz="2050" spc="202" strike="noStrike">
+              <a:rPr b="0" lang="en-US" sz="2050" spc="197" strike="noStrike">
                 <a:solidFill>
                   <a:srgbClr val="000000"/>
                 </a:solidFill>
@@ -6978,7 +6900,7 @@
               <a:t> </a:t>
             </a:r>
             <a:r>
-              <a:rPr b="0" lang="en-US" sz="2050" spc="106" strike="noStrike">
+              <a:rPr b="0" lang="en-US" sz="2050" spc="100" strike="noStrike">
                 <a:solidFill>
                   <a:srgbClr val="000000"/>
                 </a:solidFill>
@@ -7002,7 +6924,7 @@
         <p:spPr>
           <a:xfrm>
             <a:off x="8147520" y="7217280"/>
-            <a:ext cx="158400" cy="4507200"/>
+            <a:ext cx="157680" cy="4506480"/>
           </a:xfrm>
           <a:prstGeom prst="rect">
             <a:avLst/>
@@ -7026,8 +6948,8 @@
                 <a:spcPts val="884"/>
               </a:lnSpc>
             </a:pPr>
-            <a:fld id="{8B5D3B99-90FD-4004-8B6E-F1DAB7ECE1F0}" type="slidenum">
-              <a:rPr b="0" lang="en-US" sz="800" spc="12" strike="noStrike">
+            <a:fld id="{06B15CCC-2A98-4385-B272-16CA69E04982}" type="slidenum">
+              <a:rPr b="0" lang="en-US" sz="800" spc="7" strike="noStrike">
                 <a:solidFill>
                   <a:srgbClr val="000000"/>
                 </a:solidFill>
@@ -7051,7 +6973,7 @@
         <p:spPr>
           <a:xfrm>
             <a:off x="2503800" y="6705720"/>
-            <a:ext cx="5028120" cy="423720"/>
+            <a:ext cx="5027400" cy="423000"/>
           </a:xfrm>
           <a:prstGeom prst="rect">
             <a:avLst/>
@@ -7149,7 +7071,7 @@
         <p:spPr>
           <a:xfrm>
             <a:off x="8147520" y="7217280"/>
-            <a:ext cx="158400" cy="4507200"/>
+            <a:ext cx="157680" cy="4506480"/>
           </a:xfrm>
           <a:prstGeom prst="rect">
             <a:avLst/>
@@ -7173,8 +7095,8 @@
                 <a:spcPts val="884"/>
               </a:lnSpc>
             </a:pPr>
-            <a:fld id="{C87C92E0-CC2B-4AA6-A5CC-87AF74D3DEEF}" type="slidenum">
-              <a:rPr b="0" lang="en-US" sz="800" spc="4" strike="noStrike">
+            <a:fld id="{7C1A7EA4-9E0C-42A4-8F8C-F330E233ACC2}" type="slidenum">
+              <a:rPr b="0" lang="en-US" sz="800" spc="-1" strike="noStrike">
                 <a:solidFill>
                   <a:srgbClr val="000000"/>
                 </a:solidFill>
@@ -7198,7 +7120,7 @@
         <p:spPr>
           <a:xfrm>
             <a:off x="534960" y="1010880"/>
-            <a:ext cx="7721280" cy="1297080"/>
+            <a:ext cx="7720560" cy="1296360"/>
           </a:xfrm>
           <a:prstGeom prst="rect">
             <a:avLst/>
@@ -7223,7 +7145,7 @@
               </a:lnSpc>
             </a:pPr>
             <a:r>
-              <a:rPr b="0" lang="en-US" sz="2500" spc="4" strike="noStrike">
+              <a:rPr b="0" lang="en-US" sz="2500" spc="-1" strike="noStrike">
                 <a:solidFill>
                   <a:srgbClr val="000000"/>
                 </a:solidFill>
@@ -7247,7 +7169,7 @@
         <p:spPr>
           <a:xfrm>
             <a:off x="496440" y="1620360"/>
-            <a:ext cx="7615800" cy="5377680"/>
+            <a:ext cx="7615080" cy="5376960"/>
           </a:xfrm>
           <a:prstGeom prst="rect">
             <a:avLst/>
@@ -7266,7 +7188,7 @@
         <p:txBody>
           <a:bodyPr lIns="0" rIns="0" tIns="0" bIns="0"/>
           <a:p>
-            <a:pPr marL="355680" indent="-342000">
+            <a:pPr marL="355680" indent="-341280">
               <a:lnSpc>
                 <a:spcPct val="101000"/>
               </a:lnSpc>
@@ -7277,7 +7199,7 @@
               <a:buChar char="•"/>
             </a:pPr>
             <a:r>
-              <a:rPr b="0" lang="en-US" sz="2050" spc="4" strike="noStrike">
+              <a:rPr b="0" lang="en-US" sz="2050" spc="-1" strike="noStrike">
                 <a:solidFill>
                   <a:srgbClr val="000000"/>
                 </a:solidFill>
@@ -7287,7 +7209,7 @@
               <a:t>1960s “</a:t>
             </a:r>
             <a:r>
-              <a:rPr b="0" lang="en-US" sz="2050" spc="4" strike="noStrike">
+              <a:rPr b="0" lang="en-US" sz="2050" spc="-1" strike="noStrike">
                 <a:solidFill>
                   <a:srgbClr val="00007e"/>
                 </a:solidFill>
@@ -7297,7 +7219,7 @@
               <a:t>cognitive revolution</a:t>
             </a:r>
             <a:r>
-              <a:rPr b="0" lang="en-US" sz="2050" spc="4" strike="noStrike">
+              <a:rPr b="0" lang="en-US" sz="2050" spc="-1" strike="noStrike">
                 <a:solidFill>
                   <a:srgbClr val="000000"/>
                 </a:solidFill>
@@ -7307,7 +7229,7 @@
               <a:t>”: information-processing psychology replaced  prevailing orthodoxy of  </a:t>
             </a:r>
             <a:r>
-              <a:rPr b="0" lang="en-US" sz="2050" spc="4" strike="noStrike">
+              <a:rPr b="0" lang="en-US" sz="2050" spc="-1" strike="noStrike">
                 <a:solidFill>
                   <a:srgbClr val="00007e"/>
                 </a:solidFill>
@@ -7321,7 +7243,7 @@
             </a:endParaRPr>
           </a:p>
           <a:p>
-            <a:pPr marL="355680" indent="-342000">
+            <a:pPr marL="355680" indent="-341280">
               <a:lnSpc>
                 <a:spcPct val="100000"/>
               </a:lnSpc>
@@ -7335,7 +7257,7 @@
               <a:buChar char="•"/>
             </a:pPr>
             <a:r>
-              <a:rPr b="0" lang="en-US" sz="2050" spc="4" strike="noStrike">
+              <a:rPr b="0" lang="en-US" sz="2050" spc="-1" strike="noStrike">
                 <a:solidFill>
                   <a:srgbClr val="000000"/>
                 </a:solidFill>
@@ -7349,7 +7271,7 @@
             </a:endParaRPr>
           </a:p>
           <a:p>
-            <a:pPr marL="583560" indent="-204120">
+            <a:pPr marL="583560" indent="-203400">
               <a:lnSpc>
                 <a:spcPct val="100000"/>
               </a:lnSpc>
@@ -7363,7 +7285,7 @@
               <a:buChar char="–"/>
             </a:pPr>
             <a:r>
-              <a:rPr b="0" lang="en-US" sz="1800" spc="4" strike="noStrike">
+              <a:rPr b="0" lang="en-US" sz="1800" spc="-1" strike="noStrike">
                 <a:solidFill>
                   <a:srgbClr val="000000"/>
                 </a:solidFill>
@@ -7373,7 +7295,7 @@
               <a:t>What level  of abstraction?  “</a:t>
             </a:r>
             <a:r>
-              <a:rPr b="0" lang="en-US" sz="1800" spc="4" strike="noStrike">
+              <a:rPr b="0" lang="en-US" sz="1800" spc="-1" strike="noStrike">
                 <a:solidFill>
                   <a:srgbClr val="004b00"/>
                 </a:solidFill>
@@ -7383,7 +7305,7 @@
               <a:t>Knowledge</a:t>
             </a:r>
             <a:r>
-              <a:rPr b="0" lang="en-US" sz="1800" spc="4" strike="noStrike">
+              <a:rPr b="0" lang="en-US" sz="1800" spc="-1" strike="noStrike">
                 <a:solidFill>
                   <a:srgbClr val="000000"/>
                 </a:solidFill>
@@ -7393,7 +7315,7 @@
               <a:t>” or “</a:t>
             </a:r>
             <a:r>
-              <a:rPr b="0" lang="en-US" sz="1800" spc="4" strike="noStrike">
+              <a:rPr b="0" lang="en-US" sz="1800" spc="-1" strike="noStrike">
                 <a:solidFill>
                   <a:srgbClr val="004b00"/>
                 </a:solidFill>
@@ -7403,7 +7325,7 @@
               <a:t>circuits</a:t>
             </a:r>
             <a:r>
-              <a:rPr b="0" lang="en-US" sz="1800" spc="4" strike="noStrike">
+              <a:rPr b="0" lang="en-US" sz="1800" spc="-1" strike="noStrike">
                 <a:solidFill>
                   <a:srgbClr val="000000"/>
                 </a:solidFill>
@@ -7417,7 +7339,7 @@
             </a:endParaRPr>
           </a:p>
           <a:p>
-            <a:pPr marL="583560" indent="-204120">
+            <a:pPr marL="583560" indent="-203400">
               <a:lnSpc>
                 <a:spcPct val="100000"/>
               </a:lnSpc>
@@ -7431,7 +7353,7 @@
               <a:buChar char="–"/>
             </a:pPr>
             <a:r>
-              <a:rPr b="0" lang="en-US" sz="1800" spc="4" strike="noStrike">
+              <a:rPr b="0" lang="en-US" sz="1800" spc="-1" strike="noStrike">
                 <a:solidFill>
                   <a:srgbClr val="000000"/>
                 </a:solidFill>
@@ -7445,7 +7367,7 @@
             </a:endParaRPr>
           </a:p>
           <a:p>
-            <a:pPr lvl="1" marL="915840" indent="-172080">
+            <a:pPr lvl="1" marL="915840" indent="-171360">
               <a:lnSpc>
                 <a:spcPts val="2500"/>
               </a:lnSpc>
@@ -7459,7 +7381,7 @@
               <a:buChar char="•"/>
             </a:pPr>
             <a:r>
-              <a:rPr b="0" lang="en-US" sz="1800" spc="4" strike="noStrike">
+              <a:rPr b="0" lang="en-US" sz="1800" spc="-1" strike="noStrike">
                 <a:solidFill>
                   <a:srgbClr val="000000"/>
                 </a:solidFill>
@@ -7473,7 +7395,7 @@
             </a:endParaRPr>
           </a:p>
           <a:p>
-            <a:pPr lvl="1" marL="915840" indent="-172080">
+            <a:pPr lvl="1" marL="915840" indent="-171360">
               <a:lnSpc>
                 <a:spcPts val="2500"/>
               </a:lnSpc>
@@ -7487,7 +7409,7 @@
               <a:buChar char="•"/>
             </a:pPr>
             <a:r>
-              <a:rPr b="0" lang="en-US" sz="1800" spc="4" strike="noStrike">
+              <a:rPr b="0" lang="en-US" sz="1800" spc="-1" strike="noStrike">
                 <a:solidFill>
                   <a:srgbClr val="000000"/>
                 </a:solidFill>
@@ -7510,7 +7432,7 @@
               </a:spcBef>
             </a:pPr>
             <a:r>
-              <a:rPr b="0" lang="en-US" sz="1800" spc="4" strike="noStrike">
+              <a:rPr b="0" lang="en-US" sz="1800" spc="-1" strike="noStrike">
                 <a:solidFill>
                   <a:srgbClr val="000000"/>
                 </a:solidFill>
@@ -7520,7 +7442,7 @@
               <a:t>… </a:t>
             </a:r>
             <a:r>
-              <a:rPr b="0" lang="en-US" sz="1800" spc="4" strike="noStrike">
+              <a:rPr b="0" lang="en-US" sz="1800" spc="-1" strike="noStrike">
                 <a:solidFill>
                   <a:srgbClr val="000000"/>
                 </a:solidFill>
@@ -7534,7 +7456,7 @@
             </a:endParaRPr>
           </a:p>
           <a:p>
-            <a:pPr marL="355680" indent="-342000">
+            <a:pPr marL="355680" indent="-341280">
               <a:lnSpc>
                 <a:spcPct val="101000"/>
               </a:lnSpc>
@@ -7548,7 +7470,7 @@
               <a:buChar char="•"/>
             </a:pPr>
             <a:r>
-              <a:rPr b="0" lang="en-US" sz="2050" spc="4" strike="noStrike">
+              <a:rPr b="0" lang="en-US" sz="2050" spc="-1" strike="noStrike">
                 <a:solidFill>
                   <a:srgbClr val="000000"/>
                 </a:solidFill>
@@ -7558,7 +7480,7 @@
               <a:t>Both approaches (roughly, </a:t>
             </a:r>
             <a:r>
-              <a:rPr b="0" lang="en-US" sz="2050" spc="4" strike="noStrike">
+              <a:rPr b="0" lang="en-US" sz="2050" spc="-1" strike="noStrike">
                 <a:solidFill>
                   <a:srgbClr val="ff00ff"/>
                 </a:solidFill>
@@ -7568,7 +7490,7 @@
               <a:t>Cognitive Science </a:t>
             </a:r>
             <a:r>
-              <a:rPr b="0" lang="en-US" sz="2050" spc="4" strike="noStrike">
+              <a:rPr b="0" lang="en-US" sz="2050" spc="-1" strike="noStrike">
                 <a:solidFill>
                   <a:srgbClr val="000000"/>
                 </a:solidFill>
@@ -7578,7 +7500,7 @@
               <a:t>and </a:t>
             </a:r>
             <a:r>
-              <a:rPr b="0" lang="en-US" sz="2050" spc="4" strike="noStrike">
+              <a:rPr b="0" lang="en-US" sz="2050" spc="-1" strike="noStrike">
                 <a:solidFill>
                   <a:srgbClr val="00007e"/>
                 </a:solidFill>
@@ -7588,7 +7510,7 @@
               <a:t>Cognitive Neuroscience</a:t>
             </a:r>
             <a:r>
-              <a:rPr b="0" lang="en-US" sz="2050" spc="4" strike="noStrike">
+              <a:rPr b="0" lang="en-US" sz="2050" spc="-1" strike="noStrike">
                 <a:solidFill>
                   <a:srgbClr val="000000"/>
                 </a:solidFill>
@@ -7602,7 +7524,7 @@
             </a:endParaRPr>
           </a:p>
           <a:p>
-            <a:pPr marL="355680" indent="-342000">
+            <a:pPr marL="355680" indent="-341280">
               <a:lnSpc>
                 <a:spcPct val="100000"/>
               </a:lnSpc>
@@ -7616,7 +7538,7 @@
               <a:buChar char="•"/>
             </a:pPr>
             <a:r>
-              <a:rPr b="0" lang="en-US" sz="2050" spc="4" strike="noStrike">
+              <a:rPr b="0" lang="en-US" sz="2050" spc="-1" strike="noStrike">
                 <a:solidFill>
                   <a:srgbClr val="000000"/>
                 </a:solidFill>
@@ -7630,7 +7552,7 @@
             </a:endParaRPr>
           </a:p>
           <a:p>
-            <a:pPr marL="721440" indent="-342000">
+            <a:pPr marL="721440" indent="-341280">
               <a:lnSpc>
                 <a:spcPct val="101000"/>
               </a:lnSpc>
@@ -7644,7 +7566,7 @@
               <a:buChar char="•"/>
             </a:pPr>
             <a:r>
-              <a:rPr b="0" lang="en-US" sz="1800" spc="4" strike="noStrike">
+              <a:rPr b="0" lang="en-US" sz="1800" spc="-1" strike="noStrike">
                 <a:solidFill>
                   <a:srgbClr val="7e0000"/>
                 </a:solidFill>
@@ -7658,7 +7580,7 @@
             </a:endParaRPr>
           </a:p>
           <a:p>
-            <a:pPr marL="355680" indent="-342000">
+            <a:pPr marL="355680" indent="-341280">
               <a:lnSpc>
                 <a:spcPct val="100000"/>
               </a:lnSpc>
@@ -7672,7 +7594,7 @@
               <a:buChar char="•"/>
             </a:pPr>
             <a:r>
-              <a:rPr b="0" lang="en-US" sz="2050" spc="4" strike="noStrike">
+              <a:rPr b="0" lang="en-US" sz="2050" spc="-1" strike="noStrike">
                 <a:solidFill>
                   <a:srgbClr val="000000"/>
                 </a:solidFill>
@@ -7745,7 +7667,7 @@
         <p:spPr>
           <a:xfrm>
             <a:off x="8147520" y="7217280"/>
-            <a:ext cx="158400" cy="4507200"/>
+            <a:ext cx="157680" cy="4506480"/>
           </a:xfrm>
           <a:prstGeom prst="rect">
             <a:avLst/>
@@ -7769,8 +7691,8 @@
                 <a:spcPts val="884"/>
               </a:lnSpc>
             </a:pPr>
-            <a:fld id="{6726767F-4645-4012-8B0F-53F6CEB5D572}" type="slidenum">
-              <a:rPr b="0" lang="en-US" sz="800" spc="4" strike="noStrike">
+            <a:fld id="{40A7AFBE-E61D-4F59-BD79-7A7FEAC8213A}" type="slidenum">
+              <a:rPr b="0" lang="en-US" sz="800" spc="-1" strike="noStrike">
                 <a:solidFill>
                   <a:srgbClr val="000000"/>
                 </a:solidFill>
@@ -7794,7 +7716,7 @@
         <p:spPr>
           <a:xfrm>
             <a:off x="990720" y="722520"/>
-            <a:ext cx="7721280" cy="1297080"/>
+            <a:ext cx="7720560" cy="1296360"/>
           </a:xfrm>
           <a:prstGeom prst="rect">
             <a:avLst/>
@@ -7819,7 +7741,7 @@
               </a:lnSpc>
             </a:pPr>
             <a:r>
-              <a:rPr b="0" lang="en-US" sz="2500" spc="4" strike="noStrike">
+              <a:rPr b="0" lang="en-US" sz="2500" spc="-1" strike="noStrike">
                 <a:solidFill>
                   <a:srgbClr val="000000"/>
                 </a:solidFill>
@@ -7843,7 +7765,7 @@
         <p:spPr>
           <a:xfrm>
             <a:off x="534960" y="1447920"/>
-            <a:ext cx="8341560" cy="5162400"/>
+            <a:ext cx="8340840" cy="5161680"/>
           </a:xfrm>
           <a:prstGeom prst="rect">
             <a:avLst/>
@@ -7862,7 +7784,7 @@
         <p:txBody>
           <a:bodyPr lIns="0" rIns="0" tIns="0" bIns="0"/>
           <a:p>
-            <a:pPr marL="216000" indent="-342000">
+            <a:pPr marL="216000" indent="-341280">
               <a:lnSpc>
                 <a:spcPct val="100000"/>
               </a:lnSpc>
@@ -7873,7 +7795,7 @@
               <a:buChar char="•"/>
             </a:pPr>
             <a:r>
-              <a:rPr b="0" lang="en-US" sz="2050" spc="4" strike="noStrike">
+              <a:rPr b="0" lang="en-US" sz="2050" spc="-1" strike="noStrike">
                 <a:solidFill>
                   <a:srgbClr val="00007e"/>
                 </a:solidFill>
@@ -7883,7 +7805,7 @@
               <a:t>Normative </a:t>
             </a:r>
             <a:r>
-              <a:rPr b="0" lang="en-US" sz="2050" spc="4" strike="noStrike">
+              <a:rPr b="0" lang="en-US" sz="2050" spc="-1" strike="noStrike">
                 <a:solidFill>
                   <a:srgbClr val="000000"/>
                 </a:solidFill>
@@ -7893,7 +7815,7 @@
               <a:t>(or </a:t>
             </a:r>
             <a:r>
-              <a:rPr b="0" lang="en-US" sz="2050" spc="4" strike="noStrike">
+              <a:rPr b="0" lang="en-US" sz="2050" spc="-1" strike="noStrike">
                 <a:solidFill>
                   <a:srgbClr val="00007e"/>
                 </a:solidFill>
@@ -7903,7 +7825,7 @@
               <a:t>prescriptive</a:t>
             </a:r>
             <a:r>
-              <a:rPr b="0" lang="en-US" sz="2050" spc="4" strike="noStrike">
+              <a:rPr b="0" lang="en-US" sz="2050" spc="-1" strike="noStrike">
                 <a:solidFill>
                   <a:srgbClr val="000000"/>
                 </a:solidFill>
@@ -7913,7 +7835,7 @@
               <a:t>) rather than </a:t>
             </a:r>
             <a:r>
-              <a:rPr b="0" lang="en-US" sz="2050" spc="4" strike="noStrike">
+              <a:rPr b="0" lang="en-US" sz="2050" spc="-1" strike="noStrike">
                 <a:solidFill>
                   <a:srgbClr val="004b00"/>
                 </a:solidFill>
@@ -7923,7 +7845,7 @@
               <a:t>descriptive  </a:t>
             </a:r>
             <a:r>
-              <a:rPr b="0" lang="en-US" sz="2050" spc="4" strike="noStrike">
+              <a:rPr b="0" lang="en-US" sz="2050" spc="-1" strike="noStrike">
                 <a:solidFill>
                   <a:srgbClr val="000000"/>
                 </a:solidFill>
@@ -7947,7 +7869,7 @@
             </a:endParaRPr>
           </a:p>
           <a:p>
-            <a:pPr marL="216000" indent="-342000">
+            <a:pPr marL="216000" indent="-341280">
               <a:lnSpc>
                 <a:spcPct val="100000"/>
               </a:lnSpc>
@@ -7958,7 +7880,7 @@
               <a:buChar char="•"/>
             </a:pPr>
             <a:r>
-              <a:rPr b="0" lang="en-US" sz="2050" spc="4" strike="noStrike">
+              <a:rPr b="0" lang="en-US" sz="2050" spc="-1" strike="noStrike">
                 <a:solidFill>
                   <a:srgbClr val="000000"/>
                 </a:solidFill>
@@ -7982,7 +7904,7 @@
             </a:endParaRPr>
           </a:p>
           <a:p>
-            <a:pPr marL="343080" indent="-342000">
+            <a:pPr marL="343080" indent="-341280">
               <a:lnSpc>
                 <a:spcPct val="100000"/>
               </a:lnSpc>
@@ -7993,7 +7915,7 @@
               <a:buChar char="•"/>
             </a:pPr>
             <a:r>
-              <a:rPr b="0" lang="en-US" sz="2050" spc="4" strike="noStrike">
+              <a:rPr b="0" lang="en-US" sz="2050" spc="-1" strike="noStrike">
                 <a:solidFill>
                   <a:srgbClr val="000000"/>
                 </a:solidFill>
@@ -8003,7 +7925,7 @@
               <a:t>Several  Greek  schools  developed  various forms of </a:t>
             </a:r>
             <a:r>
-              <a:rPr b="0" lang="en-US" sz="2050" spc="4" strike="noStrike">
+              <a:rPr b="0" lang="en-US" sz="2050" spc="-1" strike="noStrike">
                 <a:solidFill>
                   <a:srgbClr val="00007e"/>
                 </a:solidFill>
@@ -8013,7 +7935,7 @@
               <a:t>logic</a:t>
             </a:r>
             <a:r>
-              <a:rPr b="0" lang="en-US" sz="2050" spc="4" strike="noStrike">
+              <a:rPr b="0" lang="en-US" sz="2050" spc="-1" strike="noStrike">
                 <a:solidFill>
                   <a:srgbClr val="000000"/>
                 </a:solidFill>
@@ -8027,7 +7949,7 @@
             </a:endParaRPr>
           </a:p>
           <a:p>
-            <a:pPr marL="1144440" indent="-342000">
+            <a:pPr marL="1144440" indent="-341280">
               <a:lnSpc>
                 <a:spcPct val="100000"/>
               </a:lnSpc>
@@ -8041,7 +7963,7 @@
               <a:buChar char="•"/>
             </a:pPr>
             <a:r>
-              <a:rPr b="0" lang="en-US" sz="1800" spc="4" strike="noStrike">
+              <a:rPr b="0" lang="en-US" sz="1800" spc="-1" strike="noStrike">
                 <a:solidFill>
                   <a:srgbClr val="7e0000"/>
                 </a:solidFill>
@@ -8051,7 +7973,7 @@
               <a:t>notation </a:t>
             </a:r>
             <a:r>
-              <a:rPr b="0" lang="en-US" sz="1800" spc="4" strike="noStrike">
+              <a:rPr b="0" lang="en-US" sz="1800" spc="-1" strike="noStrike">
                 <a:solidFill>
                   <a:srgbClr val="000000"/>
                 </a:solidFill>
@@ -8061,7 +7983,7 @@
               <a:t>and  </a:t>
             </a:r>
             <a:r>
-              <a:rPr b="0" lang="en-US" sz="1800" spc="4" strike="noStrike">
+              <a:rPr b="0" lang="en-US" sz="1800" spc="-1" strike="noStrike">
                 <a:solidFill>
                   <a:srgbClr val="7e0000"/>
                 </a:solidFill>
@@ -8071,7 +7993,7 @@
               <a:t>rules of derivation </a:t>
             </a:r>
             <a:r>
-              <a:rPr b="0" lang="en-US" sz="1800" spc="4" strike="noStrike">
+              <a:rPr b="0" lang="en-US" sz="1800" spc="-1" strike="noStrike">
                 <a:solidFill>
                   <a:srgbClr val="000000"/>
                 </a:solidFill>
@@ -8085,7 +8007,7 @@
             </a:endParaRPr>
           </a:p>
           <a:p>
-            <a:pPr marL="1144440" indent="-342000">
+            <a:pPr marL="1144440" indent="-341280">
               <a:lnSpc>
                 <a:spcPct val="100000"/>
               </a:lnSpc>
@@ -8099,7 +8021,7 @@
               <a:buChar char="•"/>
             </a:pPr>
             <a:r>
-              <a:rPr b="0" lang="en-US" sz="1800" spc="4" strike="noStrike">
+              <a:rPr b="0" lang="en-US" sz="1800" spc="-1" strike="noStrike">
                 <a:solidFill>
                   <a:srgbClr val="000000"/>
                 </a:solidFill>
@@ -8126,7 +8048,7 @@
             </a:endParaRPr>
           </a:p>
           <a:p>
-            <a:pPr marL="1144440" indent="-342000">
+            <a:pPr marL="1144440" indent="-341280">
               <a:lnSpc>
                 <a:spcPct val="100000"/>
               </a:lnSpc>
@@ -8140,7 +8062,7 @@
               <a:buChar char="•"/>
             </a:pPr>
             <a:r>
-              <a:rPr b="0" lang="en-US" sz="2050" spc="4" strike="noStrike">
+              <a:rPr b="0" lang="en-US" sz="2050" spc="-1" strike="noStrike">
                 <a:solidFill>
                   <a:srgbClr val="000000"/>
                 </a:solidFill>
@@ -8154,7 +8076,7 @@
             </a:endParaRPr>
           </a:p>
           <a:p>
-            <a:pPr lvl="1" marL="514440" indent="-170280">
+            <a:pPr lvl="1" marL="514440" indent="-169560">
               <a:lnSpc>
                 <a:spcPct val="100000"/>
               </a:lnSpc>
@@ -8168,7 +8090,7 @@
               <a:buChar char="•"/>
             </a:pPr>
             <a:r>
-              <a:rPr b="0" lang="en-US" sz="1800" spc="4" strike="noStrike">
+              <a:rPr b="0" lang="en-US" sz="1800" spc="-1" strike="noStrike">
                 <a:solidFill>
                   <a:srgbClr val="000000"/>
                 </a:solidFill>
@@ -8195,7 +8117,7 @@
             </a:endParaRPr>
           </a:p>
           <a:p>
-            <a:pPr marL="1144440" indent="-342000">
+            <a:pPr marL="1144440" indent="-341280">
               <a:lnSpc>
                 <a:spcPct val="100000"/>
               </a:lnSpc>
@@ -8206,7 +8128,7 @@
               <a:buChar char="•"/>
             </a:pPr>
             <a:r>
-              <a:rPr b="0" lang="en-US" sz="2050" spc="4" strike="noStrike">
+              <a:rPr b="0" lang="en-US" sz="2050" spc="-1" strike="noStrike">
                 <a:solidFill>
                   <a:srgbClr val="000000"/>
                 </a:solidFill>
@@ -8236,7 +8158,7 @@
               </a:lnSpc>
             </a:pPr>
             <a:r>
-              <a:rPr b="0" lang="en-US" sz="2050" spc="4" strike="noStrike">
+              <a:rPr b="0" lang="en-US" sz="2050" spc="-1" strike="noStrike">
                 <a:solidFill>
                   <a:srgbClr val="000000"/>
                 </a:solidFill>
@@ -8250,7 +8172,7 @@
             </a:endParaRPr>
           </a:p>
           <a:p>
-            <a:pPr marL="744480" indent="-276840">
+            <a:pPr marL="744480" indent="-276120">
               <a:lnSpc>
                 <a:spcPct val="100000"/>
               </a:lnSpc>
@@ -8264,7 +8186,7 @@
               <a:buAutoNum type="arabicPeriod"/>
             </a:pPr>
             <a:r>
-              <a:rPr b="0" lang="en-US" sz="1800" spc="4" strike="noStrike">
+              <a:rPr b="0" lang="en-US" sz="1800" spc="-1" strike="noStrike">
                 <a:solidFill>
                   <a:srgbClr val="000000"/>
                 </a:solidFill>
@@ -8278,7 +8200,7 @@
             </a:endParaRPr>
           </a:p>
           <a:p>
-            <a:pPr marL="744480" indent="-276840">
+            <a:pPr marL="744480" indent="-276120">
               <a:lnSpc>
                 <a:spcPct val="101000"/>
               </a:lnSpc>
@@ -8292,7 +8214,7 @@
               <a:buAutoNum type="arabicPeriod"/>
             </a:pPr>
             <a:r>
-              <a:rPr b="0" lang="en-US" sz="1800" spc="4" strike="noStrike">
+              <a:rPr b="0" lang="en-US" sz="1800" spc="-1" strike="noStrike">
                 <a:solidFill>
                   <a:srgbClr val="004b00"/>
                 </a:solidFill>
@@ -8302,7 +8224,7 @@
               <a:t>Not goal driven.  What is the </a:t>
             </a:r>
             <a:r>
-              <a:rPr b="0" lang="en-US" sz="1800" spc="4" strike="noStrike">
+              <a:rPr b="0" lang="en-US" sz="1800" spc="-1" strike="noStrike">
                 <a:solidFill>
                   <a:srgbClr val="761114"/>
                 </a:solidFill>
@@ -8312,7 +8234,7 @@
               <a:t>purpose</a:t>
             </a:r>
             <a:r>
-              <a:rPr b="0" lang="en-US" sz="1800" spc="4" strike="noStrike">
+              <a:rPr b="0" lang="en-US" sz="1800" spc="-1" strike="noStrike">
                 <a:solidFill>
                   <a:srgbClr val="004b00"/>
                 </a:solidFill>
@@ -8322,7 +8244,7 @@
               <a:t> of thinking</a:t>
             </a:r>
             <a:r>
-              <a:rPr b="0" lang="en-US" sz="1800" spc="4" strike="noStrike">
+              <a:rPr b="0" lang="en-US" sz="1800" spc="-1" strike="noStrike">
                 <a:solidFill>
                   <a:srgbClr val="000000"/>
                 </a:solidFill>
@@ -8332,7 +8254,7 @@
               <a:t>? What thoughts </a:t>
             </a:r>
             <a:r>
-              <a:rPr b="0" lang="en-US" sz="1800" spc="4" strike="noStrike">
+              <a:rPr b="0" lang="en-US" sz="1800" spc="-1" strike="noStrike">
                 <a:solidFill>
                   <a:srgbClr val="7e0000"/>
                 </a:solidFill>
@@ -8342,7 +8264,7 @@
               <a:t>should </a:t>
             </a:r>
             <a:r>
-              <a:rPr b="0" lang="en-US" sz="1800" spc="4" strike="noStrike">
+              <a:rPr b="0" lang="en-US" sz="1800" spc="-1" strike="noStrike">
                 <a:solidFill>
                   <a:srgbClr val="000000"/>
                 </a:solidFill>
@@ -8352,7 +8274,7 @@
               <a:t>I have out of all the thoughts  (logical or otherwise) that I </a:t>
             </a:r>
             <a:r>
-              <a:rPr b="0" lang="en-US" sz="1800" spc="4" strike="noStrike">
+              <a:rPr b="0" lang="en-US" sz="1800" spc="-1" strike="noStrike">
                 <a:solidFill>
                   <a:srgbClr val="761114"/>
                 </a:solidFill>
@@ -8362,7 +8284,7 @@
               <a:t>could</a:t>
             </a:r>
             <a:r>
-              <a:rPr b="0" lang="en-US" sz="1800" spc="4" strike="noStrike">
+              <a:rPr b="0" lang="en-US" sz="1800" spc="-1" strike="noStrike">
                 <a:solidFill>
                   <a:srgbClr val="7e0000"/>
                 </a:solidFill>
@@ -8372,7 +8294,7 @@
               <a:t> </a:t>
             </a:r>
             <a:r>
-              <a:rPr b="0" lang="en-US" sz="1800" spc="4" strike="noStrike">
+              <a:rPr b="0" lang="en-US" sz="1800" spc="-1" strike="noStrike">
                 <a:solidFill>
                   <a:srgbClr val="000000"/>
                 </a:solidFill>
@@ -8445,7 +8367,7 @@
         <p:spPr>
           <a:xfrm>
             <a:off x="8147520" y="7217280"/>
-            <a:ext cx="158400" cy="4507200"/>
+            <a:ext cx="157680" cy="4506480"/>
           </a:xfrm>
           <a:prstGeom prst="rect">
             <a:avLst/>
@@ -8469,8 +8391,8 @@
                 <a:spcPts val="884"/>
               </a:lnSpc>
             </a:pPr>
-            <a:fld id="{73897FF7-7419-48F8-AF96-94D67345D219}" type="slidenum">
-              <a:rPr b="0" lang="en-US" sz="800" spc="4" strike="noStrike">
+            <a:fld id="{1FC7AD97-30F7-4745-AE22-49172CC9AAE9}" type="slidenum">
+              <a:rPr b="0" lang="en-US" sz="800" spc="-1" strike="noStrike">
                 <a:solidFill>
                   <a:srgbClr val="000000"/>
                 </a:solidFill>
@@ -8494,7 +8416,7 @@
         <p:spPr>
           <a:xfrm>
             <a:off x="762120" y="457200"/>
-            <a:ext cx="7721280" cy="1297080"/>
+            <a:ext cx="7720560" cy="1296360"/>
           </a:xfrm>
           <a:prstGeom prst="rect">
             <a:avLst/>
@@ -8519,7 +8441,7 @@
               </a:lnSpc>
             </a:pPr>
             <a:r>
-              <a:rPr b="0" lang="en-US" sz="2500" spc="4" strike="noStrike">
+              <a:rPr b="0" lang="en-US" sz="2500" spc="-1" strike="noStrike">
                 <a:solidFill>
                   <a:srgbClr val="000000"/>
                 </a:solidFill>
@@ -8543,7 +8465,7 @@
         <p:spPr>
           <a:xfrm>
             <a:off x="533520" y="1143000"/>
-            <a:ext cx="7349040" cy="6563160"/>
+            <a:ext cx="7348320" cy="6562440"/>
           </a:xfrm>
           <a:prstGeom prst="rect">
             <a:avLst/>
@@ -8562,7 +8484,7 @@
         <p:txBody>
           <a:bodyPr lIns="0" rIns="0" tIns="0" bIns="0"/>
           <a:p>
-            <a:pPr marL="355680" indent="-342000">
+            <a:pPr marL="355680" indent="-341280">
               <a:lnSpc>
                 <a:spcPct val="100000"/>
               </a:lnSpc>
@@ -8573,7 +8495,7 @@
               <a:buChar char="•"/>
             </a:pPr>
             <a:r>
-              <a:rPr b="0" lang="en-US" sz="2050" spc="4" strike="noStrike">
+              <a:rPr b="0" lang="en-US" sz="2050" spc="-1" strike="noStrike">
                 <a:solidFill>
                   <a:srgbClr val="00007e"/>
                 </a:solidFill>
@@ -8583,7 +8505,7 @@
               <a:t>Rational </a:t>
             </a:r>
             <a:r>
-              <a:rPr b="0" lang="en-US" sz="2050" spc="4" strike="noStrike">
+              <a:rPr b="0" lang="en-US" sz="2050" spc="-1" strike="noStrike">
                 <a:solidFill>
                   <a:srgbClr val="000000"/>
                 </a:solidFill>
@@ -8597,7 +8519,7 @@
             </a:endParaRPr>
           </a:p>
           <a:p>
-            <a:pPr lvl="1" marL="812880" indent="-342000">
+            <a:pPr lvl="1" marL="812880" indent="-341280">
               <a:lnSpc>
                 <a:spcPct val="100000"/>
               </a:lnSpc>
@@ -8608,7 +8530,7 @@
               <a:buChar char="•"/>
             </a:pPr>
             <a:r>
-              <a:rPr b="0" lang="en-US" sz="1800" spc="4" strike="noStrike">
+              <a:rPr b="0" lang="en-US" sz="1800" spc="-1" strike="noStrike">
                 <a:solidFill>
                   <a:srgbClr val="000000"/>
                 </a:solidFill>
@@ -8622,7 +8544,7 @@
             </a:endParaRPr>
           </a:p>
           <a:p>
-            <a:pPr lvl="1" marL="812880" indent="-342000">
+            <a:pPr lvl="1" marL="812880" indent="-341280">
               <a:lnSpc>
                 <a:spcPct val="100000"/>
               </a:lnSpc>
@@ -8633,7 +8555,7 @@
               <a:buChar char="•"/>
             </a:pPr>
             <a:r>
-              <a:rPr b="0" lang="en-US" sz="1800" spc="4" strike="noStrike">
+              <a:rPr b="0" lang="en-US" sz="1800" spc="-1" strike="noStrike">
                 <a:solidFill>
                   <a:srgbClr val="000000"/>
                 </a:solidFill>
@@ -8647,7 +8569,7 @@
             </a:endParaRPr>
           </a:p>
           <a:p>
-            <a:pPr lvl="1" marL="812880" indent="-342000">
+            <a:pPr lvl="1" marL="812880" indent="-341280">
               <a:lnSpc>
                 <a:spcPct val="100000"/>
               </a:lnSpc>
@@ -8658,7 +8580,7 @@
               <a:buChar char="•"/>
             </a:pPr>
             <a:r>
-              <a:rPr b="0" lang="en-US" sz="1800" spc="4" strike="noStrike">
+              <a:rPr b="0" lang="en-US" sz="1800" spc="-1" strike="noStrike">
                 <a:solidFill>
                   <a:srgbClr val="000000"/>
                 </a:solidFill>
@@ -8688,7 +8610,7 @@
               </a:lnSpc>
             </a:pPr>
             <a:r>
-              <a:rPr b="0" lang="en-US" sz="2050" spc="4" strike="noStrike">
+              <a:rPr b="0" lang="en-US" sz="2050" spc="-1" strike="noStrike">
                 <a:solidFill>
                   <a:srgbClr val="761114"/>
                 </a:solidFill>
@@ -8698,7 +8620,7 @@
               <a:t>The right thing: </a:t>
             </a:r>
             <a:r>
-              <a:rPr b="0" lang="en-US" sz="2050" spc="4" strike="noStrike">
+              <a:rPr b="0" lang="en-US" sz="2050" spc="-1" strike="noStrike">
                 <a:solidFill>
                   <a:srgbClr val="000000"/>
                 </a:solidFill>
@@ -8718,7 +8640,7 @@
               </a:lnSpc>
             </a:pPr>
             <a:r>
-              <a:rPr b="0" lang="en-US" sz="2050" spc="4" strike="noStrike">
+              <a:rPr b="0" lang="en-US" sz="2050" spc="-1" strike="noStrike">
                 <a:solidFill>
                   <a:srgbClr val="000000"/>
                 </a:solidFill>
@@ -8738,7 +8660,7 @@
               </a:lnSpc>
             </a:pPr>
             <a:r>
-              <a:rPr b="0" lang="en-US" sz="2050" spc="4" strike="noStrike">
+              <a:rPr b="0" lang="en-US" sz="2050" spc="-1" strike="noStrike">
                 <a:solidFill>
                   <a:srgbClr val="000000"/>
                 </a:solidFill>
@@ -8748,7 +8670,7 @@
               <a:t> </a:t>
             </a:r>
             <a:r>
-              <a:rPr b="0" lang="en-US" sz="2050" spc="4" strike="noStrike">
+              <a:rPr b="0" lang="en-US" sz="2050" spc="-1" strike="noStrike">
                 <a:solidFill>
                   <a:srgbClr val="000000"/>
                 </a:solidFill>
@@ -8772,7 +8694,7 @@
             </a:endParaRPr>
           </a:p>
           <a:p>
-            <a:pPr marL="355680" indent="-342000">
+            <a:pPr marL="355680" indent="-341280">
               <a:lnSpc>
                 <a:spcPct val="100000"/>
               </a:lnSpc>
@@ -8783,7 +8705,7 @@
               <a:buChar char="•"/>
             </a:pPr>
             <a:r>
-              <a:rPr b="0" lang="en-US" sz="2050" spc="4" strike="noStrike">
+              <a:rPr b="0" lang="en-US" sz="2050" spc="-1" strike="noStrike">
                 <a:solidFill>
                   <a:srgbClr val="000000"/>
                 </a:solidFill>
@@ -8797,7 +8719,7 @@
             </a:endParaRPr>
           </a:p>
           <a:p>
-            <a:pPr lvl="1" marL="812880" indent="-342000">
+            <a:pPr lvl="1" marL="812880" indent="-341280">
               <a:lnSpc>
                 <a:spcPct val="100000"/>
               </a:lnSpc>
@@ -8808,7 +8730,7 @@
               <a:buChar char="•"/>
             </a:pPr>
             <a:r>
-              <a:rPr b="0" lang="en-US" sz="2050" spc="4" strike="noStrike">
+              <a:rPr b="0" lang="en-US" sz="2050" spc="-1" strike="noStrike">
                 <a:solidFill>
                   <a:srgbClr val="000000"/>
                 </a:solidFill>
@@ -8832,7 +8754,7 @@
             </a:endParaRPr>
           </a:p>
           <a:p>
-            <a:pPr marL="355680" indent="-342000">
+            <a:pPr marL="355680" indent="-341280">
               <a:lnSpc>
                 <a:spcPct val="100000"/>
               </a:lnSpc>
@@ -8843,7 +8765,7 @@
               <a:buChar char="•"/>
             </a:pPr>
             <a:r>
-              <a:rPr b="0" lang="en-US" sz="2050" spc="4" strike="noStrike">
+              <a:rPr b="0" lang="en-US" sz="2050" spc="-1" strike="noStrike">
                 <a:solidFill>
                   <a:srgbClr val="000000"/>
                 </a:solidFill>
@@ -8853,7 +8775,7 @@
               <a:t>This course in AI is about </a:t>
             </a:r>
             <a:r>
-              <a:rPr b="0" i="1" lang="en-US" sz="2050" spc="4" strike="noStrike">
+              <a:rPr b="0" i="1" lang="en-US" sz="2050" spc="-1" strike="noStrike">
                 <a:solidFill>
                   <a:srgbClr val="000000"/>
                 </a:solidFill>
@@ -8867,7 +8789,7 @@
             </a:endParaRPr>
           </a:p>
           <a:p>
-            <a:pPr lvl="1" marL="812880" indent="-342000">
+            <a:pPr lvl="1" marL="812880" indent="-341280">
               <a:lnSpc>
                 <a:spcPct val="100000"/>
               </a:lnSpc>
@@ -8878,7 +8800,7 @@
               <a:buChar char="•"/>
             </a:pPr>
             <a:r>
-              <a:rPr b="0" lang="en-US" sz="1800" spc="4" strike="noStrike">
+              <a:rPr b="0" lang="en-US" sz="1800" spc="-1" strike="noStrike">
                 <a:solidFill>
                   <a:srgbClr val="000000"/>
                 </a:solidFill>
@@ -8892,7 +8814,7 @@
             </a:endParaRPr>
           </a:p>
           <a:p>
-            <a:pPr lvl="1" marL="812880" indent="-342000">
+            <a:pPr lvl="1" marL="812880" indent="-341280">
               <a:lnSpc>
                 <a:spcPct val="100000"/>
               </a:lnSpc>
@@ -8903,7 +8825,7 @@
               <a:buChar char="•"/>
             </a:pPr>
             <a:r>
-              <a:rPr b="0" lang="en-US" sz="1800" spc="4" strike="noStrike">
+              <a:rPr b="0" lang="en-US" sz="1800" spc="-1" strike="noStrike">
                 <a:solidFill>
                   <a:srgbClr val="000000"/>
                 </a:solidFill>
@@ -8927,7 +8849,7 @@
             </a:endParaRPr>
           </a:p>
           <a:p>
-            <a:pPr marL="355680" indent="-342000">
+            <a:pPr marL="355680" indent="-341280">
               <a:lnSpc>
                 <a:spcPct val="100000"/>
               </a:lnSpc>
@@ -8938,7 +8860,7 @@
               <a:buChar char="•"/>
             </a:pPr>
             <a:r>
-              <a:rPr b="0" lang="en-US" sz="2050" spc="4" strike="noStrike">
+              <a:rPr b="0" lang="en-US" sz="2050" spc="-1" strike="noStrike">
                 <a:solidFill>
                   <a:srgbClr val="000000"/>
                 </a:solidFill>
@@ -8952,7 +8874,7 @@
             </a:endParaRPr>
           </a:p>
           <a:p>
-            <a:pPr lvl="1" marL="812880" indent="-342000">
+            <a:pPr lvl="1" marL="812880" indent="-341280">
               <a:lnSpc>
                 <a:spcPct val="100000"/>
               </a:lnSpc>
@@ -8963,7 +8885,7 @@
               <a:buChar char="•"/>
             </a:pPr>
             <a:r>
-              <a:rPr b="0" lang="en-US" sz="1800" spc="4" strike="noStrike">
+              <a:rPr b="0" lang="en-US" sz="1800" spc="-1" strike="noStrike">
                 <a:solidFill>
                   <a:srgbClr val="000000"/>
                 </a:solidFill>
@@ -8977,7 +8899,7 @@
             </a:endParaRPr>
           </a:p>
           <a:p>
-            <a:pPr lvl="1" marL="812880" indent="-342000">
+            <a:pPr lvl="1" marL="812880" indent="-341280">
               <a:lnSpc>
                 <a:spcPct val="100000"/>
               </a:lnSpc>
@@ -8988,7 +8910,7 @@
               <a:buChar char="•"/>
             </a:pPr>
             <a:r>
-              <a:rPr b="0" lang="en-US" sz="1800" spc="4" strike="noStrike">
+              <a:rPr b="0" lang="en-US" sz="1800" spc="-1" strike="noStrike">
                 <a:solidFill>
                   <a:srgbClr val="000000"/>
                 </a:solidFill>
@@ -8998,7 +8920,7 @@
               <a:t>Formally:  Designing </a:t>
             </a:r>
             <a:r>
-              <a:rPr b="1" lang="en-US" sz="1800" spc="4" strike="noStrike">
+              <a:rPr b="1" lang="en-US" sz="1800" spc="-1" strike="noStrike">
                 <a:solidFill>
                   <a:srgbClr val="000000"/>
                 </a:solidFill>
@@ -9008,7 +8930,7 @@
               <a:t>agents </a:t>
             </a:r>
             <a:r>
-              <a:rPr b="0" lang="en-US" sz="1800" spc="4" strike="noStrike">
+              <a:rPr b="0" lang="en-US" sz="1800" spc="-1" strike="noStrike">
                 <a:solidFill>
                   <a:srgbClr val="000000"/>
                 </a:solidFill>
@@ -9091,7 +9013,7 @@
         <p:spPr>
           <a:xfrm>
             <a:off x="8147520" y="7217280"/>
-            <a:ext cx="158400" cy="4507200"/>
+            <a:ext cx="157680" cy="4506480"/>
           </a:xfrm>
           <a:prstGeom prst="rect">
             <a:avLst/>
@@ -9115,8 +9037,8 @@
                 <a:spcPts val="884"/>
               </a:lnSpc>
             </a:pPr>
-            <a:fld id="{701F988F-B857-4C52-9776-9F36A24D5D07}" type="slidenum">
-              <a:rPr b="0" lang="en-US" sz="800" spc="4" strike="noStrike">
+            <a:fld id="{A91B2EE2-B984-42C5-A352-1720922CCE21}" type="slidenum">
+              <a:rPr b="0" lang="en-US" sz="800" spc="-1" strike="noStrike">
                 <a:solidFill>
                   <a:srgbClr val="000000"/>
                 </a:solidFill>
@@ -9140,7 +9062,7 @@
         <p:spPr>
           <a:xfrm>
             <a:off x="685800" y="685800"/>
-            <a:ext cx="7721280" cy="1297080"/>
+            <a:ext cx="7720560" cy="1296360"/>
           </a:xfrm>
           <a:prstGeom prst="rect">
             <a:avLst/>
@@ -9165,7 +9087,7 @@
               </a:lnSpc>
             </a:pPr>
             <a:r>
-              <a:rPr b="0" lang="en-US" sz="2500" spc="4" strike="noStrike">
+              <a:rPr b="0" lang="en-US" sz="2500" spc="-1" strike="noStrike">
                 <a:solidFill>
                   <a:srgbClr val="000000"/>
                 </a:solidFill>
@@ -9189,7 +9111,7 @@
         <p:spPr>
           <a:xfrm>
             <a:off x="496440" y="1425600"/>
-            <a:ext cx="8875080" cy="5755320"/>
+            <a:ext cx="8874360" cy="5754600"/>
           </a:xfrm>
           <a:prstGeom prst="rect">
             <a:avLst/>
@@ -9208,7 +9130,7 @@
         <p:txBody>
           <a:bodyPr lIns="0" rIns="0" tIns="0" bIns="0"/>
           <a:p>
-            <a:pPr marL="216000" indent="-342000">
+            <a:pPr marL="216000" indent="-341280">
               <a:lnSpc>
                 <a:spcPct val="100000"/>
               </a:lnSpc>
@@ -9219,7 +9141,7 @@
               <a:buChar char="•"/>
             </a:pPr>
             <a:r>
-              <a:rPr b="0" lang="en-US" sz="2050" spc="4" strike="noStrike">
+              <a:rPr b="0" lang="en-US" sz="2050" spc="-1" strike="noStrike">
                 <a:solidFill>
                   <a:srgbClr val="000000"/>
                 </a:solidFill>
@@ -9229,7 +9151,7 @@
               <a:t>An </a:t>
             </a:r>
             <a:r>
-              <a:rPr b="0" lang="en-US" sz="2050" spc="4" strike="noStrike">
+              <a:rPr b="0" lang="en-US" sz="2050" spc="-1" strike="noStrike">
                 <a:solidFill>
                   <a:srgbClr val="00007e"/>
                 </a:solidFill>
@@ -9239,7 +9161,7 @@
               <a:t>agent </a:t>
             </a:r>
             <a:r>
-              <a:rPr b="0" lang="en-US" sz="2050" spc="4" strike="noStrike">
+              <a:rPr b="0" lang="en-US" sz="2050" spc="-1" strike="noStrike">
                 <a:solidFill>
                   <a:srgbClr val="000000"/>
                 </a:solidFill>
@@ -9253,7 +9175,7 @@
             </a:endParaRPr>
           </a:p>
           <a:p>
-            <a:pPr lvl="1" marL="514440" indent="-170280">
+            <a:pPr lvl="1" marL="514440" indent="-169560">
               <a:lnSpc>
                 <a:spcPct val="100000"/>
               </a:lnSpc>
@@ -9267,7 +9189,7 @@
               <a:buChar char="•"/>
             </a:pPr>
             <a:r>
-              <a:rPr b="0" lang="en-US" sz="1800" spc="4" strike="noStrike">
+              <a:rPr b="0" lang="en-US" sz="1800" spc="-1" strike="noStrike">
                 <a:solidFill>
                   <a:srgbClr val="000000"/>
                 </a:solidFill>
@@ -9277,7 +9199,7 @@
               <a:t>This course  is  about designing  </a:t>
             </a:r>
             <a:r>
-              <a:rPr b="0" lang="en-US" sz="1800" spc="4" strike="noStrike">
+              <a:rPr b="0" lang="en-US" sz="1800" spc="-1" strike="noStrike">
                 <a:solidFill>
                   <a:srgbClr val="00007e"/>
                 </a:solidFill>
@@ -9291,7 +9213,7 @@
             </a:endParaRPr>
           </a:p>
           <a:p>
-            <a:pPr lvl="1" marL="514440" indent="-170280">
+            <a:pPr lvl="1" marL="514440" indent="-169560">
               <a:lnSpc>
                 <a:spcPct val="100000"/>
               </a:lnSpc>
@@ -9305,7 +9227,7 @@
               <a:buChar char="•"/>
             </a:pPr>
             <a:r>
-              <a:rPr b="0" lang="en-US" sz="1800" spc="4" strike="noStrike">
+              <a:rPr b="0" lang="en-US" sz="1800" spc="-1" strike="noStrike">
                 <a:solidFill>
                   <a:srgbClr val="000000"/>
                 </a:solidFill>
@@ -9315,7 +9237,7 @@
               <a:t>Defn:  a software agent that acts to achieve best </a:t>
             </a:r>
             <a:r>
-              <a:rPr b="0" i="1" lang="en-US" sz="1800" spc="4" strike="noStrike">
+              <a:rPr b="0" i="1" lang="en-US" sz="1800" spc="-1" strike="noStrike">
                 <a:solidFill>
                   <a:srgbClr val="761114"/>
                 </a:solidFill>
@@ -9325,7 +9247,7 @@
               <a:t>expected</a:t>
             </a:r>
             <a:r>
-              <a:rPr b="0" lang="en-US" sz="1800" spc="4" strike="noStrike">
+              <a:rPr b="0" lang="en-US" sz="1800" spc="-1" strike="noStrike">
                 <a:solidFill>
                   <a:srgbClr val="000000"/>
                 </a:solidFill>
@@ -9339,7 +9261,7 @@
             </a:endParaRPr>
           </a:p>
           <a:p>
-            <a:pPr lvl="2" marL="971640" indent="-170280">
+            <a:pPr lvl="2" marL="971640" indent="-169560">
               <a:lnSpc>
                 <a:spcPct val="100000"/>
               </a:lnSpc>
@@ -9353,7 +9275,7 @@
               <a:buChar char="•"/>
             </a:pPr>
             <a:r>
-              <a:rPr b="0" lang="en-US" sz="1600" spc="4" strike="noStrike">
+              <a:rPr b="0" lang="en-US" sz="1600" spc="-1" strike="noStrike">
                 <a:solidFill>
                   <a:srgbClr val="000000"/>
                 </a:solidFill>
@@ -9367,7 +9289,7 @@
             </a:endParaRPr>
           </a:p>
           <a:p>
-            <a:pPr lvl="2" marL="971640" indent="-170280">
+            <a:pPr lvl="2" marL="971640" indent="-169560">
               <a:lnSpc>
                 <a:spcPct val="100000"/>
               </a:lnSpc>
@@ -9381,7 +9303,7 @@
               <a:buChar char="•"/>
             </a:pPr>
             <a:r>
-              <a:rPr b="0" lang="en-US" sz="1600" spc="4" strike="noStrike">
+              <a:rPr b="0" lang="en-US" sz="1600" spc="-1" strike="noStrike">
                 <a:solidFill>
                   <a:srgbClr val="000000"/>
                 </a:solidFill>
@@ -9395,7 +9317,7 @@
             </a:endParaRPr>
           </a:p>
           <a:p>
-            <a:pPr lvl="1" marL="514440" indent="-170280">
+            <a:pPr lvl="1" marL="514440" indent="-169560">
               <a:lnSpc>
                 <a:spcPct val="100000"/>
               </a:lnSpc>
@@ -9409,7 +9331,7 @@
               <a:buChar char="•"/>
             </a:pPr>
             <a:r>
-              <a:rPr b="0" lang="en-US" sz="1800" spc="4" strike="noStrike">
+              <a:rPr b="0" lang="en-US" sz="1800" spc="-1" strike="noStrike">
                 <a:solidFill>
                   <a:srgbClr val="000000"/>
                 </a:solidFill>
@@ -9419,7 +9341,7 @@
               <a:t>Or often, realistically:  </a:t>
             </a:r>
             <a:r>
-              <a:rPr b="0" lang="en-US" sz="1800" spc="4" strike="noStrike">
+              <a:rPr b="0" lang="en-US" sz="1800" spc="-1" strike="noStrike">
                 <a:solidFill>
                   <a:srgbClr val="761114"/>
                 </a:solidFill>
@@ -9429,7 +9351,7 @@
               <a:t>Limited rationality</a:t>
             </a:r>
             <a:r>
-              <a:rPr b="0" lang="en-US" sz="1800" spc="4" strike="noStrike">
+              <a:rPr b="0" lang="en-US" sz="1800" spc="-1" strike="noStrike">
                 <a:solidFill>
                   <a:srgbClr val="000000"/>
                 </a:solidFill>
@@ -9439,7 +9361,7 @@
               <a:t>:  take the most rational action </a:t>
             </a:r>
             <a:r>
-              <a:rPr b="0" i="1" lang="en-US" sz="1800" spc="4" strike="noStrike">
+              <a:rPr b="0" i="1" lang="en-US" sz="1800" spc="-1" strike="noStrike">
                 <a:solidFill>
                   <a:srgbClr val="000000"/>
                 </a:solidFill>
@@ -9453,7 +9375,7 @@
             </a:endParaRPr>
           </a:p>
           <a:p>
-            <a:pPr marL="355680" indent="-342000">
+            <a:pPr marL="355680" indent="-341280">
               <a:lnSpc>
                 <a:spcPct val="100000"/>
               </a:lnSpc>
@@ -9467,7 +9389,7 @@
               <a:buChar char="•"/>
             </a:pPr>
             <a:r>
-              <a:rPr b="0" lang="en-US" sz="2050" spc="4" strike="noStrike">
+              <a:rPr b="0" lang="en-US" sz="2050" spc="-1" strike="noStrike">
                 <a:solidFill>
                   <a:srgbClr val="000000"/>
                 </a:solidFill>
@@ -9490,7 +9412,7 @@
               </a:spcBef>
             </a:pPr>
             <a:r>
-              <a:rPr b="0" lang="en-US" sz="2050" spc="4" strike="noStrike">
+              <a:rPr b="0" lang="en-US" sz="2050" spc="-1" strike="noStrike">
                 <a:solidFill>
                   <a:srgbClr val="000000"/>
                 </a:solidFill>
@@ -9500,7 +9422,7 @@
               <a:t>f : P</a:t>
             </a:r>
             <a:r>
-              <a:rPr b="0" lang="en-US" sz="2100" spc="4" strike="noStrike" baseline="33000">
+              <a:rPr b="0" lang="en-US" sz="2100" spc="-1" strike="noStrike" baseline="33000">
                 <a:solidFill>
                   <a:srgbClr val="000000"/>
                 </a:solidFill>
@@ -9510,7 +9432,7 @@
               <a:t>∗  </a:t>
             </a:r>
             <a:r>
-              <a:rPr b="0" lang="en-US" sz="2050" spc="4" strike="noStrike">
+              <a:rPr b="0" lang="en-US" sz="2050" spc="-1" strike="noStrike">
                 <a:solidFill>
                   <a:srgbClr val="000000"/>
                 </a:solidFill>
@@ -9524,7 +9446,7 @@
             </a:endParaRPr>
           </a:p>
           <a:p>
-            <a:pPr marL="355680" indent="-342000">
+            <a:pPr marL="355680" indent="-341280">
               <a:lnSpc>
                 <a:spcPct val="101000"/>
               </a:lnSpc>
@@ -9538,7 +9460,7 @@
               <a:buChar char="•"/>
             </a:pPr>
             <a:r>
-              <a:rPr b="0" lang="en-US" sz="2050" spc="4" strike="noStrike">
+              <a:rPr b="0" lang="en-US" sz="2050" spc="-1" strike="noStrike">
                 <a:solidFill>
                   <a:srgbClr val="000000"/>
                 </a:solidFill>
@@ -9552,7 +9474,7 @@
             </a:endParaRPr>
           </a:p>
           <a:p>
-            <a:pPr marL="355680" indent="-342000">
+            <a:pPr marL="355680" indent="-341280">
               <a:lnSpc>
                 <a:spcPct val="101000"/>
               </a:lnSpc>
@@ -9566,7 +9488,7 @@
               <a:buChar char="•"/>
             </a:pPr>
             <a:r>
-              <a:rPr b="0" lang="en-US" sz="2050" spc="4" strike="noStrike">
+              <a:rPr b="0" lang="en-US" sz="2050" spc="-1" strike="noStrike">
                 <a:solidFill>
                   <a:srgbClr val="000000"/>
                 </a:solidFill>
@@ -9576,7 +9498,7 @@
               <a:t>Caveat: </a:t>
             </a:r>
             <a:r>
-              <a:rPr b="0" lang="en-US" sz="2050" spc="4" strike="noStrike">
+              <a:rPr b="0" lang="en-US" sz="2050" spc="-1" strike="noStrike">
                 <a:solidFill>
                   <a:srgbClr val="7e0000"/>
                 </a:solidFill>
@@ -9590,7 +9512,7 @@
             </a:endParaRPr>
           </a:p>
           <a:p>
-            <a:pPr lvl="1" marL="812880" indent="-342000">
+            <a:pPr lvl="1" marL="812880" indent="-341280">
               <a:lnSpc>
                 <a:spcPct val="100000"/>
               </a:lnSpc>
@@ -9604,7 +9526,7 @@
               <a:buChar char="•"/>
             </a:pPr>
             <a:r>
-              <a:rPr b="0" lang="en-US" sz="1800" spc="4" strike="noStrike">
+              <a:rPr b="0" lang="en-US" sz="1800" spc="-1" strike="noStrike">
                 <a:solidFill>
                   <a:srgbClr val="000000"/>
                 </a:solidFill>
@@ -9614,7 +9536,7 @@
               <a:t>→ </a:t>
             </a:r>
             <a:r>
-              <a:rPr b="0" lang="en-US" sz="1800" spc="4" strike="noStrike">
+              <a:rPr b="0" lang="en-US" sz="1800" spc="-1" strike="noStrike">
                 <a:solidFill>
                   <a:srgbClr val="000000"/>
                 </a:solidFill>
@@ -9624,7 +9546,7 @@
               <a:t>design  best </a:t>
             </a:r>
             <a:r>
-              <a:rPr b="0" lang="en-US" sz="1800" spc="4" strike="noStrike">
+              <a:rPr b="0" lang="en-US" sz="1800" spc="-1" strike="noStrike">
                 <a:solidFill>
                   <a:srgbClr val="004b00"/>
                 </a:solidFill>
@@ -9634,7 +9556,7 @@
               <a:t>program  </a:t>
             </a:r>
             <a:r>
-              <a:rPr b="0" i="1" lang="en-US" sz="1800" spc="4" strike="noStrike">
+              <a:rPr b="0" i="1" lang="en-US" sz="1800" spc="-1" strike="noStrike">
                 <a:solidFill>
                   <a:srgbClr val="000000"/>
                 </a:solidFill>
@@ -9707,7 +9629,7 @@
         <p:spPr>
           <a:xfrm>
             <a:off x="8147520" y="7217280"/>
-            <a:ext cx="158400" cy="4507200"/>
+            <a:ext cx="157680" cy="4506480"/>
           </a:xfrm>
           <a:prstGeom prst="rect">
             <a:avLst/>
@@ -9731,8 +9653,8 @@
                 <a:spcPts val="884"/>
               </a:lnSpc>
             </a:pPr>
-            <a:fld id="{F8E3054D-43EB-47B2-8FEC-805420461A7A}" type="slidenum">
-              <a:rPr b="1" lang="en-US" sz="800" spc="4" strike="noStrike">
+            <a:fld id="{2C70B72A-671B-4AEC-9CCB-C09C11D208C3}" type="slidenum">
+              <a:rPr b="1" lang="en-US" sz="800" spc="-1" strike="noStrike">
                 <a:solidFill>
                   <a:srgbClr val="000000"/>
                 </a:solidFill>
@@ -9756,7 +9678,7 @@
         <p:spPr>
           <a:xfrm>
             <a:off x="685800" y="685800"/>
-            <a:ext cx="7721280" cy="1297080"/>
+            <a:ext cx="7720560" cy="1296360"/>
           </a:xfrm>
           <a:prstGeom prst="rect">
             <a:avLst/>
@@ -9781,7 +9703,7 @@
               </a:lnSpc>
             </a:pPr>
             <a:r>
-              <a:rPr b="1" lang="en-US" sz="2500" spc="4" strike="noStrike">
+              <a:rPr b="1" lang="en-US" sz="2500" spc="-1" strike="noStrike">
                 <a:solidFill>
                   <a:srgbClr val="000000"/>
                 </a:solidFill>
@@ -10402,7 +10324,7 @@
                         </a:lnSpc>
                       </a:pPr>
                       <a:r>
-                        <a:rPr b="0" lang="en-US" sz="1800" spc="4" strike="noStrike">
+                        <a:rPr b="0" lang="en-US" sz="1800" spc="-1" strike="noStrike">
                           <a:solidFill>
                             <a:srgbClr val="000000"/>
                           </a:solidFill>
@@ -10508,7 +10430,7 @@
                         </a:lnSpc>
                       </a:pPr>
                       <a:r>
-                        <a:rPr b="0" lang="en-US" sz="1800" spc="4" strike="noStrike">
+                        <a:rPr b="0" lang="en-US" sz="1800" spc="-1" strike="noStrike">
                           <a:solidFill>
                             <a:srgbClr val="000000"/>
                           </a:solidFill>
@@ -10608,7 +10530,7 @@
         <p:spPr>
           <a:xfrm>
             <a:off x="8147520" y="7217280"/>
-            <a:ext cx="158400" cy="4507200"/>
+            <a:ext cx="157680" cy="4506480"/>
           </a:xfrm>
           <a:prstGeom prst="rect">
             <a:avLst/>
@@ -10632,8 +10554,8 @@
                 <a:spcPts val="884"/>
               </a:lnSpc>
             </a:pPr>
-            <a:fld id="{9F395163-1711-43AA-B199-D1BD84795ED0}" type="slidenum">
-              <a:rPr b="1" lang="en-US" sz="800" spc="4" strike="noStrike">
+            <a:fld id="{89FAA2C0-C382-4FE9-AC88-07C65D549057}" type="slidenum">
+              <a:rPr b="1" lang="en-US" sz="800" spc="-1" strike="noStrike">
                 <a:solidFill>
                   <a:srgbClr val="000000"/>
                 </a:solidFill>
@@ -10657,7 +10579,7 @@
         <p:spPr>
           <a:xfrm>
             <a:off x="685800" y="455760"/>
-            <a:ext cx="7721280" cy="1297080"/>
+            <a:ext cx="7720560" cy="1296360"/>
           </a:xfrm>
           <a:prstGeom prst="rect">
             <a:avLst/>
@@ -10682,7 +10604,7 @@
               </a:lnSpc>
             </a:pPr>
             <a:r>
-              <a:rPr b="1" lang="en-US" sz="2500" spc="4" strike="noStrike">
+              <a:rPr b="1" lang="en-US" sz="2500" spc="-1" strike="noStrike">
                 <a:solidFill>
                   <a:srgbClr val="000000"/>
                 </a:solidFill>
@@ -10705,7 +10627,7 @@
         </p:nvGraphicFramePr>
         <p:xfrm>
           <a:off x="533520" y="1025280"/>
-          <a:ext cx="8533800" cy="5947920"/>
+          <a:ext cx="8533800" cy="5947200"/>
         </p:xfrm>
         <a:graphic>
           <a:graphicData uri="http://schemas.openxmlformats.org/drawingml/2006/table">
@@ -11253,7 +11175,7 @@
                         </a:lnSpc>
                       </a:pPr>
                       <a:r>
-                        <a:rPr b="0" lang="en-US" sz="1800" spc="4" strike="noStrike">
+                        <a:rPr b="0" lang="en-US" sz="1800" spc="-1" strike="noStrike">
                           <a:solidFill>
                             <a:srgbClr val="000000"/>
                           </a:solidFill>
@@ -11349,7 +11271,7 @@
                         </a:lnSpc>
                       </a:pPr>
                       <a:r>
-                        <a:rPr b="0" lang="en-US" sz="1800" spc="4" strike="noStrike">
+                        <a:rPr b="0" lang="en-US" sz="1800" spc="-1" strike="noStrike">
                           <a:solidFill>
                             <a:srgbClr val="000000"/>
                           </a:solidFill>
@@ -11368,7 +11290,7 @@
                         </a:lnSpc>
                       </a:pPr>
                       <a:r>
-                        <a:rPr b="0" lang="en-US" sz="1800" spc="4" strike="noStrike">
+                        <a:rPr b="0" lang="en-US" sz="1800" spc="-1" strike="noStrike">
                           <a:solidFill>
                             <a:srgbClr val="000000"/>
                           </a:solidFill>
@@ -11464,7 +11386,7 @@
                         </a:lnSpc>
                       </a:pPr>
                       <a:r>
-                        <a:rPr b="0" lang="en-US" sz="1800" spc="4" strike="noStrike">
+                        <a:rPr b="0" lang="en-US" sz="1800" spc="-1" strike="noStrike">
                           <a:solidFill>
                             <a:srgbClr val="000000"/>
                           </a:solidFill>
@@ -11560,7 +11482,7 @@
                         </a:lnSpc>
                       </a:pPr>
                       <a:r>
-                        <a:rPr b="0" lang="en-US" sz="1800" spc="4" strike="noStrike">
+                        <a:rPr b="0" lang="en-US" sz="1800" spc="-1" strike="noStrike">
                           <a:solidFill>
                             <a:srgbClr val="000000"/>
                           </a:solidFill>
@@ -11656,7 +11578,7 @@
                         </a:lnSpc>
                       </a:pPr>
                       <a:r>
-                        <a:rPr b="0" lang="en-US" sz="1800" spc="4" strike="noStrike">
+                        <a:rPr b="0" lang="en-US" sz="1800" spc="-1" strike="noStrike">
                           <a:solidFill>
                             <a:srgbClr val="000000"/>
                           </a:solidFill>
@@ -11752,7 +11674,7 @@
                         </a:lnSpc>
                       </a:pPr>
                       <a:r>
-                        <a:rPr b="0" lang="en-US" sz="1800" spc="4" strike="noStrike">
+                        <a:rPr b="0" lang="en-US" sz="1800" spc="-1" strike="noStrike">
                           <a:solidFill>
                             <a:srgbClr val="000000"/>
                           </a:solidFill>
@@ -11848,7 +11770,7 @@
                         </a:lnSpc>
                       </a:pPr>
                       <a:r>
-                        <a:rPr b="0" lang="en-US" sz="1800" spc="4" strike="noStrike">
+                        <a:rPr b="0" lang="en-US" sz="1800" spc="-1" strike="noStrike">
                           <a:solidFill>
                             <a:srgbClr val="000000"/>
                           </a:solidFill>
@@ -11867,7 +11789,7 @@
                         </a:lnSpc>
                       </a:pPr>
                       <a:r>
-                        <a:rPr b="0" lang="en-US" sz="1800" spc="4" strike="noStrike">
+                        <a:rPr b="0" lang="en-US" sz="1800" spc="-1" strike="noStrike">
                           <a:solidFill>
                             <a:srgbClr val="000000"/>
                           </a:solidFill>
@@ -11876,7 +11798,7 @@
                         <a:t>“</a:t>
                       </a:r>
                       <a:r>
-                        <a:rPr b="0" lang="en-US" sz="1800" spc="4" strike="noStrike">
+                        <a:rPr b="0" lang="en-US" sz="1800" spc="-1" strike="noStrike">
                           <a:solidFill>
                             <a:srgbClr val="000000"/>
                           </a:solidFill>
@@ -11972,7 +11894,7 @@
                         </a:lnSpc>
                       </a:pPr>
                       <a:r>
-                        <a:rPr b="0" lang="en-US" sz="1800" spc="4" strike="noStrike">
+                        <a:rPr b="0" lang="en-US" sz="1800" spc="-1" strike="noStrike">
                           <a:solidFill>
                             <a:srgbClr val="000000"/>
                           </a:solidFill>
@@ -12010,7 +11932,7 @@
                   </a:tcPr>
                 </a:tc>
               </a:tr>
-              <a:tr h="365400">
+              <a:tr h="364680">
                 <a:tc>
                   <a:txBody>
                     <a:bodyPr/>
@@ -12068,7 +11990,7 @@
                         </a:lnSpc>
                       </a:pPr>
                       <a:r>
-                        <a:rPr b="0" lang="en-US" sz="1800" spc="4" strike="noStrike">
+                        <a:rPr b="0" lang="en-US" sz="1800" spc="-1" strike="noStrike">
                           <a:solidFill>
                             <a:srgbClr val="000000"/>
                           </a:solidFill>
@@ -12168,7 +12090,7 @@
         <p:spPr>
           <a:xfrm>
             <a:off x="8147520" y="7217280"/>
-            <a:ext cx="158400" cy="4507200"/>
+            <a:ext cx="157680" cy="4506480"/>
           </a:xfrm>
           <a:prstGeom prst="rect">
             <a:avLst/>
@@ -12192,8 +12114,8 @@
                 <a:spcPts val="884"/>
               </a:lnSpc>
             </a:pPr>
-            <a:fld id="{3ABAC44A-0EAE-43D3-8B6E-101016D7765E}" type="slidenum">
-              <a:rPr b="0" lang="en-US" sz="800" spc="4" strike="noStrike">
+            <a:fld id="{CB202857-4CE6-429E-A67B-63CE56A933D6}" type="slidenum">
+              <a:rPr b="0" lang="en-US" sz="800" spc="-1" strike="noStrike">
                 <a:solidFill>
                   <a:srgbClr val="000000"/>
                 </a:solidFill>
@@ -12217,7 +12139,7 @@
         <p:spPr>
           <a:xfrm>
             <a:off x="304920" y="838080"/>
-            <a:ext cx="6171120" cy="1297080"/>
+            <a:ext cx="6170400" cy="1296360"/>
           </a:xfrm>
           <a:prstGeom prst="rect">
             <a:avLst/>
@@ -12242,7 +12164,7 @@
               </a:lnSpc>
             </a:pPr>
             <a:r>
-              <a:rPr b="1" lang="en-US" sz="2500" spc="4" strike="noStrike">
+              <a:rPr b="1" lang="en-US" sz="2500" spc="-1" strike="noStrike">
                 <a:solidFill>
                   <a:srgbClr val="000000"/>
                 </a:solidFill>
@@ -12266,7 +12188,7 @@
         <p:spPr>
           <a:xfrm>
             <a:off x="496440" y="1606680"/>
-            <a:ext cx="7884360" cy="5039280"/>
+            <a:ext cx="7883640" cy="5038560"/>
           </a:xfrm>
           <a:prstGeom prst="rect">
             <a:avLst/>
@@ -12291,7 +12213,7 @@
               </a:lnSpc>
             </a:pPr>
             <a:r>
-              <a:rPr b="0" lang="en-US" sz="2050" spc="4" strike="noStrike">
+              <a:rPr b="0" lang="en-US" sz="2050" spc="-1" strike="noStrike">
                 <a:solidFill>
                   <a:srgbClr val="000000"/>
                 </a:solidFill>
@@ -12305,7 +12227,7 @@
             </a:endParaRPr>
           </a:p>
           <a:p>
-            <a:pPr marL="355680" indent="-342000">
+            <a:pPr marL="355680" indent="-341280">
               <a:lnSpc>
                 <a:spcPct val="100000"/>
               </a:lnSpc>
@@ -12319,7 +12241,7 @@
               <a:buChar char="•"/>
             </a:pPr>
             <a:r>
-              <a:rPr b="0" lang="en-US" sz="1800" spc="4" strike="noStrike">
+              <a:rPr b="0" lang="en-US" sz="1800" spc="-1" strike="noStrike">
                 <a:solidFill>
                   <a:srgbClr val="000000"/>
                 </a:solidFill>
@@ -12333,7 +12255,7 @@
             </a:endParaRPr>
           </a:p>
           <a:p>
-            <a:pPr marL="355680" indent="-342000">
+            <a:pPr marL="355680" indent="-341280">
               <a:lnSpc>
                 <a:spcPct val="100000"/>
               </a:lnSpc>
@@ -12347,7 +12269,7 @@
               <a:buChar char="•"/>
             </a:pPr>
             <a:r>
-              <a:rPr b="0" lang="en-US" sz="1800" spc="4" strike="noStrike">
+              <a:rPr b="0" lang="en-US" sz="1800" spc="-1" strike="noStrike">
                 <a:solidFill>
                   <a:srgbClr val="000000"/>
                 </a:solidFill>
@@ -12361,7 +12283,7 @@
             </a:endParaRPr>
           </a:p>
           <a:p>
-            <a:pPr marL="355680" indent="-342000">
+            <a:pPr marL="355680" indent="-341280">
               <a:lnSpc>
                 <a:spcPct val="100000"/>
               </a:lnSpc>
@@ -12375,7 +12297,7 @@
               <a:buChar char="•"/>
             </a:pPr>
             <a:r>
-              <a:rPr b="0" lang="en-US" sz="1800" spc="4" strike="noStrike">
+              <a:rPr b="0" lang="en-US" sz="1800" spc="-1" strike="noStrike">
                 <a:solidFill>
                   <a:srgbClr val="000000"/>
                 </a:solidFill>
@@ -12389,7 +12311,7 @@
             </a:endParaRPr>
           </a:p>
           <a:p>
-            <a:pPr marL="355680" indent="-342000">
+            <a:pPr marL="355680" indent="-341280">
               <a:lnSpc>
                 <a:spcPct val="100000"/>
               </a:lnSpc>
@@ -12403,7 +12325,7 @@
               <a:buChar char="•"/>
             </a:pPr>
             <a:r>
-              <a:rPr b="0" lang="en-US" sz="1800" spc="4" strike="noStrike">
+              <a:rPr b="0" lang="en-US" sz="1800" spc="-1" strike="noStrike">
                 <a:solidFill>
                   <a:srgbClr val="000000"/>
                 </a:solidFill>
@@ -12417,7 +12339,7 @@
             </a:endParaRPr>
           </a:p>
           <a:p>
-            <a:pPr marL="355680" indent="-342000">
+            <a:pPr marL="355680" indent="-341280">
               <a:lnSpc>
                 <a:spcPct val="100000"/>
               </a:lnSpc>
@@ -12431,7 +12353,7 @@
               <a:buChar char="•"/>
             </a:pPr>
             <a:r>
-              <a:rPr b="0" lang="en-US" sz="1800" spc="4" strike="noStrike">
+              <a:rPr b="0" lang="en-US" sz="1800" spc="-1" strike="noStrike">
                 <a:solidFill>
                   <a:srgbClr val="000000"/>
                 </a:solidFill>
@@ -12445,7 +12367,7 @@
             </a:endParaRPr>
           </a:p>
           <a:p>
-            <a:pPr marL="355680" indent="-342000">
+            <a:pPr marL="355680" indent="-341280">
               <a:lnSpc>
                 <a:spcPct val="100000"/>
               </a:lnSpc>
@@ -12459,7 +12381,7 @@
               <a:buChar char="•"/>
             </a:pPr>
             <a:r>
-              <a:rPr b="0" lang="en-US" sz="1800" spc="4" strike="noStrike">
+              <a:rPr b="0" lang="en-US" sz="1800" spc="-1" strike="noStrike">
                 <a:solidFill>
                   <a:srgbClr val="000000"/>
                 </a:solidFill>
@@ -12473,7 +12395,7 @@
             </a:endParaRPr>
           </a:p>
           <a:p>
-            <a:pPr marL="355680" indent="-342000">
+            <a:pPr marL="355680" indent="-341280">
               <a:lnSpc>
                 <a:spcPct val="100000"/>
               </a:lnSpc>
@@ -12487,7 +12409,7 @@
               <a:buChar char="•"/>
             </a:pPr>
             <a:r>
-              <a:rPr b="0" lang="en-US" sz="1800" spc="4" strike="noStrike">
+              <a:rPr b="0" lang="en-US" sz="1800" spc="-1" strike="noStrike">
                 <a:solidFill>
                   <a:srgbClr val="000000"/>
                 </a:solidFill>
@@ -12501,7 +12423,7 @@
             </a:endParaRPr>
           </a:p>
           <a:p>
-            <a:pPr marL="355680" indent="-342000">
+            <a:pPr marL="355680" indent="-341280">
               <a:lnSpc>
                 <a:spcPct val="100000"/>
               </a:lnSpc>
@@ -12515,7 +12437,7 @@
               <a:buChar char="•"/>
             </a:pPr>
             <a:r>
-              <a:rPr b="0" lang="en-US" sz="1800" spc="4" strike="noStrike">
+              <a:rPr b="0" lang="en-US" sz="1800" spc="-1" strike="noStrike">
                 <a:solidFill>
                   <a:srgbClr val="000000"/>
                 </a:solidFill>
@@ -12529,7 +12451,7 @@
             </a:endParaRPr>
           </a:p>
           <a:p>
-            <a:pPr marL="355680" indent="-342000">
+            <a:pPr marL="355680" indent="-341280">
               <a:lnSpc>
                 <a:spcPct val="100000"/>
               </a:lnSpc>
@@ -12543,7 +12465,7 @@
               <a:buChar char="•"/>
             </a:pPr>
             <a:r>
-              <a:rPr b="0" lang="en-US" sz="1800" spc="4" strike="noStrike">
+              <a:rPr b="0" lang="en-US" sz="1800" spc="-1" strike="noStrike">
                 <a:solidFill>
                   <a:srgbClr val="000000"/>
                 </a:solidFill>
@@ -12557,7 +12479,7 @@
             </a:endParaRPr>
           </a:p>
           <a:p>
-            <a:pPr marL="355680" indent="-342000">
+            <a:pPr marL="355680" indent="-341280">
               <a:lnSpc>
                 <a:spcPct val="100000"/>
               </a:lnSpc>
@@ -12571,7 +12493,7 @@
               <a:buChar char="•"/>
             </a:pPr>
             <a:r>
-              <a:rPr b="0" lang="en-US" sz="1800" spc="4" strike="noStrike">
+              <a:rPr b="0" lang="en-US" sz="1800" spc="-1" strike="noStrike">
                 <a:solidFill>
                   <a:srgbClr val="000000"/>
                 </a:solidFill>
@@ -12585,7 +12507,7 @@
             </a:endParaRPr>
           </a:p>
           <a:p>
-            <a:pPr marL="355680" indent="-342000">
+            <a:pPr marL="355680" indent="-341280">
               <a:lnSpc>
                 <a:spcPct val="100000"/>
               </a:lnSpc>
@@ -12599,7 +12521,7 @@
               <a:buChar char="•"/>
             </a:pPr>
             <a:r>
-              <a:rPr b="0" lang="en-US" sz="1800" spc="4" strike="noStrike">
+              <a:rPr b="0" lang="en-US" sz="1800" spc="-1" strike="noStrike">
                 <a:solidFill>
                   <a:srgbClr val="000000"/>
                 </a:solidFill>
@@ -12613,7 +12535,7 @@
             </a:endParaRPr>
           </a:p>
           <a:p>
-            <a:pPr marL="355680" indent="-342000">
+            <a:pPr marL="355680" indent="-341280">
               <a:lnSpc>
                 <a:spcPct val="100000"/>
               </a:lnSpc>
@@ -12627,7 +12549,7 @@
               <a:buChar char="•"/>
             </a:pPr>
             <a:r>
-              <a:rPr b="0" lang="en-US" sz="1800" spc="4" strike="noStrike">
+              <a:rPr b="0" lang="en-US" sz="1800" spc="-1" strike="noStrike">
                 <a:solidFill>
                   <a:srgbClr val="000000"/>
                 </a:solidFill>
@@ -12641,7 +12563,7 @@
             </a:endParaRPr>
           </a:p>
           <a:p>
-            <a:pPr marL="355680" indent="-342000">
+            <a:pPr marL="355680" indent="-341280">
               <a:lnSpc>
                 <a:spcPct val="100000"/>
               </a:lnSpc>
@@ -12655,7 +12577,7 @@
               <a:buChar char="•"/>
             </a:pPr>
             <a:r>
-              <a:rPr b="0" lang="en-US" sz="1800" spc="4" strike="noStrike">
+              <a:rPr b="0" lang="en-US" sz="1800" spc="-1" strike="noStrike">
                 <a:solidFill>
                   <a:srgbClr val="000000"/>
                 </a:solidFill>
@@ -12669,7 +12591,7 @@
             </a:endParaRPr>
           </a:p>
           <a:p>
-            <a:pPr marL="355680" indent="-342000">
+            <a:pPr marL="355680" indent="-341280">
               <a:lnSpc>
                 <a:spcPct val="100000"/>
               </a:lnSpc>
@@ -12683,7 +12605,7 @@
               <a:buChar char="•"/>
             </a:pPr>
             <a:r>
-              <a:rPr b="0" lang="en-US" sz="1800" spc="4" strike="noStrike">
+              <a:rPr b="0" lang="en-US" sz="1800" spc="-1" strike="noStrike">
                 <a:solidFill>
                   <a:srgbClr val="000000"/>
                 </a:solidFill>
@@ -12711,7 +12633,7 @@
         <p:spPr>
           <a:xfrm>
             <a:off x="6820920" y="330480"/>
-            <a:ext cx="2970720" cy="2095200"/>
+            <a:ext cx="2970000" cy="2094480"/>
           </a:xfrm>
           <a:prstGeom prst="rect">
             <a:avLst/>
@@ -12779,7 +12701,7 @@
         <p:spPr>
           <a:xfrm>
             <a:off x="8147520" y="7217280"/>
-            <a:ext cx="158400" cy="4507200"/>
+            <a:ext cx="157680" cy="4506480"/>
           </a:xfrm>
           <a:prstGeom prst="rect">
             <a:avLst/>
@@ -12803,8 +12725,8 @@
                 <a:spcPts val="884"/>
               </a:lnSpc>
             </a:pPr>
-            <a:fld id="{BCC8C007-F22B-486D-8B55-314FAE55BD11}" type="slidenum">
-              <a:rPr b="0" lang="en-US" sz="800" spc="4" strike="noStrike">
+            <a:fld id="{F958DECF-02F0-42B4-8BCD-3195CE0A55DB}" type="slidenum">
+              <a:rPr b="0" lang="en-US" sz="800" spc="-1" strike="noStrike">
                 <a:solidFill>
                   <a:srgbClr val="000000"/>
                 </a:solidFill>
@@ -12828,7 +12750,7 @@
         <p:spPr>
           <a:xfrm>
             <a:off x="554400" y="838080"/>
-            <a:ext cx="7721280" cy="1297080"/>
+            <a:ext cx="7720560" cy="1296360"/>
           </a:xfrm>
           <a:prstGeom prst="rect">
             <a:avLst/>
@@ -12853,7 +12775,7 @@
               </a:lnSpc>
             </a:pPr>
             <a:r>
-              <a:rPr b="1" lang="en-US" sz="2500" spc="4" strike="noStrike">
+              <a:rPr b="1" lang="en-US" sz="2500" spc="-1" strike="noStrike">
                 <a:solidFill>
                   <a:srgbClr val="000000"/>
                 </a:solidFill>
@@ -12877,7 +12799,7 @@
         <p:spPr>
           <a:xfrm>
             <a:off x="496440" y="1606680"/>
-            <a:ext cx="7884360" cy="5778000"/>
+            <a:ext cx="7883640" cy="5777280"/>
           </a:xfrm>
           <a:prstGeom prst="rect">
             <a:avLst/>
@@ -12902,7 +12824,7 @@
               </a:lnSpc>
             </a:pPr>
             <a:r>
-              <a:rPr b="0" lang="en-US" sz="2050" spc="4" strike="noStrike">
+              <a:rPr b="0" lang="en-US" sz="2050" spc="-1" strike="noStrike">
                 <a:solidFill>
                   <a:srgbClr val="000000"/>
                 </a:solidFill>
@@ -12916,7 +12838,7 @@
             </a:endParaRPr>
           </a:p>
           <a:p>
-            <a:pPr marL="355680" indent="-342000">
+            <a:pPr marL="355680" indent="-341280">
               <a:lnSpc>
                 <a:spcPct val="100000"/>
               </a:lnSpc>
@@ -12930,7 +12852,7 @@
               <a:buChar char="•"/>
             </a:pPr>
             <a:r>
-              <a:rPr b="0" lang="en-US" sz="2050" spc="4" strike="noStrike">
+              <a:rPr b="0" lang="en-US" sz="2050" spc="-1" strike="noStrike">
                 <a:solidFill>
                   <a:srgbClr val="00b050"/>
                 </a:solidFill>
@@ -12941,7 +12863,7 @@
             </a:r>
             <a:br/>
             <a:r>
-              <a:rPr b="0" lang="en-US" sz="2050" spc="4" strike="noStrike">
+              <a:rPr b="0" lang="en-US" sz="2050" spc="-1" strike="noStrike">
                 <a:solidFill>
                   <a:srgbClr val="00b050"/>
                 </a:solidFill>
@@ -13059,7 +12981,7 @@
             </a:endParaRPr>
           </a:p>
           <a:p>
-            <a:pPr marL="355680" indent="-342000">
+            <a:pPr marL="355680" indent="-341280">
               <a:lnSpc>
                 <a:spcPct val="100000"/>
               </a:lnSpc>
@@ -13073,7 +12995,7 @@
               <a:buChar char="•"/>
             </a:pPr>
             <a:r>
-              <a:rPr b="0" lang="en-US" sz="1200" spc="4" strike="noStrike">
+              <a:rPr b="0" lang="en-US" sz="1200" spc="-1" strike="noStrike">
                 <a:solidFill>
                   <a:srgbClr val="1f497d"/>
                 </a:solidFill>
@@ -13084,7 +13006,7 @@
             </a:r>
             <a:br/>
             <a:r>
-              <a:rPr b="0" lang="en-US" sz="1200" spc="4" strike="noStrike">
+              <a:rPr b="0" lang="en-US" sz="1200" spc="-1" strike="noStrike">
                 <a:solidFill>
                   <a:srgbClr val="1f497d"/>
                 </a:solidFill>
@@ -13112,7 +13034,7 @@
         <p:spPr>
           <a:xfrm>
             <a:off x="6820920" y="330480"/>
-            <a:ext cx="2970720" cy="2095200"/>
+            <a:ext cx="2970000" cy="2094480"/>
           </a:xfrm>
           <a:prstGeom prst="rect">
             <a:avLst/>
@@ -13135,7 +13057,7 @@
         <p:spPr>
           <a:xfrm>
             <a:off x="1253520" y="2856600"/>
-            <a:ext cx="7009200" cy="3846960"/>
+            <a:ext cx="7008480" cy="3846240"/>
           </a:xfrm>
           <a:prstGeom prst="rect">
             <a:avLst/>
@@ -13203,7 +13125,7 @@
         <p:spPr>
           <a:xfrm>
             <a:off x="8147520" y="7217280"/>
-            <a:ext cx="158400" cy="4507200"/>
+            <a:ext cx="157680" cy="4506480"/>
           </a:xfrm>
           <a:prstGeom prst="rect">
             <a:avLst/>
@@ -13227,8 +13149,8 @@
                 <a:spcPts val="884"/>
               </a:lnSpc>
             </a:pPr>
-            <a:fld id="{2E5284D0-CBF5-4D8C-A87A-42905A92BF49}" type="slidenum">
-              <a:rPr b="0" lang="en-US" sz="800" spc="4" strike="noStrike">
+            <a:fld id="{3EB204F5-3D36-4DA0-AA80-817F29CC3CA8}" type="slidenum">
+              <a:rPr b="0" lang="en-US" sz="800" spc="-1" strike="noStrike">
                 <a:solidFill>
                   <a:srgbClr val="000000"/>
                 </a:solidFill>
@@ -13252,7 +13174,7 @@
         <p:spPr>
           <a:xfrm>
             <a:off x="554400" y="838080"/>
-            <a:ext cx="7721280" cy="1297080"/>
+            <a:ext cx="7720560" cy="1296360"/>
           </a:xfrm>
           <a:prstGeom prst="rect">
             <a:avLst/>
@@ -13277,7 +13199,7 @@
               </a:lnSpc>
             </a:pPr>
             <a:r>
-              <a:rPr b="1" lang="en-US" sz="2500" spc="4" strike="noStrike">
+              <a:rPr b="1" lang="en-US" sz="2500" spc="-1" strike="noStrike">
                 <a:solidFill>
                   <a:srgbClr val="000000"/>
                 </a:solidFill>
@@ -13301,7 +13223,7 @@
         <p:spPr>
           <a:xfrm>
             <a:off x="496440" y="1606680"/>
-            <a:ext cx="7884360" cy="5039280"/>
+            <a:ext cx="7883640" cy="5038560"/>
           </a:xfrm>
           <a:prstGeom prst="rect">
             <a:avLst/>
@@ -13326,7 +13248,7 @@
               </a:lnSpc>
             </a:pPr>
             <a:r>
-              <a:rPr b="0" lang="en-US" sz="2050" spc="4" strike="noStrike">
+              <a:rPr b="0" lang="en-US" sz="2050" spc="-1" strike="noStrike">
                 <a:solidFill>
                   <a:srgbClr val="000000"/>
                 </a:solidFill>
@@ -13340,7 +13262,7 @@
             </a:endParaRPr>
           </a:p>
           <a:p>
-            <a:pPr marL="355680" indent="-342000">
+            <a:pPr marL="355680" indent="-341280">
               <a:lnSpc>
                 <a:spcPct val="100000"/>
               </a:lnSpc>
@@ -13354,7 +13276,7 @@
               <a:buChar char="•"/>
             </a:pPr>
             <a:r>
-              <a:rPr b="0" lang="en-US" sz="1800" spc="4" strike="noStrike">
+              <a:rPr b="0" lang="en-US" sz="1800" spc="-1" strike="noStrike">
                 <a:solidFill>
                   <a:srgbClr val="00b050"/>
                 </a:solidFill>
@@ -13368,7 +13290,7 @@
             </a:endParaRPr>
           </a:p>
           <a:p>
-            <a:pPr marL="355680" indent="-342000">
+            <a:pPr marL="355680" indent="-341280">
               <a:lnSpc>
                 <a:spcPct val="100000"/>
               </a:lnSpc>
@@ -13382,7 +13304,7 @@
               <a:buChar char="•"/>
             </a:pPr>
             <a:r>
-              <a:rPr b="0" lang="en-US" sz="1800" spc="4" strike="noStrike">
+              <a:rPr b="0" lang="en-US" sz="1800" spc="-1" strike="noStrike">
                 <a:solidFill>
                   <a:srgbClr val="000000"/>
                 </a:solidFill>
@@ -13396,7 +13318,7 @@
             </a:endParaRPr>
           </a:p>
           <a:p>
-            <a:pPr marL="355680" indent="-342000">
+            <a:pPr marL="355680" indent="-341280">
               <a:lnSpc>
                 <a:spcPct val="100000"/>
               </a:lnSpc>
@@ -13410,7 +13332,7 @@
               <a:buChar char="•"/>
             </a:pPr>
             <a:r>
-              <a:rPr b="0" lang="en-US" sz="1800" spc="4" strike="noStrike">
+              <a:rPr b="0" lang="en-US" sz="1800" spc="-1" strike="noStrike">
                 <a:solidFill>
                   <a:srgbClr val="ff0000"/>
                 </a:solidFill>
@@ -13424,7 +13346,7 @@
             </a:endParaRPr>
           </a:p>
           <a:p>
-            <a:pPr marL="355680" indent="-342000">
+            <a:pPr marL="355680" indent="-341280">
               <a:lnSpc>
                 <a:spcPct val="100000"/>
               </a:lnSpc>
@@ -13438,7 +13360,7 @@
               <a:buChar char="•"/>
             </a:pPr>
             <a:r>
-              <a:rPr b="0" lang="en-US" sz="1800" spc="4" strike="noStrike">
+              <a:rPr b="0" lang="en-US" sz="1800" spc="-1" strike="noStrike">
                 <a:solidFill>
                   <a:srgbClr val="000000"/>
                 </a:solidFill>
@@ -13452,7 +13374,7 @@
             </a:endParaRPr>
           </a:p>
           <a:p>
-            <a:pPr marL="355680" indent="-342000">
+            <a:pPr marL="355680" indent="-341280">
               <a:lnSpc>
                 <a:spcPct val="100000"/>
               </a:lnSpc>
@@ -13466,7 +13388,7 @@
               <a:buChar char="•"/>
             </a:pPr>
             <a:r>
-              <a:rPr b="0" lang="en-US" sz="1800" spc="4" strike="noStrike">
+              <a:rPr b="0" lang="en-US" sz="1800" spc="-1" strike="noStrike">
                 <a:solidFill>
                   <a:srgbClr val="ff0000"/>
                 </a:solidFill>
@@ -13480,7 +13402,7 @@
             </a:endParaRPr>
           </a:p>
           <a:p>
-            <a:pPr marL="355680" indent="-342000">
+            <a:pPr marL="355680" indent="-341280">
               <a:lnSpc>
                 <a:spcPct val="100000"/>
               </a:lnSpc>
@@ -13494,7 +13416,7 @@
               <a:buChar char="•"/>
             </a:pPr>
             <a:r>
-              <a:rPr b="0" lang="en-US" sz="1800" spc="4" strike="noStrike">
+              <a:rPr b="0" lang="en-US" sz="1800" spc="-1" strike="noStrike">
                 <a:solidFill>
                   <a:srgbClr val="000000"/>
                 </a:solidFill>
@@ -13508,7 +13430,7 @@
             </a:endParaRPr>
           </a:p>
           <a:p>
-            <a:pPr marL="355680" indent="-342000">
+            <a:pPr marL="355680" indent="-341280">
               <a:lnSpc>
                 <a:spcPct val="100000"/>
               </a:lnSpc>
@@ -13522,7 +13444,7 @@
               <a:buChar char="•"/>
             </a:pPr>
             <a:r>
-              <a:rPr b="0" lang="en-US" sz="1800" spc="4" strike="noStrike">
+              <a:rPr b="0" lang="en-US" sz="1800" spc="-1" strike="noStrike">
                 <a:solidFill>
                   <a:srgbClr val="00b050"/>
                 </a:solidFill>
@@ -13532,21 +13454,21 @@
               <a:t>    </a:t>
             </a:r>
             <a:r>
-              <a:rPr b="0" lang="en-US" sz="1800" spc="4" strike="noStrike">
+              <a:rPr b="0" lang="en-US" sz="1800" spc="-1" strike="noStrike">
                 <a:solidFill>
                   <a:srgbClr val="00b050"/>
                 </a:solidFill>
                 <a:latin typeface="Calibri"/>
                 <a:ea typeface="DejaVu Sans"/>
               </a:rPr>
-              <a:t>Beat world champions in GO</a:t>
+              <a:t>Beat world champions in GO, Stratego?</a:t>
             </a:r>
             <a:endParaRPr b="0" lang="en-US" sz="1800" spc="-1" strike="noStrike">
               <a:latin typeface="Arial"/>
             </a:endParaRPr>
           </a:p>
           <a:p>
-            <a:pPr marL="355680" indent="-342000">
+            <a:pPr marL="355680" indent="-341280">
               <a:lnSpc>
                 <a:spcPct val="100000"/>
               </a:lnSpc>
@@ -13560,7 +13482,7 @@
               <a:buChar char="•"/>
             </a:pPr>
             <a:r>
-              <a:rPr b="0" lang="en-US" sz="1800" spc="4" strike="noStrike">
+              <a:rPr b="0" lang="en-US" sz="1800" spc="-1" strike="noStrike">
                 <a:solidFill>
                   <a:srgbClr val="e46c0a"/>
                 </a:solidFill>
@@ -13574,7 +13496,7 @@
             </a:endParaRPr>
           </a:p>
           <a:p>
-            <a:pPr marL="355680" indent="-342000">
+            <a:pPr marL="355680" indent="-341280">
               <a:lnSpc>
                 <a:spcPct val="100000"/>
               </a:lnSpc>
@@ -13588,7 +13510,7 @@
               <a:buChar char="•"/>
             </a:pPr>
             <a:r>
-              <a:rPr b="0" lang="en-US" sz="1800" spc="4" strike="noStrike">
+              <a:rPr b="0" lang="en-US" sz="1800" spc="-1" strike="noStrike">
                 <a:solidFill>
                   <a:srgbClr val="e46c0a"/>
                 </a:solidFill>
@@ -13602,7 +13524,7 @@
             </a:endParaRPr>
           </a:p>
           <a:p>
-            <a:pPr marL="355680" indent="-342000">
+            <a:pPr marL="355680" indent="-341280">
               <a:lnSpc>
                 <a:spcPct val="100000"/>
               </a:lnSpc>
@@ -13616,7 +13538,7 @@
               <a:buChar char="•"/>
             </a:pPr>
             <a:r>
-              <a:rPr b="0" lang="en-US" sz="1800" spc="4" strike="noStrike">
+              <a:rPr b="0" lang="en-US" sz="1800" spc="-1" strike="noStrike">
                 <a:solidFill>
                   <a:srgbClr val="00b050"/>
                 </a:solidFill>
@@ -13630,7 +13552,7 @@
             </a:endParaRPr>
           </a:p>
           <a:p>
-            <a:pPr marL="355680" indent="-342000">
+            <a:pPr marL="355680" indent="-341280">
               <a:lnSpc>
                 <a:spcPct val="100000"/>
               </a:lnSpc>
@@ -13644,7 +13566,7 @@
               <a:buChar char="•"/>
             </a:pPr>
             <a:r>
-              <a:rPr b="0" lang="en-US" sz="1800" spc="4" strike="noStrike">
+              <a:rPr b="0" lang="en-US" sz="1800" spc="-1" strike="noStrike">
                 <a:solidFill>
                   <a:srgbClr val="ff0000"/>
                 </a:solidFill>
@@ -13658,7 +13580,7 @@
             </a:endParaRPr>
           </a:p>
           <a:p>
-            <a:pPr marL="355680" indent="-342000">
+            <a:pPr marL="355680" indent="-341280">
               <a:lnSpc>
                 <a:spcPct val="100000"/>
               </a:lnSpc>
@@ -13672,7 +13594,7 @@
               <a:buChar char="•"/>
             </a:pPr>
             <a:r>
-              <a:rPr b="0" lang="en-US" sz="1800" spc="4" strike="noStrike">
+              <a:rPr b="0" lang="en-US" sz="1800" spc="-1" strike="noStrike">
                 <a:solidFill>
                   <a:srgbClr val="f79646"/>
                 </a:solidFill>
@@ -13686,7 +13608,7 @@
             </a:endParaRPr>
           </a:p>
           <a:p>
-            <a:pPr marL="355680" indent="-342000">
+            <a:pPr marL="355680" indent="-341280">
               <a:lnSpc>
                 <a:spcPct val="100000"/>
               </a:lnSpc>
@@ -13700,7 +13622,7 @@
               <a:buChar char="•"/>
             </a:pPr>
             <a:r>
-              <a:rPr b="0" lang="en-US" sz="1800" spc="4" strike="noStrike">
+              <a:rPr b="0" lang="en-US" sz="1800" spc="-1" strike="noStrike">
                 <a:solidFill>
                   <a:srgbClr val="ff0000"/>
                 </a:solidFill>
@@ -13714,7 +13636,7 @@
             </a:endParaRPr>
           </a:p>
           <a:p>
-            <a:pPr marL="355680" indent="-342000">
+            <a:pPr marL="355680" indent="-341280">
               <a:lnSpc>
                 <a:spcPct val="100000"/>
               </a:lnSpc>
@@ -13728,7 +13650,7 @@
               <a:buChar char="•"/>
             </a:pPr>
             <a:r>
-              <a:rPr b="0" lang="en-US" sz="1800" spc="4" strike="noStrike">
+              <a:rPr b="0" lang="en-US" sz="1800" spc="-1" strike="noStrike">
                 <a:solidFill>
                   <a:srgbClr val="ff0000"/>
                 </a:solidFill>
@@ -13756,7 +13678,7 @@
         <p:spPr>
           <a:xfrm>
             <a:off x="6820920" y="330480"/>
-            <a:ext cx="2970720" cy="2095200"/>
+            <a:ext cx="2970000" cy="2094480"/>
           </a:xfrm>
           <a:prstGeom prst="rect">
             <a:avLst/>
@@ -13779,7 +13701,7 @@
         <p:spPr>
           <a:xfrm>
             <a:off x="685800" y="4038120"/>
-            <a:ext cx="379800" cy="227520"/>
+            <a:ext cx="379080" cy="226800"/>
           </a:xfrm>
           <a:prstGeom prst="rect">
             <a:avLst/>
@@ -13847,7 +13769,7 @@
         <p:spPr>
           <a:xfrm>
             <a:off x="8147520" y="7217280"/>
-            <a:ext cx="158400" cy="4507200"/>
+            <a:ext cx="157680" cy="4506480"/>
           </a:xfrm>
           <a:prstGeom prst="rect">
             <a:avLst/>
@@ -13871,8 +13793,8 @@
                 <a:spcPts val="884"/>
               </a:lnSpc>
             </a:pPr>
-            <a:fld id="{5D407987-905A-4A01-97BF-8D5985905180}" type="slidenum">
-              <a:rPr b="0" lang="en-US" sz="800" spc="4" strike="noStrike">
+            <a:fld id="{4331685C-767D-4963-AEB3-D0260449F8F9}" type="slidenum">
+              <a:rPr b="0" lang="en-US" sz="800" spc="-1" strike="noStrike">
                 <a:solidFill>
                   <a:srgbClr val="000000"/>
                 </a:solidFill>
@@ -13896,7 +13818,7 @@
         <p:spPr>
           <a:xfrm>
             <a:off x="534960" y="1010880"/>
-            <a:ext cx="7721280" cy="1297080"/>
+            <a:ext cx="7720560" cy="1296360"/>
           </a:xfrm>
           <a:prstGeom prst="rect">
             <a:avLst/>
@@ -13921,14 +13843,14 @@
               </a:lnSpc>
             </a:pPr>
             <a:r>
-              <a:rPr b="1" lang="en-US" sz="2500" spc="4" strike="noStrike">
+              <a:rPr b="1" lang="en-US" sz="2500" spc="-1" strike="noStrike">
                 <a:solidFill>
                   <a:srgbClr val="000000"/>
                 </a:solidFill>
                 <a:latin typeface="Calibri"/>
                 <a:ea typeface="DejaVu Sans"/>
               </a:rPr>
-              <a:t>Unintentionally funny stories:  The best AI can do…</a:t>
+              <a:t>Unintentionally funny stories:  The best AI could do… (in last few years we can do better with deep learning)</a:t>
             </a:r>
             <a:endParaRPr b="0" lang="en-US" sz="2500" spc="-1" strike="noStrike">
               <a:latin typeface="Arial"/>
@@ -13945,7 +13867,7 @@
         <p:spPr>
           <a:xfrm>
             <a:off x="496440" y="1619640"/>
-            <a:ext cx="7793640" cy="4992120"/>
+            <a:ext cx="7792920" cy="4991400"/>
           </a:xfrm>
           <a:prstGeom prst="rect">
             <a:avLst/>
@@ -13970,7 +13892,7 @@
               </a:lnSpc>
             </a:pPr>
             <a:r>
-              <a:rPr b="0" lang="en-US" sz="2050" spc="4" strike="noStrike">
+              <a:rPr b="0" lang="en-US" sz="2050" spc="-1" strike="noStrike">
                 <a:solidFill>
                   <a:srgbClr val="000000"/>
                 </a:solidFill>
@@ -14003,7 +13925,7 @@
               </a:spcBef>
             </a:pPr>
             <a:r>
-              <a:rPr b="0" lang="en-US" sz="2050" spc="4" strike="noStrike">
+              <a:rPr b="0" lang="en-US" sz="2050" spc="-1" strike="noStrike">
                 <a:solidFill>
                   <a:srgbClr val="000000"/>
                 </a:solidFill>
@@ -14039,7 +13961,7 @@
               </a:spcBef>
             </a:pPr>
             <a:r>
-              <a:rPr b="0" lang="en-US" sz="2050" spc="4" strike="noStrike">
+              <a:rPr b="0" lang="en-US" sz="2050" spc="-1" strike="noStrike">
                 <a:solidFill>
                   <a:srgbClr val="000000"/>
                 </a:solidFill>
@@ -14112,7 +14034,7 @@
         <p:spPr>
           <a:xfrm>
             <a:off x="8147520" y="7217280"/>
-            <a:ext cx="158400" cy="4507200"/>
+            <a:ext cx="157680" cy="4506480"/>
           </a:xfrm>
           <a:prstGeom prst="rect">
             <a:avLst/>
@@ -14136,8 +14058,8 @@
                 <a:spcPts val="884"/>
               </a:lnSpc>
             </a:pPr>
-            <a:fld id="{2EC6F0F4-149C-47BA-84B6-3FC31A02B649}" type="slidenum">
-              <a:rPr b="0" lang="en-US" sz="800" spc="12" strike="noStrike">
+            <a:fld id="{C1AB16FF-0D8E-4DFC-91FD-FE7D7A1BE6D6}" type="slidenum">
+              <a:rPr b="0" lang="en-US" sz="800" spc="7" strike="noStrike">
                 <a:solidFill>
                   <a:srgbClr val="000000"/>
                 </a:solidFill>
@@ -14161,7 +14083,7 @@
         <p:spPr>
           <a:xfrm>
             <a:off x="534960" y="1010880"/>
-            <a:ext cx="7721280" cy="1297080"/>
+            <a:ext cx="7720560" cy="1296360"/>
           </a:xfrm>
           <a:prstGeom prst="rect">
             <a:avLst/>
@@ -14186,7 +14108,7 @@
               </a:lnSpc>
             </a:pPr>
             <a:r>
-              <a:rPr b="1" lang="en-US" sz="2500" spc="313" strike="noStrike">
+              <a:rPr b="1" lang="en-US" sz="2500" spc="307" strike="noStrike">
                 <a:solidFill>
                   <a:srgbClr val="000000"/>
                 </a:solidFill>
@@ -14210,7 +14132,7 @@
         <p:spPr>
           <a:xfrm>
             <a:off x="534960" y="2057400"/>
-            <a:ext cx="5750640" cy="1920240"/>
+            <a:ext cx="5749920" cy="1919520"/>
           </a:xfrm>
           <a:prstGeom prst="rect">
             <a:avLst/>
@@ -14229,7 +14151,7 @@
         <p:txBody>
           <a:bodyPr lIns="0" rIns="0" tIns="0" bIns="0"/>
           <a:p>
-            <a:pPr marL="355680" indent="-342000">
+            <a:pPr marL="355680" indent="-341280">
               <a:lnSpc>
                 <a:spcPct val="100000"/>
               </a:lnSpc>
@@ -14240,7 +14162,7 @@
               <a:buChar char="•"/>
             </a:pPr>
             <a:r>
-              <a:rPr b="0" lang="en-US" sz="2000" spc="4" strike="noStrike">
+              <a:rPr b="0" lang="en-US" sz="2000" spc="-1" strike="noStrike">
                 <a:solidFill>
                   <a:srgbClr val="000000"/>
                 </a:solidFill>
@@ -14264,7 +14186,7 @@
             </a:endParaRPr>
           </a:p>
           <a:p>
-            <a:pPr marL="355680" indent="-342000">
+            <a:pPr marL="355680" indent="-341280">
               <a:lnSpc>
                 <a:spcPct val="100000"/>
               </a:lnSpc>
@@ -14275,7 +14197,7 @@
               <a:buChar char="•"/>
             </a:pPr>
             <a:r>
-              <a:rPr b="0" lang="en-US" sz="2000" spc="4" strike="noStrike">
+              <a:rPr b="0" lang="en-US" sz="2000" spc="-1" strike="noStrike">
                 <a:solidFill>
                   <a:srgbClr val="000000"/>
                 </a:solidFill>
@@ -14289,7 +14211,7 @@
             </a:endParaRPr>
           </a:p>
           <a:p>
-            <a:pPr marL="355680" indent="-342000">
+            <a:pPr marL="355680" indent="-341280">
               <a:lnSpc>
                 <a:spcPct val="100000"/>
               </a:lnSpc>
@@ -14303,7 +14225,7 @@
               <a:buChar char="•"/>
             </a:pPr>
             <a:r>
-              <a:rPr b="0" lang="en-US" sz="2000" spc="4" strike="noStrike">
+              <a:rPr b="0" lang="en-US" sz="2000" spc="-1" strike="noStrike">
                 <a:solidFill>
                   <a:srgbClr val="000000"/>
                 </a:solidFill>
@@ -14317,7 +14239,7 @@
             </a:endParaRPr>
           </a:p>
           <a:p>
-            <a:pPr marL="355680" indent="-342000">
+            <a:pPr marL="355680" indent="-341280">
               <a:lnSpc>
                 <a:spcPct val="100000"/>
               </a:lnSpc>
@@ -14331,7 +14253,7 @@
               <a:buChar char="•"/>
             </a:pPr>
             <a:r>
-              <a:rPr b="0" lang="en-US" sz="2000" spc="4" strike="noStrike">
+              <a:rPr b="0" lang="en-US" sz="2000" spc="-1" strike="noStrike">
                 <a:solidFill>
                   <a:srgbClr val="000000"/>
                 </a:solidFill>
@@ -14404,7 +14326,7 @@
         <p:spPr>
           <a:xfrm>
             <a:off x="609480" y="609480"/>
-            <a:ext cx="6931440" cy="429840"/>
+            <a:ext cx="6930720" cy="429120"/>
           </a:xfrm>
           <a:prstGeom prst="rect">
             <a:avLst/>
@@ -14457,7 +14379,7 @@
         <p:spPr>
           <a:xfrm>
             <a:off x="0" y="1523880"/>
-            <a:ext cx="9476640" cy="5504040"/>
+            <a:ext cx="9475920" cy="5503320"/>
           </a:xfrm>
           <a:prstGeom prst="rect">
             <a:avLst/>
@@ -14525,7 +14447,7 @@
         <p:spPr>
           <a:xfrm>
             <a:off x="609480" y="609480"/>
-            <a:ext cx="6931440" cy="429840"/>
+            <a:ext cx="6930720" cy="429120"/>
           </a:xfrm>
           <a:prstGeom prst="rect">
             <a:avLst/>
@@ -14578,7 +14500,7 @@
         <p:spPr>
           <a:xfrm>
             <a:off x="228600" y="1295280"/>
-            <a:ext cx="9414360" cy="6050880"/>
+            <a:ext cx="9413640" cy="6050160"/>
           </a:xfrm>
           <a:prstGeom prst="rect">
             <a:avLst/>
@@ -14646,7 +14568,7 @@
         <p:spPr>
           <a:xfrm>
             <a:off x="609480" y="609480"/>
-            <a:ext cx="6931440" cy="429840"/>
+            <a:ext cx="6930720" cy="429120"/>
           </a:xfrm>
           <a:prstGeom prst="rect">
             <a:avLst/>
@@ -14699,7 +14621,7 @@
         <p:spPr>
           <a:xfrm>
             <a:off x="634320" y="1523880"/>
-            <a:ext cx="8695800" cy="5434560"/>
+            <a:ext cx="8695080" cy="5433840"/>
           </a:xfrm>
           <a:prstGeom prst="rect">
             <a:avLst/>
@@ -14767,7 +14689,7 @@
         <p:spPr>
           <a:xfrm>
             <a:off x="534960" y="1010880"/>
-            <a:ext cx="8987400" cy="429840"/>
+            <a:ext cx="8986680" cy="429120"/>
           </a:xfrm>
           <a:prstGeom prst="rect">
             <a:avLst/>
@@ -14816,7 +14738,7 @@
         <p:spPr>
           <a:xfrm>
             <a:off x="543960" y="1613160"/>
-            <a:ext cx="8867880" cy="5415840"/>
+            <a:ext cx="8867160" cy="5415120"/>
           </a:xfrm>
           <a:prstGeom prst="rect">
             <a:avLst/>
@@ -14835,7 +14757,7 @@
         <p:txBody>
           <a:bodyPr lIns="0" rIns="0" tIns="0" bIns="0"/>
           <a:p>
-            <a:pPr marL="285840" indent="-284760">
+            <a:pPr marL="285840" indent="-284040">
               <a:lnSpc>
                 <a:spcPct val="100000"/>
               </a:lnSpc>
@@ -14860,7 +14782,7 @@
             </a:endParaRPr>
           </a:p>
           <a:p>
-            <a:pPr lvl="1" marL="743040" indent="-284760">
+            <a:pPr lvl="1" marL="743040" indent="-284040">
               <a:lnSpc>
                 <a:spcPct val="100000"/>
               </a:lnSpc>
@@ -14885,7 +14807,7 @@
             </a:endParaRPr>
           </a:p>
           <a:p>
-            <a:pPr lvl="1" marL="743040" indent="-284760">
+            <a:pPr lvl="1" marL="743040" indent="-284040">
               <a:lnSpc>
                 <a:spcPct val="100000"/>
               </a:lnSpc>
@@ -14910,7 +14832,7 @@
             </a:endParaRPr>
           </a:p>
           <a:p>
-            <a:pPr lvl="1" marL="743040" indent="-284760">
+            <a:pPr lvl="1" marL="743040" indent="-284040">
               <a:lnSpc>
                 <a:spcPct val="100000"/>
               </a:lnSpc>
@@ -14935,7 +14857,7 @@
             </a:endParaRPr>
           </a:p>
           <a:p>
-            <a:pPr lvl="1" marL="743040" indent="-284760">
+            <a:pPr lvl="1" marL="743040" indent="-284040">
               <a:lnSpc>
                 <a:spcPct val="100000"/>
               </a:lnSpc>
@@ -14970,7 +14892,7 @@
             </a:endParaRPr>
           </a:p>
           <a:p>
-            <a:pPr marL="285840" indent="-284760">
+            <a:pPr marL="285840" indent="-284040">
               <a:lnSpc>
                 <a:spcPct val="100000"/>
               </a:lnSpc>
@@ -14995,7 +14917,7 @@
             </a:endParaRPr>
           </a:p>
           <a:p>
-            <a:pPr lvl="1" marL="743040" indent="-284760">
+            <a:pPr lvl="1" marL="743040" indent="-284040">
               <a:lnSpc>
                 <a:spcPct val="100000"/>
               </a:lnSpc>
@@ -15020,7 +14942,7 @@
             </a:endParaRPr>
           </a:p>
           <a:p>
-            <a:pPr lvl="1" marL="743040" indent="-284760">
+            <a:pPr lvl="1" marL="743040" indent="-284040">
               <a:lnSpc>
                 <a:spcPct val="100000"/>
               </a:lnSpc>
@@ -15045,7 +14967,7 @@
             </a:endParaRPr>
           </a:p>
           <a:p>
-            <a:pPr lvl="1" marL="743040" indent="-284760">
+            <a:pPr lvl="1" marL="743040" indent="-284040">
               <a:lnSpc>
                 <a:spcPct val="100000"/>
               </a:lnSpc>
@@ -15080,7 +15002,7 @@
             </a:endParaRPr>
           </a:p>
           <a:p>
-            <a:pPr marL="285840" indent="-284760">
+            <a:pPr marL="285840" indent="-284040">
               <a:lnSpc>
                 <a:spcPct val="100000"/>
               </a:lnSpc>
@@ -15105,7 +15027,7 @@
             </a:endParaRPr>
           </a:p>
           <a:p>
-            <a:pPr lvl="1" marL="743040" indent="-284760">
+            <a:pPr lvl="1" marL="743040" indent="-284040">
               <a:lnSpc>
                 <a:spcPct val="100000"/>
               </a:lnSpc>
@@ -15130,7 +15052,7 @@
             </a:endParaRPr>
           </a:p>
           <a:p>
-            <a:pPr lvl="2" marL="1200240" indent="-284760">
+            <a:pPr lvl="2" marL="1200240" indent="-284040">
               <a:lnSpc>
                 <a:spcPct val="100000"/>
               </a:lnSpc>
@@ -15155,7 +15077,7 @@
             </a:endParaRPr>
           </a:p>
           <a:p>
-            <a:pPr lvl="1" marL="743040" indent="-284760">
+            <a:pPr lvl="1" marL="743040" indent="-284040">
               <a:lnSpc>
                 <a:spcPct val="100000"/>
               </a:lnSpc>
@@ -15180,7 +15102,7 @@
             </a:endParaRPr>
           </a:p>
           <a:p>
-            <a:pPr lvl="1" marL="743040" indent="-284760">
+            <a:pPr lvl="1" marL="743040" indent="-284040">
               <a:lnSpc>
                 <a:spcPct val="100000"/>
               </a:lnSpc>
@@ -15205,7 +15127,7 @@
             </a:endParaRPr>
           </a:p>
           <a:p>
-            <a:pPr lvl="1" marL="743040" indent="-284760">
+            <a:pPr lvl="1" marL="743040" indent="-284040">
               <a:lnSpc>
                 <a:spcPct val="100000"/>
               </a:lnSpc>
@@ -15230,7 +15152,7 @@
             </a:endParaRPr>
           </a:p>
           <a:p>
-            <a:pPr lvl="1" marL="743040" indent="-284760">
+            <a:pPr lvl="1" marL="743040" indent="-284040">
               <a:lnSpc>
                 <a:spcPct val="100000"/>
               </a:lnSpc>
@@ -15269,7 +15191,7 @@
         <p:spPr>
           <a:xfrm>
             <a:off x="6515640" y="2971800"/>
-            <a:ext cx="2996280" cy="2246760"/>
+            <a:ext cx="2995560" cy="2246040"/>
           </a:xfrm>
           <a:prstGeom prst="rect">
             <a:avLst/>
@@ -15337,7 +15259,7 @@
         <p:spPr>
           <a:xfrm>
             <a:off x="534960" y="1010880"/>
-            <a:ext cx="8987400" cy="429840"/>
+            <a:ext cx="8986680" cy="429120"/>
           </a:xfrm>
           <a:prstGeom prst="rect">
             <a:avLst/>
@@ -15386,7 +15308,7 @@
         <p:spPr>
           <a:xfrm>
             <a:off x="543960" y="1613160"/>
-            <a:ext cx="5932080" cy="5969880"/>
+            <a:ext cx="5931360" cy="5969160"/>
           </a:xfrm>
           <a:prstGeom prst="rect">
             <a:avLst/>
@@ -15405,7 +15327,7 @@
         <p:txBody>
           <a:bodyPr lIns="0" rIns="0" tIns="0" bIns="0"/>
           <a:p>
-            <a:pPr marL="285840" indent="-284760">
+            <a:pPr marL="285840" indent="-284040">
               <a:lnSpc>
                 <a:spcPct val="100000"/>
               </a:lnSpc>
@@ -15430,7 +15352,7 @@
             </a:endParaRPr>
           </a:p>
           <a:p>
-            <a:pPr lvl="1" marL="743040" indent="-284760">
+            <a:pPr lvl="1" marL="743040" indent="-284040">
               <a:lnSpc>
                 <a:spcPct val="100000"/>
               </a:lnSpc>
@@ -15455,7 +15377,7 @@
             </a:endParaRPr>
           </a:p>
           <a:p>
-            <a:pPr lvl="1" marL="743040" indent="-284760">
+            <a:pPr lvl="1" marL="743040" indent="-284040">
               <a:lnSpc>
                 <a:spcPct val="100000"/>
               </a:lnSpc>
@@ -15480,7 +15402,7 @@
             </a:endParaRPr>
           </a:p>
           <a:p>
-            <a:pPr lvl="1" marL="743040" indent="-284760">
+            <a:pPr lvl="1" marL="743040" indent="-284040">
               <a:lnSpc>
                 <a:spcPct val="100000"/>
               </a:lnSpc>
@@ -15505,7 +15427,7 @@
             </a:endParaRPr>
           </a:p>
           <a:p>
-            <a:pPr lvl="1" marL="743040" indent="-284760">
+            <a:pPr lvl="1" marL="743040" indent="-284040">
               <a:lnSpc>
                 <a:spcPct val="100000"/>
               </a:lnSpc>
@@ -15530,7 +15452,7 @@
             </a:endParaRPr>
           </a:p>
           <a:p>
-            <a:pPr lvl="1" marL="743040" indent="-284760">
+            <a:pPr lvl="1" marL="743040" indent="-284040">
               <a:lnSpc>
                 <a:spcPct val="100000"/>
               </a:lnSpc>
@@ -15555,7 +15477,7 @@
             </a:endParaRPr>
           </a:p>
           <a:p>
-            <a:pPr lvl="1" marL="743040" indent="-284760">
+            <a:pPr lvl="1" marL="743040" indent="-284040">
               <a:lnSpc>
                 <a:spcPct val="100000"/>
               </a:lnSpc>
@@ -15590,7 +15512,7 @@
             </a:endParaRPr>
           </a:p>
           <a:p>
-            <a:pPr marL="285840" indent="-284760">
+            <a:pPr marL="285840" indent="-284040">
               <a:lnSpc>
                 <a:spcPct val="100000"/>
               </a:lnSpc>
@@ -15615,7 +15537,7 @@
             </a:endParaRPr>
           </a:p>
           <a:p>
-            <a:pPr lvl="1" marL="743040" indent="-284760">
+            <a:pPr lvl="1" marL="743040" indent="-284040">
               <a:lnSpc>
                 <a:spcPct val="100000"/>
               </a:lnSpc>
@@ -15640,7 +15562,7 @@
             </a:endParaRPr>
           </a:p>
           <a:p>
-            <a:pPr lvl="1" marL="743040" indent="-284760">
+            <a:pPr lvl="1" marL="743040" indent="-284040">
               <a:lnSpc>
                 <a:spcPct val="100000"/>
               </a:lnSpc>
@@ -15675,7 +15597,7 @@
             </a:endParaRPr>
           </a:p>
           <a:p>
-            <a:pPr marL="285840" indent="-284760">
+            <a:pPr marL="285840" indent="-284040">
               <a:lnSpc>
                 <a:spcPct val="100000"/>
               </a:lnSpc>
@@ -15700,7 +15622,7 @@
             </a:endParaRPr>
           </a:p>
           <a:p>
-            <a:pPr lvl="1" marL="743040" indent="-284760">
+            <a:pPr lvl="1" marL="743040" indent="-284040">
               <a:lnSpc>
                 <a:spcPct val="100000"/>
               </a:lnSpc>
@@ -15725,7 +15647,7 @@
             </a:endParaRPr>
           </a:p>
           <a:p>
-            <a:pPr lvl="1" marL="743040" indent="-284760">
+            <a:pPr lvl="1" marL="743040" indent="-284040">
               <a:lnSpc>
                 <a:spcPct val="100000"/>
               </a:lnSpc>
@@ -15760,7 +15682,7 @@
             </a:endParaRPr>
           </a:p>
           <a:p>
-            <a:pPr marL="285840" indent="-284760">
+            <a:pPr marL="285840" indent="-284040">
               <a:lnSpc>
                 <a:spcPct val="100000"/>
               </a:lnSpc>
@@ -15785,7 +15707,7 @@
             </a:endParaRPr>
           </a:p>
           <a:p>
-            <a:pPr lvl="1" marL="743040" indent="-284760">
+            <a:pPr lvl="1" marL="743040" indent="-284040">
               <a:lnSpc>
                 <a:spcPct val="100000"/>
               </a:lnSpc>
@@ -15824,7 +15746,7 @@
         <p:spPr>
           <a:xfrm>
             <a:off x="6629400" y="1613160"/>
-            <a:ext cx="2615760" cy="3732840"/>
+            <a:ext cx="2615040" cy="3732120"/>
           </a:xfrm>
           <a:prstGeom prst="rect">
             <a:avLst/>
@@ -15892,7 +15814,7 @@
         <p:spPr>
           <a:xfrm>
             <a:off x="543960" y="685800"/>
-            <a:ext cx="8987400" cy="429840"/>
+            <a:ext cx="8986680" cy="429120"/>
           </a:xfrm>
           <a:prstGeom prst="rect">
             <a:avLst/>
@@ -15961,7 +15883,7 @@
         <p:spPr>
           <a:xfrm>
             <a:off x="543960" y="1371600"/>
-            <a:ext cx="9208800" cy="5908320"/>
+            <a:ext cx="9208080" cy="5907600"/>
           </a:xfrm>
           <a:prstGeom prst="rect">
             <a:avLst/>
@@ -15980,7 +15902,7 @@
         <p:txBody>
           <a:bodyPr lIns="0" rIns="0" tIns="0" bIns="0"/>
           <a:p>
-            <a:pPr marL="285840" indent="-284760">
+            <a:pPr marL="285840" indent="-284040">
               <a:lnSpc>
                 <a:spcPct val="100000"/>
               </a:lnSpc>
@@ -16015,7 +15937,7 @@
             </a:endParaRPr>
           </a:p>
           <a:p>
-            <a:pPr lvl="1" marL="743040" indent="-284760">
+            <a:pPr lvl="1" marL="743040" indent="-284040">
               <a:lnSpc>
                 <a:spcPct val="100000"/>
               </a:lnSpc>
@@ -16040,7 +15962,7 @@
             </a:endParaRPr>
           </a:p>
           <a:p>
-            <a:pPr lvl="2" marL="1200240" indent="-284760">
+            <a:pPr lvl="2" marL="1200240" indent="-284040">
               <a:lnSpc>
                 <a:spcPct val="100000"/>
               </a:lnSpc>
@@ -16085,7 +16007,7 @@
             </a:endParaRPr>
           </a:p>
           <a:p>
-            <a:pPr lvl="1" marL="743040" indent="-284760">
+            <a:pPr lvl="1" marL="743040" indent="-284040">
               <a:lnSpc>
                 <a:spcPct val="100000"/>
               </a:lnSpc>
@@ -16110,7 +16032,7 @@
             </a:endParaRPr>
           </a:p>
           <a:p>
-            <a:pPr lvl="2" marL="1200240" indent="-284760">
+            <a:pPr lvl="2" marL="1200240" indent="-284040">
               <a:lnSpc>
                 <a:spcPct val="100000"/>
               </a:lnSpc>
@@ -16155,7 +16077,7 @@
             </a:endParaRPr>
           </a:p>
           <a:p>
-            <a:pPr lvl="1" marL="743040" indent="-284760">
+            <a:pPr lvl="1" marL="743040" indent="-284040">
               <a:lnSpc>
                 <a:spcPct val="100000"/>
               </a:lnSpc>
@@ -16180,7 +16102,7 @@
             </a:endParaRPr>
           </a:p>
           <a:p>
-            <a:pPr lvl="2" marL="1200240" indent="-284760">
+            <a:pPr lvl="2" marL="1200240" indent="-284040">
               <a:lnSpc>
                 <a:spcPct val="100000"/>
               </a:lnSpc>
@@ -16205,7 +16127,7 @@
             </a:endParaRPr>
           </a:p>
           <a:p>
-            <a:pPr lvl="2" marL="1200240" indent="-284760">
+            <a:pPr lvl="2" marL="1200240" indent="-284040">
               <a:lnSpc>
                 <a:spcPct val="100000"/>
               </a:lnSpc>
@@ -16230,7 +16152,7 @@
             </a:endParaRPr>
           </a:p>
           <a:p>
-            <a:pPr lvl="2" marL="1200240" indent="-284760">
+            <a:pPr lvl="2" marL="1200240" indent="-284040">
               <a:lnSpc>
                 <a:spcPct val="100000"/>
               </a:lnSpc>
@@ -16265,7 +16187,7 @@
             </a:endParaRPr>
           </a:p>
           <a:p>
-            <a:pPr lvl="1" marL="743040" indent="-284760">
+            <a:pPr lvl="1" marL="743040" indent="-284040">
               <a:lnSpc>
                 <a:spcPct val="100000"/>
               </a:lnSpc>
@@ -16290,7 +16212,7 @@
             </a:endParaRPr>
           </a:p>
           <a:p>
-            <a:pPr lvl="2" marL="1200240" indent="-284760">
+            <a:pPr lvl="2" marL="1200240" indent="-284040">
               <a:lnSpc>
                 <a:spcPct val="100000"/>
               </a:lnSpc>
@@ -16315,7 +16237,7 @@
             </a:endParaRPr>
           </a:p>
           <a:p>
-            <a:pPr lvl="2" marL="1200240" indent="-284760">
+            <a:pPr lvl="2" marL="1200240" indent="-284040">
               <a:lnSpc>
                 <a:spcPct val="100000"/>
               </a:lnSpc>
@@ -16350,7 +16272,7 @@
             </a:endParaRPr>
           </a:p>
           <a:p>
-            <a:pPr lvl="1" marL="743040" indent="-284760">
+            <a:pPr lvl="1" marL="743040" indent="-284040">
               <a:lnSpc>
                 <a:spcPct val="100000"/>
               </a:lnSpc>
@@ -16375,7 +16297,7 @@
             </a:endParaRPr>
           </a:p>
           <a:p>
-            <a:pPr lvl="2" marL="1200240" indent="-284760">
+            <a:pPr lvl="2" marL="1200240" indent="-284040">
               <a:lnSpc>
                 <a:spcPct val="100000"/>
               </a:lnSpc>
@@ -16469,7 +16391,7 @@
         <p:spPr>
           <a:xfrm>
             <a:off x="155520" y="457200"/>
-            <a:ext cx="8987400" cy="379800"/>
+            <a:ext cx="8986680" cy="379080"/>
           </a:xfrm>
           <a:prstGeom prst="rect">
             <a:avLst/>
@@ -16518,7 +16440,7 @@
         <p:spPr>
           <a:xfrm>
             <a:off x="534960" y="1067400"/>
-            <a:ext cx="8607960" cy="6215400"/>
+            <a:ext cx="8607240" cy="6214680"/>
           </a:xfrm>
           <a:prstGeom prst="rect">
             <a:avLst/>
@@ -16587,7 +16509,7 @@
             </a:endParaRPr>
           </a:p>
           <a:p>
-            <a:pPr marL="687240" indent="-333720">
+            <a:pPr marL="687240" indent="-333000">
               <a:lnSpc>
                 <a:spcPct val="100000"/>
               </a:lnSpc>
@@ -16612,7 +16534,7 @@
             </a:endParaRPr>
           </a:p>
           <a:p>
-            <a:pPr marL="687240" indent="-333720">
+            <a:pPr marL="687240" indent="-333000">
               <a:lnSpc>
                 <a:spcPct val="100000"/>
               </a:lnSpc>
@@ -16637,7 +16559,7 @@
             </a:endParaRPr>
           </a:p>
           <a:p>
-            <a:pPr marL="687240" indent="-333720">
+            <a:pPr marL="687240" indent="-333000">
               <a:lnSpc>
                 <a:spcPct val="100000"/>
               </a:lnSpc>
@@ -16802,7 +16724,7 @@
         <p:spPr>
           <a:xfrm>
             <a:off x="457200" y="7315200"/>
-            <a:ext cx="8685720" cy="257040"/>
+            <a:ext cx="8685000" cy="256320"/>
           </a:xfrm>
           <a:prstGeom prst="rect">
             <a:avLst/>
@@ -16900,7 +16822,7 @@
         <p:spPr>
           <a:xfrm>
             <a:off x="534960" y="1010880"/>
-            <a:ext cx="8987400" cy="379800"/>
+            <a:ext cx="8986680" cy="379080"/>
           </a:xfrm>
           <a:prstGeom prst="rect">
             <a:avLst/>
@@ -16949,7 +16871,7 @@
         <p:spPr>
           <a:xfrm>
             <a:off x="502920" y="1787760"/>
-            <a:ext cx="9019440" cy="5662080"/>
+            <a:ext cx="9018720" cy="5661360"/>
           </a:xfrm>
           <a:prstGeom prst="rect">
             <a:avLst/>
@@ -16968,7 +16890,7 @@
         <p:txBody>
           <a:bodyPr lIns="0" rIns="0" tIns="0" bIns="0"/>
           <a:p>
-            <a:pPr marL="285840" indent="-284760">
+            <a:pPr marL="285840" indent="-284040">
               <a:lnSpc>
                 <a:spcPct val="100000"/>
               </a:lnSpc>
@@ -16993,7 +16915,7 @@
             </a:endParaRPr>
           </a:p>
           <a:p>
-            <a:pPr lvl="1" marL="743040" indent="-284760">
+            <a:pPr lvl="1" marL="743040" indent="-284040">
               <a:lnSpc>
                 <a:spcPct val="100000"/>
               </a:lnSpc>
@@ -17018,7 +16940,7 @@
             </a:endParaRPr>
           </a:p>
           <a:p>
-            <a:pPr lvl="2" marL="1200240" indent="-284760">
+            <a:pPr lvl="2" marL="1200240" indent="-284040">
               <a:lnSpc>
                 <a:spcPct val="100000"/>
               </a:lnSpc>
@@ -17043,7 +16965,7 @@
             </a:endParaRPr>
           </a:p>
           <a:p>
-            <a:pPr lvl="2" marL="1200240" indent="-284760">
+            <a:pPr lvl="2" marL="1200240" indent="-284040">
               <a:lnSpc>
                 <a:spcPct val="100000"/>
               </a:lnSpc>
@@ -17068,7 +16990,7 @@
             </a:endParaRPr>
           </a:p>
           <a:p>
-            <a:pPr lvl="2" marL="1200240" indent="-284760">
+            <a:pPr lvl="2" marL="1200240" indent="-284040">
               <a:lnSpc>
                 <a:spcPct val="100000"/>
               </a:lnSpc>
@@ -17093,7 +17015,7 @@
             </a:endParaRPr>
           </a:p>
           <a:p>
-            <a:pPr lvl="2" marL="1200240" indent="-284760">
+            <a:pPr lvl="2" marL="1200240" indent="-284040">
               <a:lnSpc>
                 <a:spcPct val="100000"/>
               </a:lnSpc>
@@ -17128,7 +17050,7 @@
             </a:endParaRPr>
           </a:p>
           <a:p>
-            <a:pPr lvl="2" marL="1200240" indent="-284760">
+            <a:pPr lvl="2" marL="1200240" indent="-284040">
               <a:lnSpc>
                 <a:spcPct val="100000"/>
               </a:lnSpc>
@@ -17153,7 +17075,7 @@
             </a:endParaRPr>
           </a:p>
           <a:p>
-            <a:pPr lvl="2" marL="1200240" indent="-284760">
+            <a:pPr lvl="2" marL="1200240" indent="-284040">
               <a:lnSpc>
                 <a:spcPct val="100000"/>
               </a:lnSpc>
@@ -17178,7 +17100,7 @@
             </a:endParaRPr>
           </a:p>
           <a:p>
-            <a:pPr lvl="1" marL="743040" indent="-284760">
+            <a:pPr lvl="1" marL="743040" indent="-284040">
               <a:lnSpc>
                 <a:spcPct val="100000"/>
               </a:lnSpc>
@@ -17223,7 +17145,7 @@
             </a:endParaRPr>
           </a:p>
           <a:p>
-            <a:pPr marL="285840" indent="-284760">
+            <a:pPr marL="285840" indent="-284040">
               <a:lnSpc>
                 <a:spcPct val="100000"/>
               </a:lnSpc>
@@ -17248,7 +17170,7 @@
             </a:endParaRPr>
           </a:p>
           <a:p>
-            <a:pPr lvl="1" marL="743040" indent="-284760">
+            <a:pPr lvl="1" marL="743040" indent="-284040">
               <a:lnSpc>
                 <a:spcPct val="100000"/>
               </a:lnSpc>
@@ -17273,7 +17195,7 @@
             </a:endParaRPr>
           </a:p>
           <a:p>
-            <a:pPr lvl="2" marL="1200240" indent="-284760">
+            <a:pPr lvl="2" marL="1200240" indent="-284040">
               <a:lnSpc>
                 <a:spcPct val="100000"/>
               </a:lnSpc>
@@ -17308,7 +17230,7 @@
             </a:endParaRPr>
           </a:p>
           <a:p>
-            <a:pPr lvl="2" marL="1200240" indent="-284760">
+            <a:pPr lvl="2" marL="1200240" indent="-284040">
               <a:lnSpc>
                 <a:spcPct val="100000"/>
               </a:lnSpc>
@@ -17353,7 +17275,7 @@
             </a:endParaRPr>
           </a:p>
           <a:p>
-            <a:pPr lvl="1" marL="743040" indent="-284760">
+            <a:pPr lvl="1" marL="743040" indent="-284040">
               <a:lnSpc>
                 <a:spcPct val="100000"/>
               </a:lnSpc>
@@ -17378,7 +17300,7 @@
             </a:endParaRPr>
           </a:p>
           <a:p>
-            <a:pPr lvl="2" marL="1200240" indent="-284760">
+            <a:pPr lvl="2" marL="1200240" indent="-284040">
               <a:lnSpc>
                 <a:spcPct val="100000"/>
               </a:lnSpc>
@@ -17403,7 +17325,7 @@
             </a:endParaRPr>
           </a:p>
           <a:p>
-            <a:pPr lvl="2" marL="1200240" indent="-284760">
+            <a:pPr lvl="2" marL="1200240" indent="-284040">
               <a:lnSpc>
                 <a:spcPct val="100000"/>
               </a:lnSpc>
@@ -17428,7 +17350,7 @@
             </a:endParaRPr>
           </a:p>
           <a:p>
-            <a:pPr lvl="2" marL="1200240" indent="-284760">
+            <a:pPr lvl="2" marL="1200240" indent="-284040">
               <a:lnSpc>
                 <a:spcPct val="100000"/>
               </a:lnSpc>
@@ -17453,7 +17375,7 @@
             </a:endParaRPr>
           </a:p>
           <a:p>
-            <a:pPr lvl="2" marL="1200240" indent="-284760">
+            <a:pPr lvl="2" marL="1200240" indent="-284040">
               <a:lnSpc>
                 <a:spcPct val="100000"/>
               </a:lnSpc>
@@ -17551,7 +17473,7 @@
         <p:spPr>
           <a:xfrm>
             <a:off x="2219040" y="1657080"/>
-            <a:ext cx="5479200" cy="5479200"/>
+            <a:ext cx="5478480" cy="5478480"/>
           </a:xfrm>
           <a:prstGeom prst="rect">
             <a:avLst/>
@@ -17619,7 +17541,7 @@
         <p:spPr>
           <a:xfrm>
             <a:off x="76320" y="685800"/>
-            <a:ext cx="7721280" cy="1297080"/>
+            <a:ext cx="7720560" cy="1296360"/>
           </a:xfrm>
           <a:prstGeom prst="rect">
             <a:avLst/>
@@ -17647,7 +17569,7 @@
               </a:lnSpc>
             </a:pPr>
             <a:r>
-              <a:rPr b="1" lang="en-US" sz="2500" spc="162" strike="noStrike">
+              <a:rPr b="1" lang="en-US" sz="2500" spc="157" strike="noStrike">
                 <a:solidFill>
                   <a:srgbClr val="000000"/>
                 </a:solidFill>
@@ -17671,7 +17593,7 @@
         <p:spPr>
           <a:xfrm>
             <a:off x="838080" y="1408320"/>
-            <a:ext cx="8457120" cy="5697000"/>
+            <a:ext cx="8456400" cy="5696280"/>
           </a:xfrm>
           <a:prstGeom prst="rect">
             <a:avLst/>
@@ -17690,7 +17612,7 @@
         <p:txBody>
           <a:bodyPr lIns="0" rIns="0" tIns="0" bIns="0"/>
           <a:p>
-            <a:pPr marL="355680" indent="-342000">
+            <a:pPr marL="355680" indent="-341280">
               <a:lnSpc>
                 <a:spcPct val="101000"/>
               </a:lnSpc>
@@ -17715,7 +17637,7 @@
             </a:endParaRPr>
           </a:p>
           <a:p>
-            <a:pPr lvl="1" marL="812880" indent="-342000">
+            <a:pPr lvl="1" marL="812880" indent="-341280">
               <a:lnSpc>
                 <a:spcPct val="101000"/>
               </a:lnSpc>
@@ -17743,7 +17665,7 @@
             </a:endParaRPr>
           </a:p>
           <a:p>
-            <a:pPr lvl="1" marL="812880" indent="-342000">
+            <a:pPr lvl="1" marL="812880" indent="-341280">
               <a:lnSpc>
                 <a:spcPct val="101000"/>
               </a:lnSpc>
@@ -17771,7 +17693,7 @@
             </a:endParaRPr>
           </a:p>
           <a:p>
-            <a:pPr lvl="1" marL="812880" indent="-342000">
+            <a:pPr lvl="1" marL="812880" indent="-341280">
               <a:lnSpc>
                 <a:spcPct val="101000"/>
               </a:lnSpc>
@@ -17861,7 +17783,7 @@
             </a:endParaRPr>
           </a:p>
           <a:p>
-            <a:pPr marL="355680" indent="-342000">
+            <a:pPr marL="355680" indent="-341280">
               <a:lnSpc>
                 <a:spcPct val="101000"/>
               </a:lnSpc>
@@ -17886,7 +17808,7 @@
             </a:endParaRPr>
           </a:p>
           <a:p>
-            <a:pPr lvl="1" marL="812880" indent="-342000">
+            <a:pPr lvl="1" marL="812880" indent="-341280">
               <a:lnSpc>
                 <a:spcPct val="101000"/>
               </a:lnSpc>
@@ -17951,7 +17873,7 @@
             </a:endParaRPr>
           </a:p>
           <a:p>
-            <a:pPr marL="355680" indent="-342000">
+            <a:pPr marL="355680" indent="-341280">
               <a:lnSpc>
                 <a:spcPct val="101000"/>
               </a:lnSpc>
@@ -17976,7 +17898,7 @@
             </a:endParaRPr>
           </a:p>
           <a:p>
-            <a:pPr lvl="1" marL="812880" indent="-342000">
+            <a:pPr lvl="1" marL="812880" indent="-341280">
               <a:lnSpc>
                 <a:spcPct val="101000"/>
               </a:lnSpc>
@@ -18001,7 +17923,7 @@
             </a:endParaRPr>
           </a:p>
           <a:p>
-            <a:pPr lvl="1" marL="812880" indent="-342000">
+            <a:pPr lvl="1" marL="812880" indent="-341280">
               <a:lnSpc>
                 <a:spcPct val="101000"/>
               </a:lnSpc>
@@ -18046,7 +17968,7 @@
         <p:spPr>
           <a:xfrm>
             <a:off x="7620120" y="5181480"/>
-            <a:ext cx="1980000" cy="989640"/>
+            <a:ext cx="1979280" cy="988920"/>
           </a:xfrm>
           <a:prstGeom prst="ellipse">
             <a:avLst/>
@@ -18080,7 +18002,7 @@
         <p:spPr>
           <a:xfrm>
             <a:off x="8151840" y="4800600"/>
-            <a:ext cx="843480" cy="363960"/>
+            <a:ext cx="842760" cy="363240"/>
           </a:xfrm>
           <a:prstGeom prst="rect">
             <a:avLst/>
@@ -18129,7 +18051,7 @@
         <p:spPr>
           <a:xfrm>
             <a:off x="8444880" y="6301440"/>
-            <a:ext cx="370800" cy="363960"/>
+            <a:ext cx="370080" cy="363240"/>
           </a:xfrm>
           <a:prstGeom prst="rect">
             <a:avLst/>
@@ -18178,7 +18100,7 @@
         <p:spPr>
           <a:xfrm>
             <a:off x="7708680" y="5181480"/>
-            <a:ext cx="1842840" cy="920880"/>
+            <a:ext cx="1842120" cy="920160"/>
           </a:xfrm>
           <a:prstGeom prst="ellipse">
             <a:avLst/>
@@ -18240,7 +18162,7 @@
         <p:spPr>
           <a:xfrm>
             <a:off x="7827840" y="6648120"/>
-            <a:ext cx="1980000" cy="989640"/>
+            <a:ext cx="1979280" cy="988920"/>
           </a:xfrm>
           <a:prstGeom prst="ellipse">
             <a:avLst/>
@@ -18274,7 +18196,7 @@
         <p:spPr>
           <a:xfrm>
             <a:off x="8331840" y="6730560"/>
-            <a:ext cx="708840" cy="353880"/>
+            <a:ext cx="708120" cy="353160"/>
           </a:xfrm>
           <a:prstGeom prst="ellipse">
             <a:avLst/>
@@ -18336,7 +18258,7 @@
         <p:spPr>
           <a:xfrm>
             <a:off x="6883560" y="6210000"/>
-            <a:ext cx="1074960" cy="363960"/>
+            <a:ext cx="1074240" cy="363240"/>
           </a:xfrm>
           <a:prstGeom prst="rect">
             <a:avLst/>
@@ -18384,8 +18306,8 @@
         </p:nvSpPr>
         <p:spPr>
           <a:xfrm flipV="1">
-            <a:off x="7591320" y="5984280"/>
-            <a:ext cx="205920" cy="303840"/>
+            <a:off x="7591320" y="5983560"/>
+            <a:ext cx="205200" cy="303120"/>
           </a:xfrm>
           <a:custGeom>
             <a:avLst/>
@@ -18434,7 +18356,7 @@
         <p:spPr>
           <a:xfrm>
             <a:off x="7620120" y="6586920"/>
-            <a:ext cx="606240" cy="629280"/>
+            <a:ext cx="605520" cy="628560"/>
           </a:xfrm>
           <a:custGeom>
             <a:avLst/>
@@ -18532,7 +18454,7 @@
         <p:spPr>
           <a:xfrm>
             <a:off x="76320" y="685800"/>
-            <a:ext cx="7721280" cy="1297080"/>
+            <a:ext cx="7720560" cy="1296360"/>
           </a:xfrm>
           <a:prstGeom prst="rect">
             <a:avLst/>
@@ -18560,7 +18482,7 @@
               </a:lnSpc>
             </a:pPr>
             <a:r>
-              <a:rPr b="1" lang="en-US" sz="2500" spc="162" strike="noStrike">
+              <a:rPr b="1" lang="en-US" sz="2500" spc="157" strike="noStrike">
                 <a:solidFill>
                   <a:srgbClr val="000000"/>
                 </a:solidFill>
@@ -18584,7 +18506,7 @@
         <p:spPr>
           <a:xfrm>
             <a:off x="838080" y="1408320"/>
-            <a:ext cx="8457120" cy="923040"/>
+            <a:ext cx="8456400" cy="922320"/>
           </a:xfrm>
           <a:prstGeom prst="rect">
             <a:avLst/>
@@ -18603,7 +18525,7 @@
         <p:txBody>
           <a:bodyPr lIns="0" rIns="0" tIns="0" bIns="0"/>
           <a:p>
-            <a:pPr marL="355680" indent="-342000">
+            <a:pPr marL="355680" indent="-341280">
               <a:lnSpc>
                 <a:spcPct val="101000"/>
               </a:lnSpc>
@@ -18628,7 +18550,7 @@
             </a:endParaRPr>
           </a:p>
           <a:p>
-            <a:pPr marL="355680" indent="-342000">
+            <a:pPr marL="355680" indent="-341280">
               <a:lnSpc>
                 <a:spcPct val="101000"/>
               </a:lnSpc>
@@ -18673,7 +18595,7 @@
         <p:spPr>
           <a:xfrm>
             <a:off x="279000" y="4593600"/>
-            <a:ext cx="1522800" cy="698040"/>
+            <a:ext cx="1522080" cy="697320"/>
           </a:xfrm>
           <a:prstGeom prst="ellipse">
             <a:avLst/>
@@ -18735,7 +18657,7 @@
         <p:spPr>
           <a:xfrm>
             <a:off x="1686240" y="5339520"/>
-            <a:ext cx="1141920" cy="545760"/>
+            <a:ext cx="1141200" cy="545040"/>
           </a:xfrm>
           <a:prstGeom prst="ellipse">
             <a:avLst/>
@@ -18797,7 +18719,7 @@
         <p:spPr>
           <a:xfrm>
             <a:off x="4624200" y="5391000"/>
-            <a:ext cx="1599120" cy="761040"/>
+            <a:ext cx="1598400" cy="760320"/>
           </a:xfrm>
           <a:prstGeom prst="ellipse">
             <a:avLst/>
@@ -18859,7 +18781,7 @@
         <p:spPr>
           <a:xfrm>
             <a:off x="5346000" y="3985920"/>
-            <a:ext cx="1721160" cy="453600"/>
+            <a:ext cx="1720440" cy="452880"/>
           </a:xfrm>
           <a:prstGeom prst="ellipse">
             <a:avLst/>
@@ -18921,7 +18843,7 @@
         <p:spPr>
           <a:xfrm>
             <a:off x="6781680" y="5762520"/>
-            <a:ext cx="1218240" cy="666720"/>
+            <a:ext cx="1217520" cy="666000"/>
           </a:xfrm>
           <a:prstGeom prst="ellipse">
             <a:avLst/>
@@ -18983,7 +18905,7 @@
         <p:spPr>
           <a:xfrm>
             <a:off x="6934320" y="4655520"/>
-            <a:ext cx="1446840" cy="666720"/>
+            <a:ext cx="1446120" cy="666000"/>
           </a:xfrm>
           <a:prstGeom prst="ellipse">
             <a:avLst/>
@@ -19045,7 +18967,7 @@
         <p:spPr>
           <a:xfrm>
             <a:off x="8001000" y="3548160"/>
-            <a:ext cx="1117440" cy="666720"/>
+            <a:ext cx="1116720" cy="666000"/>
           </a:xfrm>
           <a:prstGeom prst="ellipse">
             <a:avLst/>
@@ -19107,7 +19029,7 @@
         <p:spPr>
           <a:xfrm>
             <a:off x="4648320" y="2932200"/>
-            <a:ext cx="1827720" cy="666720"/>
+            <a:ext cx="1827000" cy="666000"/>
           </a:xfrm>
           <a:prstGeom prst="ellipse">
             <a:avLst/>
@@ -19169,7 +19091,7 @@
         <p:spPr>
           <a:xfrm>
             <a:off x="549720" y="3309120"/>
-            <a:ext cx="1472760" cy="817920"/>
+            <a:ext cx="1472040" cy="817200"/>
           </a:xfrm>
           <a:prstGeom prst="ellipse">
             <a:avLst/>
@@ -19251,7 +19173,7 @@
         <p:spPr>
           <a:xfrm>
             <a:off x="3365640" y="3528000"/>
-            <a:ext cx="1141920" cy="843120"/>
+            <a:ext cx="1141200" cy="842400"/>
           </a:xfrm>
           <a:prstGeom prst="ellipse">
             <a:avLst/>
@@ -19313,7 +19235,7 @@
         <p:spPr>
           <a:xfrm>
             <a:off x="2362320" y="6873120"/>
-            <a:ext cx="1904040" cy="514440"/>
+            <a:ext cx="1903320" cy="513720"/>
           </a:xfrm>
           <a:prstGeom prst="ellipse">
             <a:avLst/>
@@ -19375,7 +19297,7 @@
         <p:spPr>
           <a:xfrm>
             <a:off x="5181480" y="6594840"/>
-            <a:ext cx="1370520" cy="740160"/>
+            <a:ext cx="1369800" cy="739440"/>
           </a:xfrm>
           <a:prstGeom prst="ellipse">
             <a:avLst/>
@@ -19437,7 +19359,7 @@
         <p:spPr>
           <a:xfrm>
             <a:off x="1040760" y="6205320"/>
-            <a:ext cx="1117440" cy="666720"/>
+            <a:ext cx="1116720" cy="666000"/>
           </a:xfrm>
           <a:prstGeom prst="ellipse">
             <a:avLst/>
@@ -19499,7 +19421,7 @@
         <p:spPr>
           <a:xfrm>
             <a:off x="3566520" y="4593600"/>
-            <a:ext cx="1675440" cy="432000"/>
+            <a:ext cx="1674720" cy="431280"/>
           </a:xfrm>
           <a:prstGeom prst="ellipse">
             <a:avLst/>
@@ -19561,7 +19483,7 @@
         <p:spPr>
           <a:xfrm>
             <a:off x="2815200" y="5771880"/>
-            <a:ext cx="1396440" cy="689400"/>
+            <a:ext cx="1395720" cy="688680"/>
           </a:xfrm>
           <a:prstGeom prst="ellipse">
             <a:avLst/>
@@ -19623,7 +19545,7 @@
         <p:spPr>
           <a:xfrm>
             <a:off x="7543800" y="6756840"/>
-            <a:ext cx="1251000" cy="578160"/>
+            <a:ext cx="1250280" cy="577440"/>
           </a:xfrm>
           <a:prstGeom prst="ellipse">
             <a:avLst/>
@@ -19685,7 +19607,7 @@
         <p:spPr>
           <a:xfrm>
             <a:off x="2037240" y="4275360"/>
-            <a:ext cx="1117440" cy="666720"/>
+            <a:ext cx="1116720" cy="666000"/>
           </a:xfrm>
           <a:prstGeom prst="ellipse">
             <a:avLst/>
@@ -19796,7 +19718,7 @@
         <p:spPr>
           <a:xfrm>
             <a:off x="76320" y="685800"/>
-            <a:ext cx="7721280" cy="1297080"/>
+            <a:ext cx="7720560" cy="1296360"/>
           </a:xfrm>
           <a:prstGeom prst="rect">
             <a:avLst/>
@@ -19824,7 +19746,7 @@
               </a:lnSpc>
             </a:pPr>
             <a:r>
-              <a:rPr b="1" lang="en-US" sz="2500" spc="162" strike="noStrike">
+              <a:rPr b="1" lang="en-US" sz="2500" spc="157" strike="noStrike">
                 <a:solidFill>
                   <a:srgbClr val="000000"/>
                 </a:solidFill>
@@ -19848,7 +19770,7 @@
         <p:spPr>
           <a:xfrm>
             <a:off x="838080" y="1408320"/>
-            <a:ext cx="8457120" cy="615240"/>
+            <a:ext cx="8456400" cy="614520"/>
           </a:xfrm>
           <a:prstGeom prst="rect">
             <a:avLst/>
@@ -19867,7 +19789,7 @@
         <p:txBody>
           <a:bodyPr lIns="0" rIns="0" tIns="0" bIns="0"/>
           <a:p>
-            <a:pPr marL="355680" indent="-342000">
+            <a:pPr marL="355680" indent="-341280">
               <a:lnSpc>
                 <a:spcPct val="101000"/>
               </a:lnSpc>
@@ -19906,7 +19828,7 @@
         <p:spPr>
           <a:xfrm>
             <a:off x="495360" y="2171880"/>
-            <a:ext cx="9142920" cy="5142600"/>
+            <a:ext cx="9142200" cy="5141880"/>
           </a:xfrm>
           <a:prstGeom prst="rect">
             <a:avLst/>
@@ -19925,7 +19847,7 @@
         <p:spPr>
           <a:xfrm>
             <a:off x="859680" y="7341480"/>
-            <a:ext cx="1913040" cy="226800"/>
+            <a:ext cx="1912320" cy="226080"/>
           </a:xfrm>
           <a:prstGeom prst="rect">
             <a:avLst/>
@@ -20023,7 +19945,7 @@
         <p:spPr>
           <a:xfrm>
             <a:off x="76320" y="685800"/>
-            <a:ext cx="7721280" cy="1297080"/>
+            <a:ext cx="7720560" cy="1296360"/>
           </a:xfrm>
           <a:prstGeom prst="rect">
             <a:avLst/>
@@ -20051,7 +19973,7 @@
               </a:lnSpc>
             </a:pPr>
             <a:r>
-              <a:rPr b="1" lang="en-US" sz="2500" spc="162" strike="noStrike">
+              <a:rPr b="1" lang="en-US" sz="2500" spc="157" strike="noStrike">
                 <a:solidFill>
                   <a:srgbClr val="000000"/>
                 </a:solidFill>
@@ -20075,7 +19997,7 @@
         <p:spPr>
           <a:xfrm>
             <a:off x="838080" y="1408320"/>
-            <a:ext cx="8457120" cy="615240"/>
+            <a:ext cx="8456400" cy="614520"/>
           </a:xfrm>
           <a:prstGeom prst="rect">
             <a:avLst/>
@@ -20094,7 +20016,7 @@
         <p:txBody>
           <a:bodyPr lIns="0" rIns="0" tIns="0" bIns="0"/>
           <a:p>
-            <a:pPr marL="355680" indent="-342000">
+            <a:pPr marL="355680" indent="-341280">
               <a:lnSpc>
                 <a:spcPct val="101000"/>
               </a:lnSpc>
@@ -20129,7 +20051,7 @@
         <p:spPr>
           <a:xfrm>
             <a:off x="3505320" y="3657600"/>
-            <a:ext cx="2665800" cy="2437200"/>
+            <a:ext cx="2665080" cy="2436480"/>
           </a:xfrm>
           <a:prstGeom prst="ellipse">
             <a:avLst/>
@@ -20191,7 +20113,7 @@
         <p:spPr>
           <a:xfrm>
             <a:off x="2057400" y="3276720"/>
-            <a:ext cx="1980000" cy="1294200"/>
+            <a:ext cx="1979280" cy="1293480"/>
           </a:xfrm>
           <a:prstGeom prst="ellipse">
             <a:avLst/>
@@ -20253,7 +20175,7 @@
         <p:spPr>
           <a:xfrm>
             <a:off x="3548520" y="2395080"/>
-            <a:ext cx="2208600" cy="1278360"/>
+            <a:ext cx="2207880" cy="1277640"/>
           </a:xfrm>
           <a:prstGeom prst="ellipse">
             <a:avLst/>
@@ -20335,7 +20257,7 @@
         <p:spPr>
           <a:xfrm>
             <a:off x="5467320" y="3124080"/>
-            <a:ext cx="1580040" cy="1218240"/>
+            <a:ext cx="1579320" cy="1217520"/>
           </a:xfrm>
           <a:prstGeom prst="ellipse">
             <a:avLst/>
@@ -20397,7 +20319,7 @@
         <p:spPr>
           <a:xfrm>
             <a:off x="5791320" y="4361760"/>
-            <a:ext cx="1580040" cy="1218240"/>
+            <a:ext cx="1579320" cy="1217520"/>
           </a:xfrm>
           <a:prstGeom prst="ellipse">
             <a:avLst/>
@@ -20479,7 +20401,7 @@
         <p:spPr>
           <a:xfrm>
             <a:off x="5053320" y="5581080"/>
-            <a:ext cx="1980000" cy="1388880"/>
+            <a:ext cx="1979280" cy="1388160"/>
           </a:xfrm>
           <a:prstGeom prst="ellipse">
             <a:avLst/>
@@ -20581,7 +20503,7 @@
         <p:spPr>
           <a:xfrm>
             <a:off x="3162240" y="5815440"/>
-            <a:ext cx="1751400" cy="1205640"/>
+            <a:ext cx="1750680" cy="1204920"/>
           </a:xfrm>
           <a:prstGeom prst="ellipse">
             <a:avLst/>
@@ -20663,7 +20585,7 @@
         <p:spPr>
           <a:xfrm>
             <a:off x="1597680" y="4572000"/>
-            <a:ext cx="2323080" cy="1354320"/>
+            <a:ext cx="2322360" cy="1353600"/>
           </a:xfrm>
           <a:prstGeom prst="ellipse">
             <a:avLst/>
@@ -20794,7 +20716,7 @@
         <p:spPr>
           <a:xfrm>
             <a:off x="76320" y="685800"/>
-            <a:ext cx="7721280" cy="1297080"/>
+            <a:ext cx="7720560" cy="1296360"/>
           </a:xfrm>
           <a:prstGeom prst="rect">
             <a:avLst/>
@@ -20822,7 +20744,7 @@
               </a:lnSpc>
             </a:pPr>
             <a:r>
-              <a:rPr b="1" lang="en-US" sz="2500" spc="162" strike="noStrike">
+              <a:rPr b="1" lang="en-US" sz="2500" spc="157" strike="noStrike">
                 <a:solidFill>
                   <a:srgbClr val="000000"/>
                 </a:solidFill>
@@ -20846,7 +20768,7 @@
         <p:spPr>
           <a:xfrm>
             <a:off x="838080" y="1408320"/>
-            <a:ext cx="8457120" cy="3161880"/>
+            <a:ext cx="8456400" cy="3161160"/>
           </a:xfrm>
           <a:prstGeom prst="rect">
             <a:avLst/>
@@ -20865,7 +20787,7 @@
         <p:txBody>
           <a:bodyPr lIns="0" rIns="0" tIns="0" bIns="0"/>
           <a:p>
-            <a:pPr marL="355680" indent="-342000">
+            <a:pPr marL="355680" indent="-341280">
               <a:lnSpc>
                 <a:spcPct val="101000"/>
               </a:lnSpc>
@@ -20900,7 +20822,7 @@
             </a:endParaRPr>
           </a:p>
           <a:p>
-            <a:pPr marL="355680" indent="-342000">
+            <a:pPr marL="355680" indent="-341280">
               <a:lnSpc>
                 <a:spcPct val="101000"/>
               </a:lnSpc>
@@ -20925,7 +20847,7 @@
             </a:endParaRPr>
           </a:p>
           <a:p>
-            <a:pPr lvl="1" marL="812880" indent="-342000">
+            <a:pPr lvl="1" marL="812880" indent="-341280">
               <a:lnSpc>
                 <a:spcPct val="101000"/>
               </a:lnSpc>
@@ -20973,7 +20895,7 @@
             </a:endParaRPr>
           </a:p>
           <a:p>
-            <a:pPr lvl="1" marL="812880" indent="-342000">
+            <a:pPr lvl="1" marL="812880" indent="-341280">
               <a:lnSpc>
                 <a:spcPct val="101000"/>
               </a:lnSpc>
@@ -21122,7 +21044,7 @@
         <p:spPr>
           <a:xfrm>
             <a:off x="534960" y="1010880"/>
-            <a:ext cx="7721280" cy="305640"/>
+            <a:ext cx="7720560" cy="304920"/>
           </a:xfrm>
           <a:prstGeom prst="rect">
             <a:avLst/>
@@ -21147,7 +21069,7 @@
               </a:lnSpc>
             </a:pPr>
             <a:r>
-              <a:rPr b="0" lang="en-US" sz="2500" spc="4" strike="noStrike">
+              <a:rPr b="0" lang="en-US" sz="2500" spc="-1" strike="noStrike">
                 <a:solidFill>
                   <a:srgbClr val="000000"/>
                 </a:solidFill>
@@ -21171,7 +21093,7 @@
         <p:spPr>
           <a:xfrm>
             <a:off x="1547280" y="4048920"/>
-            <a:ext cx="8062200" cy="1715040"/>
+            <a:ext cx="8061480" cy="1714320"/>
           </a:xfrm>
           <a:prstGeom prst="rect">
             <a:avLst/>
@@ -21196,7 +21118,7 @@
               </a:lnSpc>
             </a:pPr>
             <a:r>
-              <a:rPr b="0" lang="en-US" sz="2050" spc="4" strike="noStrike">
+              <a:rPr b="0" lang="en-US" sz="2050" spc="-1" strike="noStrike">
                 <a:solidFill>
                   <a:srgbClr val="0070c0"/>
                 </a:solidFill>
@@ -21206,7 +21128,7 @@
               <a:t>Systems that think like humans</a:t>
             </a:r>
             <a:r>
-              <a:rPr b="0" lang="en-US" sz="2050" spc="4" strike="noStrike">
+              <a:rPr b="0" lang="en-US" sz="2050" spc="-1" strike="noStrike">
                 <a:solidFill>
                   <a:srgbClr val="0070c0"/>
                 </a:solidFill>
@@ -21216,7 +21138,7 @@
               <a:t>	</a:t>
             </a:r>
             <a:r>
-              <a:rPr b="0" lang="en-US" sz="2050" spc="4" strike="noStrike">
+              <a:rPr b="0" lang="en-US" sz="2050" spc="-1" strike="noStrike">
                 <a:solidFill>
                   <a:srgbClr val="0070c0"/>
                 </a:solidFill>
@@ -21266,7 +21188,7 @@
               </a:lnSpc>
             </a:pPr>
             <a:r>
-              <a:rPr b="0" lang="en-US" sz="2050" spc="4" strike="noStrike">
+              <a:rPr b="0" lang="en-US" sz="2050" spc="-1" strike="noStrike">
                 <a:solidFill>
                   <a:srgbClr val="0070c0"/>
                 </a:solidFill>
@@ -21276,7 +21198,7 @@
               <a:t> </a:t>
             </a:r>
             <a:r>
-              <a:rPr b="0" lang="en-US" sz="2050" spc="4" strike="noStrike">
+              <a:rPr b="0" lang="en-US" sz="2050" spc="-1" strike="noStrike">
                 <a:solidFill>
                   <a:srgbClr val="0070c0"/>
                 </a:solidFill>
@@ -21286,7 +21208,7 @@
               <a:t>Systems that act like humans</a:t>
             </a:r>
             <a:r>
-              <a:rPr b="0" lang="en-US" sz="2050" spc="4" strike="noStrike">
+              <a:rPr b="0" lang="en-US" sz="2050" spc="-1" strike="noStrike">
                 <a:solidFill>
                   <a:srgbClr val="0070c0"/>
                 </a:solidFill>
@@ -21296,7 +21218,7 @@
               <a:t>	</a:t>
             </a:r>
             <a:r>
-              <a:rPr b="0" lang="en-US" sz="2050" spc="4" strike="noStrike">
+              <a:rPr b="0" lang="en-US" sz="2050" spc="-1" strike="noStrike">
                 <a:solidFill>
                   <a:srgbClr val="0070c0"/>
                 </a:solidFill>
@@ -21320,7 +21242,7 @@
         <p:spPr>
           <a:xfrm>
             <a:off x="8147520" y="7217280"/>
-            <a:ext cx="158400" cy="4507200"/>
+            <a:ext cx="157680" cy="4506480"/>
           </a:xfrm>
           <a:prstGeom prst="rect">
             <a:avLst/>
@@ -21344,8 +21266,8 @@
                 <a:spcPts val="884"/>
               </a:lnSpc>
             </a:pPr>
-            <a:fld id="{97D88167-7515-4678-B342-CABE5D808AFC}" type="slidenum">
-              <a:rPr b="0" lang="en-US" sz="800" spc="4" strike="noStrike">
+            <a:fld id="{758332E4-FE4B-43DE-BD71-6868E0B9B481}" type="slidenum">
+              <a:rPr b="0" lang="en-US" sz="800" spc="-1" strike="noStrike">
                 <a:solidFill>
                   <a:srgbClr val="000000"/>
                 </a:solidFill>
@@ -21431,7 +21353,7 @@
         <p:spPr>
           <a:xfrm>
             <a:off x="1103040" y="1752480"/>
-            <a:ext cx="7677720" cy="881280"/>
+            <a:ext cx="7677000" cy="880560"/>
           </a:xfrm>
           <a:prstGeom prst="rect">
             <a:avLst/>
@@ -21450,7 +21372,7 @@
         <p:txBody>
           <a:bodyPr wrap="none" lIns="90000" rIns="90000" tIns="45000" bIns="45000"/>
           <a:p>
-            <a:pPr marL="285840" indent="-284760">
+            <a:pPr marL="285840" indent="-284040">
               <a:lnSpc>
                 <a:spcPct val="100000"/>
               </a:lnSpc>
@@ -21485,7 +21407,7 @@
             </a:endParaRPr>
           </a:p>
           <a:p>
-            <a:pPr lvl="1" marL="743040" indent="-284760">
+            <a:pPr lvl="1" marL="743040" indent="-284040">
               <a:lnSpc>
                 <a:spcPct val="100000"/>
               </a:lnSpc>
@@ -21510,7 +21432,7 @@
             </a:endParaRPr>
           </a:p>
           <a:p>
-            <a:pPr lvl="1" marL="743040" indent="-284760">
+            <a:pPr lvl="1" marL="743040" indent="-284040">
               <a:lnSpc>
                 <a:spcPct val="100000"/>
               </a:lnSpc>
@@ -21545,7 +21467,7 @@
         <p:spPr>
           <a:xfrm>
             <a:off x="2147400" y="2854080"/>
-            <a:ext cx="2131200" cy="333000"/>
+            <a:ext cx="2130480" cy="332280"/>
           </a:xfrm>
           <a:prstGeom prst="rect">
             <a:avLst/>
@@ -21604,7 +21526,7 @@
         <p:spPr>
           <a:xfrm>
             <a:off x="6127560" y="2854080"/>
-            <a:ext cx="2071800" cy="333000"/>
+            <a:ext cx="2071080" cy="332280"/>
           </a:xfrm>
           <a:prstGeom prst="rect">
             <a:avLst/>
@@ -21663,7 +21585,7 @@
         <p:spPr>
           <a:xfrm>
             <a:off x="0" y="4191120"/>
-            <a:ext cx="1029240" cy="333000"/>
+            <a:ext cx="1028520" cy="332280"/>
           </a:xfrm>
           <a:prstGeom prst="rect">
             <a:avLst/>
@@ -21712,7 +21634,7 @@
         <p:spPr>
           <a:xfrm>
             <a:off x="163800" y="5445360"/>
-            <a:ext cx="701640" cy="333000"/>
+            <a:ext cx="700920" cy="332280"/>
           </a:xfrm>
           <a:prstGeom prst="rect">
             <a:avLst/>
@@ -21810,7 +21732,7 @@
         <p:spPr>
           <a:xfrm>
             <a:off x="534960" y="1010880"/>
-            <a:ext cx="7721280" cy="1297080"/>
+            <a:ext cx="7720560" cy="1296360"/>
           </a:xfrm>
           <a:prstGeom prst="rect">
             <a:avLst/>
@@ -21835,7 +21757,7 @@
               </a:lnSpc>
             </a:pPr>
             <a:r>
-              <a:rPr b="0" lang="en-US" sz="2500" spc="4" strike="noStrike">
+              <a:rPr b="0" lang="en-US" sz="2500" spc="-1" strike="noStrike">
                 <a:solidFill>
                   <a:srgbClr val="000000"/>
                 </a:solidFill>
@@ -21859,7 +21781,7 @@
         <p:spPr>
           <a:xfrm>
             <a:off x="496440" y="1637280"/>
-            <a:ext cx="7232760" cy="867240"/>
+            <a:ext cx="7232040" cy="866520"/>
           </a:xfrm>
           <a:prstGeom prst="rect">
             <a:avLst/>
@@ -21884,7 +21806,7 @@
               </a:lnSpc>
             </a:pPr>
             <a:r>
-              <a:rPr b="0" lang="en-US" sz="2050" spc="4" strike="noStrike">
+              <a:rPr b="0" lang="en-US" sz="2050" spc="-1" strike="noStrike">
                 <a:solidFill>
                   <a:srgbClr val="000000"/>
                 </a:solidFill>
@@ -21898,7 +21820,7 @@
             </a:endParaRPr>
           </a:p>
           <a:p>
-            <a:pPr lvl="1" marL="812880" indent="-342000">
+            <a:pPr lvl="1" marL="812880" indent="-341280">
               <a:lnSpc>
                 <a:spcPct val="100000"/>
               </a:lnSpc>
@@ -21912,7 +21834,7 @@
               <a:buChar char="•"/>
             </a:pPr>
             <a:r>
-              <a:rPr b="0" lang="en-US" sz="1800" spc="4" strike="noStrike">
+              <a:rPr b="0" lang="en-US" sz="1800" spc="-1" strike="noStrike">
                 <a:solidFill>
                   <a:srgbClr val="000000"/>
                 </a:solidFill>
@@ -21922,7 +21844,7 @@
               <a:t>“</a:t>
             </a:r>
             <a:r>
-              <a:rPr b="0" lang="en-US" sz="1800" spc="4" strike="noStrike">
+              <a:rPr b="0" lang="en-US" sz="1800" spc="-1" strike="noStrike">
                 <a:solidFill>
                   <a:srgbClr val="ff00ff"/>
                 </a:solidFill>
@@ -21932,7 +21854,7 @@
               <a:t>Can machines  think</a:t>
             </a:r>
             <a:r>
-              <a:rPr b="0" lang="en-US" sz="1800" spc="4" strike="noStrike">
+              <a:rPr b="0" lang="en-US" sz="1800" spc="-1" strike="noStrike">
                 <a:solidFill>
                   <a:srgbClr val="000000"/>
                 </a:solidFill>
@@ -21942,7 +21864,7 @@
               <a:t>?”  −→ “</a:t>
             </a:r>
             <a:r>
-              <a:rPr b="0" lang="en-US" sz="1800" spc="4" strike="noStrike">
+              <a:rPr b="0" lang="en-US" sz="1800" spc="-1" strike="noStrike">
                 <a:solidFill>
                   <a:srgbClr val="004b00"/>
                 </a:solidFill>
@@ -21952,7 +21874,7 @@
               <a:t>Can machines  behave intelligently</a:t>
             </a:r>
             <a:r>
-              <a:rPr b="0" lang="en-US" sz="1800" spc="4" strike="noStrike">
+              <a:rPr b="0" lang="en-US" sz="1800" spc="-1" strike="noStrike">
                 <a:solidFill>
                   <a:srgbClr val="000000"/>
                 </a:solidFill>
@@ -21966,7 +21888,7 @@
             </a:endParaRPr>
           </a:p>
           <a:p>
-            <a:pPr lvl="1" marL="812880" indent="-342000">
+            <a:pPr lvl="1" marL="812880" indent="-341280">
               <a:lnSpc>
                 <a:spcPct val="100000"/>
               </a:lnSpc>
@@ -21980,7 +21902,7 @@
               <a:buChar char="•"/>
             </a:pPr>
             <a:r>
-              <a:rPr b="0" lang="en-US" sz="1800" spc="4" strike="noStrike">
+              <a:rPr b="0" lang="en-US" sz="1800" spc="-1" strike="noStrike">
                 <a:solidFill>
                   <a:srgbClr val="000000"/>
                 </a:solidFill>
@@ -21990,7 +21912,7 @@
               <a:t>Operational test for intelligent behavior:  the </a:t>
             </a:r>
             <a:r>
-              <a:rPr b="0" lang="en-US" sz="1800" spc="4" strike="noStrike">
+              <a:rPr b="0" lang="en-US" sz="1800" spc="-1" strike="noStrike">
                 <a:solidFill>
                   <a:srgbClr val="00007e"/>
                 </a:solidFill>
@@ -22014,7 +21936,7 @@
         <p:spPr>
           <a:xfrm>
             <a:off x="3855960" y="3341880"/>
-            <a:ext cx="26280" cy="360"/>
+            <a:ext cx="25560" cy="360"/>
           </a:xfrm>
           <a:custGeom>
             <a:avLst/>
@@ -22056,7 +21978,7 @@
         <p:spPr>
           <a:xfrm>
             <a:off x="3855960" y="3419640"/>
-            <a:ext cx="26280" cy="360"/>
+            <a:ext cx="25560" cy="360"/>
           </a:xfrm>
           <a:custGeom>
             <a:avLst/>
@@ -22098,7 +22020,7 @@
         <p:spPr>
           <a:xfrm>
             <a:off x="3855960" y="3400200"/>
-            <a:ext cx="26280" cy="360"/>
+            <a:ext cx="25560" cy="360"/>
           </a:xfrm>
           <a:custGeom>
             <a:avLst/>
@@ -22140,7 +22062,7 @@
         <p:spPr>
           <a:xfrm>
             <a:off x="3855960" y="3380760"/>
-            <a:ext cx="26280" cy="360"/>
+            <a:ext cx="25560" cy="360"/>
           </a:xfrm>
           <a:custGeom>
             <a:avLst/>
@@ -22182,7 +22104,7 @@
         <p:spPr>
           <a:xfrm>
             <a:off x="3855960" y="3361320"/>
-            <a:ext cx="26280" cy="360"/>
+            <a:ext cx="25560" cy="360"/>
           </a:xfrm>
           <a:custGeom>
             <a:avLst/>
@@ -22224,7 +22146,7 @@
         <p:spPr>
           <a:xfrm>
             <a:off x="3855960" y="3465360"/>
-            <a:ext cx="26280" cy="360"/>
+            <a:ext cx="25560" cy="360"/>
           </a:xfrm>
           <a:custGeom>
             <a:avLst/>
@@ -22266,7 +22188,7 @@
         <p:spPr>
           <a:xfrm>
             <a:off x="3855960" y="3543120"/>
-            <a:ext cx="26280" cy="360"/>
+            <a:ext cx="25560" cy="360"/>
           </a:xfrm>
           <a:custGeom>
             <a:avLst/>
@@ -22308,7 +22230,7 @@
         <p:spPr>
           <a:xfrm>
             <a:off x="3855960" y="3523680"/>
-            <a:ext cx="26280" cy="360"/>
+            <a:ext cx="25560" cy="360"/>
           </a:xfrm>
           <a:custGeom>
             <a:avLst/>
@@ -22350,7 +22272,7 @@
         <p:spPr>
           <a:xfrm>
             <a:off x="3855960" y="3504240"/>
-            <a:ext cx="26280" cy="360"/>
+            <a:ext cx="25560" cy="360"/>
           </a:xfrm>
           <a:custGeom>
             <a:avLst/>
@@ -22392,7 +22314,7 @@
         <p:spPr>
           <a:xfrm>
             <a:off x="3855960" y="3484800"/>
-            <a:ext cx="26280" cy="360"/>
+            <a:ext cx="25560" cy="360"/>
           </a:xfrm>
           <a:custGeom>
             <a:avLst/>
@@ -22434,7 +22356,7 @@
         <p:spPr>
           <a:xfrm>
             <a:off x="3855960" y="3588480"/>
-            <a:ext cx="26280" cy="360"/>
+            <a:ext cx="25560" cy="360"/>
           </a:xfrm>
           <a:custGeom>
             <a:avLst/>
@@ -22476,7 +22398,7 @@
         <p:spPr>
           <a:xfrm>
             <a:off x="3855960" y="3646800"/>
-            <a:ext cx="26280" cy="360"/>
+            <a:ext cx="25560" cy="360"/>
           </a:xfrm>
           <a:custGeom>
             <a:avLst/>
@@ -22518,7 +22440,7 @@
         <p:spPr>
           <a:xfrm>
             <a:off x="3855960" y="3627360"/>
-            <a:ext cx="26280" cy="360"/>
+            <a:ext cx="25560" cy="360"/>
           </a:xfrm>
           <a:custGeom>
             <a:avLst/>
@@ -22560,7 +22482,7 @@
         <p:spPr>
           <a:xfrm>
             <a:off x="3855960" y="3607920"/>
-            <a:ext cx="26280" cy="360"/>
+            <a:ext cx="25560" cy="360"/>
           </a:xfrm>
           <a:custGeom>
             <a:avLst/>
@@ -22602,7 +22524,7 @@
         <p:spPr>
           <a:xfrm>
             <a:off x="3855960" y="3698640"/>
-            <a:ext cx="26280" cy="360"/>
+            <a:ext cx="25560" cy="360"/>
           </a:xfrm>
           <a:custGeom>
             <a:avLst/>
@@ -22644,7 +22566,7 @@
         <p:spPr>
           <a:xfrm>
             <a:off x="3855960" y="3727800"/>
-            <a:ext cx="26280" cy="360"/>
+            <a:ext cx="25560" cy="360"/>
           </a:xfrm>
           <a:custGeom>
             <a:avLst/>
@@ -22686,7 +22608,7 @@
         <p:spPr>
           <a:xfrm>
             <a:off x="3817080" y="3348000"/>
-            <a:ext cx="26280" cy="26280"/>
+            <a:ext cx="25560" cy="25560"/>
           </a:xfrm>
           <a:custGeom>
             <a:avLst/>
@@ -22737,7 +22659,7 @@
         <p:spPr>
           <a:xfrm>
             <a:off x="3817080" y="3425760"/>
-            <a:ext cx="26280" cy="26280"/>
+            <a:ext cx="25560" cy="25560"/>
           </a:xfrm>
           <a:custGeom>
             <a:avLst/>
@@ -22788,7 +22710,7 @@
         <p:spPr>
           <a:xfrm>
             <a:off x="3817080" y="3419640"/>
-            <a:ext cx="26280" cy="360"/>
+            <a:ext cx="25560" cy="360"/>
           </a:xfrm>
           <a:custGeom>
             <a:avLst/>
@@ -22830,7 +22752,7 @@
         <p:spPr>
           <a:xfrm>
             <a:off x="3817080" y="3386880"/>
-            <a:ext cx="26280" cy="26280"/>
+            <a:ext cx="25560" cy="25560"/>
           </a:xfrm>
           <a:custGeom>
             <a:avLst/>
@@ -22881,7 +22803,7 @@
         <p:spPr>
           <a:xfrm>
             <a:off x="3817080" y="3367440"/>
-            <a:ext cx="26280" cy="26280"/>
+            <a:ext cx="25560" cy="25560"/>
           </a:xfrm>
           <a:custGeom>
             <a:avLst/>
@@ -22932,7 +22854,7 @@
         <p:spPr>
           <a:xfrm>
             <a:off x="3817080" y="3445200"/>
-            <a:ext cx="26280" cy="26280"/>
+            <a:ext cx="25560" cy="25560"/>
           </a:xfrm>
           <a:custGeom>
             <a:avLst/>
@@ -22983,7 +22905,7 @@
         <p:spPr>
           <a:xfrm>
             <a:off x="3817080" y="3523320"/>
-            <a:ext cx="26280" cy="26280"/>
+            <a:ext cx="25560" cy="25560"/>
           </a:xfrm>
           <a:custGeom>
             <a:avLst/>
@@ -23034,7 +22956,7 @@
         <p:spPr>
           <a:xfrm>
             <a:off x="3817080" y="3503520"/>
-            <a:ext cx="26280" cy="26280"/>
+            <a:ext cx="25560" cy="25560"/>
           </a:xfrm>
           <a:custGeom>
             <a:avLst/>
@@ -23085,7 +23007,7 @@
         <p:spPr>
           <a:xfrm>
             <a:off x="3817080" y="3484080"/>
-            <a:ext cx="26280" cy="26280"/>
+            <a:ext cx="25560" cy="25560"/>
           </a:xfrm>
           <a:custGeom>
             <a:avLst/>
@@ -23136,7 +23058,7 @@
         <p:spPr>
           <a:xfrm>
             <a:off x="3817080" y="3478320"/>
-            <a:ext cx="26280" cy="360"/>
+            <a:ext cx="25560" cy="360"/>
           </a:xfrm>
           <a:custGeom>
             <a:avLst/>
@@ -23178,7 +23100,7 @@
         <p:spPr>
           <a:xfrm>
             <a:off x="3817080" y="3562200"/>
-            <a:ext cx="26280" cy="26280"/>
+            <a:ext cx="25560" cy="25560"/>
           </a:xfrm>
           <a:custGeom>
             <a:avLst/>
@@ -23229,7 +23151,7 @@
         <p:spPr>
           <a:xfrm>
             <a:off x="3817080" y="3581640"/>
-            <a:ext cx="26280" cy="26280"/>
+            <a:ext cx="25560" cy="25560"/>
           </a:xfrm>
           <a:custGeom>
             <a:avLst/>
@@ -23280,7 +23202,7 @@
         <p:spPr>
           <a:xfrm>
             <a:off x="3817080" y="3556080"/>
-            <a:ext cx="26280" cy="360"/>
+            <a:ext cx="25560" cy="360"/>
           </a:xfrm>
           <a:custGeom>
             <a:avLst/>
@@ -23322,7 +23244,7 @@
         <p:spPr>
           <a:xfrm>
             <a:off x="3791160" y="3543120"/>
-            <a:ext cx="26280" cy="360"/>
+            <a:ext cx="25560" cy="360"/>
           </a:xfrm>
           <a:custGeom>
             <a:avLst/>
@@ -23364,7 +23286,7 @@
         <p:spPr>
           <a:xfrm>
             <a:off x="3791160" y="3549240"/>
-            <a:ext cx="26280" cy="26280"/>
+            <a:ext cx="25560" cy="25560"/>
           </a:xfrm>
           <a:custGeom>
             <a:avLst/>
@@ -23415,7 +23337,7 @@
         <p:spPr>
           <a:xfrm>
             <a:off x="3791160" y="3568680"/>
-            <a:ext cx="26280" cy="26280"/>
+            <a:ext cx="25560" cy="25560"/>
           </a:xfrm>
           <a:custGeom>
             <a:avLst/>
@@ -23466,7 +23388,7 @@
         <p:spPr>
           <a:xfrm>
             <a:off x="3791160" y="3601440"/>
-            <a:ext cx="26280" cy="360"/>
+            <a:ext cx="25560" cy="360"/>
           </a:xfrm>
           <a:custGeom>
             <a:avLst/>
@@ -23508,7 +23430,7 @@
         <p:spPr>
           <a:xfrm>
             <a:off x="3791160" y="3523680"/>
-            <a:ext cx="26280" cy="360"/>
+            <a:ext cx="25560" cy="360"/>
           </a:xfrm>
           <a:custGeom>
             <a:avLst/>
@@ -23550,7 +23472,7 @@
         <p:spPr>
           <a:xfrm>
             <a:off x="3791160" y="3432240"/>
-            <a:ext cx="26280" cy="26280"/>
+            <a:ext cx="25560" cy="25560"/>
           </a:xfrm>
           <a:custGeom>
             <a:avLst/>
@@ -23601,7 +23523,7 @@
         <p:spPr>
           <a:xfrm>
             <a:off x="3791160" y="3465360"/>
-            <a:ext cx="26280" cy="360"/>
+            <a:ext cx="25560" cy="360"/>
           </a:xfrm>
           <a:custGeom>
             <a:avLst/>
@@ -23643,7 +23565,7 @@
         <p:spPr>
           <a:xfrm>
             <a:off x="3791160" y="3471120"/>
-            <a:ext cx="26280" cy="26280"/>
+            <a:ext cx="25560" cy="25560"/>
           </a:xfrm>
           <a:custGeom>
             <a:avLst/>
@@ -23694,7 +23616,7 @@
         <p:spPr>
           <a:xfrm>
             <a:off x="3791160" y="3490560"/>
-            <a:ext cx="26280" cy="26280"/>
+            <a:ext cx="25560" cy="25560"/>
           </a:xfrm>
           <a:custGeom>
             <a:avLst/>
@@ -23745,7 +23667,7 @@
         <p:spPr>
           <a:xfrm>
             <a:off x="3791160" y="3393360"/>
-            <a:ext cx="26280" cy="26280"/>
+            <a:ext cx="25560" cy="25560"/>
           </a:xfrm>
           <a:custGeom>
             <a:avLst/>
@@ -23796,7 +23718,7 @@
         <p:spPr>
           <a:xfrm>
             <a:off x="3791160" y="3387240"/>
-            <a:ext cx="26280" cy="360"/>
+            <a:ext cx="25560" cy="360"/>
           </a:xfrm>
           <a:custGeom>
             <a:avLst/>
@@ -23838,7 +23760,7 @@
         <p:spPr>
           <a:xfrm>
             <a:off x="3791160" y="3412800"/>
-            <a:ext cx="26280" cy="26280"/>
+            <a:ext cx="25560" cy="25560"/>
           </a:xfrm>
           <a:custGeom>
             <a:avLst/>
@@ -23889,7 +23811,7 @@
         <p:spPr>
           <a:xfrm>
             <a:off x="3791160" y="3364560"/>
-            <a:ext cx="26280" cy="360"/>
+            <a:ext cx="25560" cy="360"/>
           </a:xfrm>
           <a:custGeom>
             <a:avLst/>
@@ -23931,7 +23853,7 @@
         <p:spPr>
           <a:xfrm>
             <a:off x="3765240" y="3549600"/>
-            <a:ext cx="26280" cy="360"/>
+            <a:ext cx="25560" cy="360"/>
           </a:xfrm>
           <a:custGeom>
             <a:avLst/>
@@ -23973,7 +23895,7 @@
         <p:spPr>
           <a:xfrm>
             <a:off x="3765240" y="3569040"/>
-            <a:ext cx="26280" cy="360"/>
+            <a:ext cx="25560" cy="360"/>
           </a:xfrm>
           <a:custGeom>
             <a:avLst/>
@@ -24015,7 +23937,7 @@
         <p:spPr>
           <a:xfrm>
             <a:off x="3765240" y="3588480"/>
-            <a:ext cx="26280" cy="360"/>
+            <a:ext cx="25560" cy="360"/>
           </a:xfrm>
           <a:custGeom>
             <a:avLst/>
@@ -24057,7 +23979,7 @@
         <p:spPr>
           <a:xfrm>
             <a:off x="3765240" y="3607920"/>
-            <a:ext cx="26280" cy="360"/>
+            <a:ext cx="25560" cy="360"/>
           </a:xfrm>
           <a:custGeom>
             <a:avLst/>
@@ -24099,7 +24021,7 @@
         <p:spPr>
           <a:xfrm>
             <a:off x="3765240" y="3530160"/>
-            <a:ext cx="26280" cy="360"/>
+            <a:ext cx="25560" cy="360"/>
           </a:xfrm>
           <a:custGeom>
             <a:avLst/>
@@ -24141,7 +24063,7 @@
         <p:spPr>
           <a:xfrm>
             <a:off x="3765240" y="3452400"/>
-            <a:ext cx="26280" cy="360"/>
+            <a:ext cx="25560" cy="360"/>
           </a:xfrm>
           <a:custGeom>
             <a:avLst/>
@@ -24183,7 +24105,7 @@
         <p:spPr>
           <a:xfrm>
             <a:off x="3765240" y="3471840"/>
-            <a:ext cx="26280" cy="360"/>
+            <a:ext cx="25560" cy="360"/>
           </a:xfrm>
           <a:custGeom>
             <a:avLst/>
@@ -24225,7 +24147,7 @@
         <p:spPr>
           <a:xfrm>
             <a:off x="3765240" y="3491280"/>
-            <a:ext cx="26280" cy="360"/>
+            <a:ext cx="25560" cy="360"/>
           </a:xfrm>
           <a:custGeom>
             <a:avLst/>
@@ -24267,7 +24189,7 @@
         <p:spPr>
           <a:xfrm>
             <a:off x="3765240" y="3510720"/>
-            <a:ext cx="26280" cy="360"/>
+            <a:ext cx="25560" cy="360"/>
           </a:xfrm>
           <a:custGeom>
             <a:avLst/>
@@ -24309,7 +24231,7 @@
         <p:spPr>
           <a:xfrm>
             <a:off x="3765240" y="3413160"/>
-            <a:ext cx="26280" cy="360"/>
+            <a:ext cx="25560" cy="360"/>
           </a:xfrm>
           <a:custGeom>
             <a:avLst/>
@@ -24351,7 +24273,7 @@
         <p:spPr>
           <a:xfrm>
             <a:off x="3765240" y="3393720"/>
-            <a:ext cx="26280" cy="360"/>
+            <a:ext cx="25560" cy="360"/>
           </a:xfrm>
           <a:custGeom>
             <a:avLst/>
@@ -24393,7 +24315,7 @@
         <p:spPr>
           <a:xfrm>
             <a:off x="3765240" y="3432960"/>
-            <a:ext cx="26280" cy="360"/>
+            <a:ext cx="25560" cy="360"/>
           </a:xfrm>
           <a:custGeom>
             <a:avLst/>
@@ -24435,7 +24357,7 @@
         <p:spPr>
           <a:xfrm>
             <a:off x="3765240" y="3371040"/>
-            <a:ext cx="26280" cy="360"/>
+            <a:ext cx="25560" cy="360"/>
           </a:xfrm>
           <a:custGeom>
             <a:avLst/>
@@ -24477,7 +24399,7 @@
         <p:spPr>
           <a:xfrm>
             <a:off x="3817080" y="3620880"/>
-            <a:ext cx="26280" cy="360"/>
+            <a:ext cx="25560" cy="360"/>
           </a:xfrm>
           <a:custGeom>
             <a:avLst/>
@@ -24519,7 +24441,7 @@
         <p:spPr>
           <a:xfrm>
             <a:off x="3768840" y="3617640"/>
-            <a:ext cx="44640" cy="24840"/>
+            <a:ext cx="43920" cy="24120"/>
           </a:xfrm>
           <a:custGeom>
             <a:avLst/>
@@ -24577,7 +24499,7 @@
         <p:spPr>
           <a:xfrm>
             <a:off x="3765240" y="3348360"/>
-            <a:ext cx="26280" cy="360"/>
+            <a:ext cx="25560" cy="360"/>
           </a:xfrm>
           <a:custGeom>
             <a:avLst/>
@@ -24619,7 +24541,7 @@
         <p:spPr>
           <a:xfrm>
             <a:off x="3738960" y="3523320"/>
-            <a:ext cx="26280" cy="26280"/>
+            <a:ext cx="25560" cy="25560"/>
           </a:xfrm>
           <a:custGeom>
             <a:avLst/>
@@ -24670,7 +24592,7 @@
         <p:spPr>
           <a:xfrm>
             <a:off x="3738960" y="3556080"/>
-            <a:ext cx="26280" cy="360"/>
+            <a:ext cx="25560" cy="360"/>
           </a:xfrm>
           <a:custGeom>
             <a:avLst/>
@@ -24712,7 +24634,7 @@
         <p:spPr>
           <a:xfrm>
             <a:off x="3738960" y="3575520"/>
-            <a:ext cx="26280" cy="360"/>
+            <a:ext cx="25560" cy="360"/>
           </a:xfrm>
           <a:custGeom>
             <a:avLst/>
@@ -24754,7 +24676,7 @@
         <p:spPr>
           <a:xfrm>
             <a:off x="3738960" y="3503520"/>
-            <a:ext cx="26280" cy="26280"/>
+            <a:ext cx="25560" cy="25560"/>
           </a:xfrm>
           <a:custGeom>
             <a:avLst/>
@@ -24805,7 +24727,7 @@
         <p:spPr>
           <a:xfrm>
             <a:off x="3738960" y="3425760"/>
-            <a:ext cx="26280" cy="26280"/>
+            <a:ext cx="25560" cy="25560"/>
           </a:xfrm>
           <a:custGeom>
             <a:avLst/>
@@ -24856,7 +24778,7 @@
         <p:spPr>
           <a:xfrm>
             <a:off x="3738960" y="3445200"/>
-            <a:ext cx="26280" cy="26280"/>
+            <a:ext cx="25560" cy="25560"/>
           </a:xfrm>
           <a:custGeom>
             <a:avLst/>
@@ -24907,7 +24829,7 @@
         <p:spPr>
           <a:xfrm>
             <a:off x="3738960" y="3478320"/>
-            <a:ext cx="26280" cy="360"/>
+            <a:ext cx="25560" cy="360"/>
           </a:xfrm>
           <a:custGeom>
             <a:avLst/>
@@ -24949,7 +24871,7 @@
         <p:spPr>
           <a:xfrm>
             <a:off x="3738960" y="3484080"/>
-            <a:ext cx="26280" cy="26280"/>
+            <a:ext cx="25560" cy="25560"/>
           </a:xfrm>
           <a:custGeom>
             <a:avLst/>
@@ -25000,7 +24922,7 @@
         <p:spPr>
           <a:xfrm>
             <a:off x="3738960" y="3386880"/>
-            <a:ext cx="26280" cy="26280"/>
+            <a:ext cx="25560" cy="25560"/>
           </a:xfrm>
           <a:custGeom>
             <a:avLst/>
@@ -25051,7 +24973,7 @@
         <p:spPr>
           <a:xfrm>
             <a:off x="3738960" y="3367440"/>
-            <a:ext cx="26280" cy="26280"/>
+            <a:ext cx="25560" cy="25560"/>
           </a:xfrm>
           <a:custGeom>
             <a:avLst/>
@@ -25102,7 +25024,7 @@
         <p:spPr>
           <a:xfrm>
             <a:off x="3738960" y="3419640"/>
-            <a:ext cx="26280" cy="360"/>
+            <a:ext cx="25560" cy="360"/>
           </a:xfrm>
           <a:custGeom>
             <a:avLst/>
@@ -25144,7 +25066,7 @@
         <p:spPr>
           <a:xfrm>
             <a:off x="3738960" y="3354840"/>
-            <a:ext cx="26280" cy="360"/>
+            <a:ext cx="25560" cy="360"/>
           </a:xfrm>
           <a:custGeom>
             <a:avLst/>
@@ -25186,7 +25108,7 @@
         <p:spPr>
           <a:xfrm>
             <a:off x="3738960" y="3601440"/>
-            <a:ext cx="26280" cy="360"/>
+            <a:ext cx="25560" cy="360"/>
           </a:xfrm>
           <a:custGeom>
             <a:avLst/>
@@ -25228,7 +25150,7 @@
         <p:spPr>
           <a:xfrm>
             <a:off x="3713040" y="3374280"/>
-            <a:ext cx="26280" cy="360"/>
+            <a:ext cx="25560" cy="360"/>
           </a:xfrm>
           <a:custGeom>
             <a:avLst/>
@@ -25270,7 +25192,7 @@
         <p:spPr>
           <a:xfrm>
             <a:off x="3726720" y="3393360"/>
-            <a:ext cx="360" cy="181800"/>
+            <a:ext cx="360" cy="181080"/>
           </a:xfrm>
           <a:custGeom>
             <a:avLst/>
@@ -25312,7 +25234,7 @@
         <p:spPr>
           <a:xfrm>
             <a:off x="3817080" y="3737520"/>
-            <a:ext cx="26280" cy="360"/>
+            <a:ext cx="25560" cy="360"/>
           </a:xfrm>
           <a:custGeom>
             <a:avLst/>
@@ -25354,7 +25276,7 @@
         <p:spPr>
           <a:xfrm>
             <a:off x="3817080" y="3704760"/>
-            <a:ext cx="26280" cy="26280"/>
+            <a:ext cx="25560" cy="25560"/>
           </a:xfrm>
           <a:custGeom>
             <a:avLst/>
@@ -25405,7 +25327,7 @@
         <p:spPr>
           <a:xfrm>
             <a:off x="3817080" y="3685320"/>
-            <a:ext cx="26280" cy="26280"/>
+            <a:ext cx="25560" cy="25560"/>
           </a:xfrm>
           <a:custGeom>
             <a:avLst/>
@@ -25456,7 +25378,7 @@
         <p:spPr>
           <a:xfrm>
             <a:off x="3791160" y="3737520"/>
-            <a:ext cx="26280" cy="360"/>
+            <a:ext cx="25560" cy="360"/>
           </a:xfrm>
           <a:custGeom>
             <a:avLst/>
@@ -25498,7 +25420,7 @@
         <p:spPr>
           <a:xfrm>
             <a:off x="3791160" y="3704760"/>
-            <a:ext cx="26280" cy="26280"/>
+            <a:ext cx="25560" cy="25560"/>
           </a:xfrm>
           <a:custGeom>
             <a:avLst/>
@@ -25549,7 +25471,7 @@
         <p:spPr>
           <a:xfrm>
             <a:off x="3791160" y="3685320"/>
-            <a:ext cx="26280" cy="26280"/>
+            <a:ext cx="25560" cy="25560"/>
           </a:xfrm>
           <a:custGeom>
             <a:avLst/>
@@ -25600,7 +25522,7 @@
         <p:spPr>
           <a:xfrm>
             <a:off x="3765240" y="3718080"/>
-            <a:ext cx="26280" cy="360"/>
+            <a:ext cx="25560" cy="360"/>
           </a:xfrm>
           <a:custGeom>
             <a:avLst/>
@@ -25642,7 +25564,7 @@
         <p:spPr>
           <a:xfrm>
             <a:off x="3738960" y="3737520"/>
-            <a:ext cx="26280" cy="360"/>
+            <a:ext cx="25560" cy="360"/>
           </a:xfrm>
           <a:custGeom>
             <a:avLst/>
@@ -25684,7 +25606,7 @@
         <p:spPr>
           <a:xfrm>
             <a:off x="3738960" y="3704760"/>
-            <a:ext cx="26280" cy="26280"/>
+            <a:ext cx="25560" cy="25560"/>
           </a:xfrm>
           <a:custGeom>
             <a:avLst/>
@@ -25735,7 +25657,7 @@
         <p:spPr>
           <a:xfrm>
             <a:off x="3738960" y="3685320"/>
-            <a:ext cx="26280" cy="26280"/>
+            <a:ext cx="25560" cy="25560"/>
           </a:xfrm>
           <a:custGeom>
             <a:avLst/>
@@ -25786,7 +25708,7 @@
         <p:spPr>
           <a:xfrm>
             <a:off x="3697560" y="3306240"/>
-            <a:ext cx="200160" cy="472680"/>
+            <a:ext cx="199440" cy="471960"/>
           </a:xfrm>
           <a:custGeom>
             <a:avLst/>
@@ -25838,7 +25760,7 @@
         <p:spPr>
           <a:xfrm>
             <a:off x="3868920" y="3303000"/>
-            <a:ext cx="19800" cy="360"/>
+            <a:ext cx="19080" cy="360"/>
           </a:xfrm>
           <a:custGeom>
             <a:avLst/>
@@ -25880,7 +25802,7 @@
         <p:spPr>
           <a:xfrm>
             <a:off x="3868920" y="3782880"/>
-            <a:ext cx="19800" cy="360"/>
+            <a:ext cx="19080" cy="360"/>
           </a:xfrm>
           <a:custGeom>
             <a:avLst/>
@@ -25922,7 +25844,7 @@
         <p:spPr>
           <a:xfrm>
             <a:off x="3810600" y="3813840"/>
-            <a:ext cx="27000" cy="16560"/>
+            <a:ext cx="26280" cy="15840"/>
           </a:xfrm>
           <a:custGeom>
             <a:avLst/>
@@ -25974,7 +25896,7 @@
         <p:spPr>
           <a:xfrm>
             <a:off x="3813120" y="3826800"/>
-            <a:ext cx="27000" cy="16560"/>
+            <a:ext cx="26280" cy="15840"/>
           </a:xfrm>
           <a:custGeom>
             <a:avLst/>
@@ -26026,7 +25948,7 @@
         <p:spPr>
           <a:xfrm>
             <a:off x="3815280" y="3839400"/>
-            <a:ext cx="27000" cy="16560"/>
+            <a:ext cx="26280" cy="15840"/>
           </a:xfrm>
           <a:custGeom>
             <a:avLst/>
@@ -26078,7 +26000,7 @@
         <p:spPr>
           <a:xfrm>
             <a:off x="3844800" y="3824280"/>
-            <a:ext cx="7920" cy="12960"/>
+            <a:ext cx="7200" cy="12240"/>
           </a:xfrm>
           <a:custGeom>
             <a:avLst/>
@@ -26130,7 +26052,7 @@
         <p:spPr>
           <a:xfrm>
             <a:off x="3764880" y="3806280"/>
-            <a:ext cx="84600" cy="63720"/>
+            <a:ext cx="83880" cy="63000"/>
           </a:xfrm>
           <a:custGeom>
             <a:avLst/>
@@ -26182,7 +26104,7 @@
         <p:spPr>
           <a:xfrm>
             <a:off x="3852360" y="3786120"/>
-            <a:ext cx="77040" cy="73080"/>
+            <a:ext cx="76320" cy="72360"/>
           </a:xfrm>
           <a:custGeom>
             <a:avLst/>
@@ -26335,7 +26257,7 @@
         <p:spPr>
           <a:xfrm>
             <a:off x="3879360" y="3286800"/>
-            <a:ext cx="70200" cy="21240"/>
+            <a:ext cx="69480" cy="20520"/>
           </a:xfrm>
           <a:custGeom>
             <a:avLst/>
@@ -26434,7 +26356,7 @@
         <p:spPr>
           <a:xfrm>
             <a:off x="3940560" y="3252960"/>
-            <a:ext cx="470880" cy="588960"/>
+            <a:ext cx="470160" cy="588240"/>
           </a:xfrm>
           <a:custGeom>
             <a:avLst/>
@@ -26485,7 +26407,7 @@
         <p:spPr>
           <a:xfrm>
             <a:off x="3940560" y="3252960"/>
-            <a:ext cx="470880" cy="588960"/>
+            <a:ext cx="470160" cy="588240"/>
           </a:xfrm>
           <a:custGeom>
             <a:avLst/>
@@ -26537,7 +26459,7 @@
         <p:spPr>
           <a:xfrm>
             <a:off x="5657040" y="3325680"/>
-            <a:ext cx="26280" cy="26280"/>
+            <a:ext cx="25560" cy="25560"/>
           </a:xfrm>
           <a:custGeom>
             <a:avLst/>
@@ -26588,7 +26510,7 @@
         <p:spPr>
           <a:xfrm>
             <a:off x="5657040" y="3020760"/>
-            <a:ext cx="26280" cy="26280"/>
+            <a:ext cx="25560" cy="25560"/>
           </a:xfrm>
           <a:custGeom>
             <a:avLst/>
@@ -26639,7 +26561,7 @@
         <p:spPr>
           <a:xfrm>
             <a:off x="5657040" y="2982240"/>
-            <a:ext cx="26280" cy="360"/>
+            <a:ext cx="25560" cy="360"/>
           </a:xfrm>
           <a:custGeom>
             <a:avLst/>
@@ -26681,7 +26603,7 @@
         <p:spPr>
           <a:xfrm>
             <a:off x="5657040" y="2953080"/>
-            <a:ext cx="26280" cy="360"/>
+            <a:ext cx="25560" cy="360"/>
           </a:xfrm>
           <a:custGeom>
             <a:avLst/>
@@ -26723,7 +26645,7 @@
         <p:spPr>
           <a:xfrm>
             <a:off x="5725440" y="3037320"/>
-            <a:ext cx="44640" cy="24840"/>
+            <a:ext cx="43920" cy="24120"/>
           </a:xfrm>
           <a:custGeom>
             <a:avLst/>
@@ -26781,7 +26703,7 @@
         <p:spPr>
           <a:xfrm>
             <a:off x="5747760" y="3332520"/>
-            <a:ext cx="26280" cy="360"/>
+            <a:ext cx="25560" cy="360"/>
           </a:xfrm>
           <a:custGeom>
             <a:avLst/>
@@ -26823,7 +26745,7 @@
         <p:spPr>
           <a:xfrm>
             <a:off x="5773680" y="3326040"/>
-            <a:ext cx="26280" cy="360"/>
+            <a:ext cx="25560" cy="360"/>
           </a:xfrm>
           <a:custGeom>
             <a:avLst/>
@@ -26865,7 +26787,7 @@
         <p:spPr>
           <a:xfrm>
             <a:off x="5695920" y="2943360"/>
-            <a:ext cx="26280" cy="360"/>
+            <a:ext cx="25560" cy="360"/>
           </a:xfrm>
           <a:custGeom>
             <a:avLst/>
@@ -26907,7 +26829,7 @@
         <p:spPr>
           <a:xfrm>
             <a:off x="5695920" y="2962800"/>
-            <a:ext cx="26280" cy="360"/>
+            <a:ext cx="25560" cy="360"/>
           </a:xfrm>
           <a:custGeom>
             <a:avLst/>
@@ -26949,7 +26871,7 @@
         <p:spPr>
           <a:xfrm>
             <a:off x="5695920" y="2982240"/>
-            <a:ext cx="26280" cy="360"/>
+            <a:ext cx="25560" cy="360"/>
           </a:xfrm>
           <a:custGeom>
             <a:avLst/>
@@ -26991,7 +26913,7 @@
         <p:spPr>
           <a:xfrm>
             <a:off x="5721840" y="2943360"/>
-            <a:ext cx="26280" cy="360"/>
+            <a:ext cx="25560" cy="360"/>
           </a:xfrm>
           <a:custGeom>
             <a:avLst/>
@@ -27033,7 +26955,7 @@
         <p:spPr>
           <a:xfrm>
             <a:off x="5721840" y="2962800"/>
-            <a:ext cx="26280" cy="360"/>
+            <a:ext cx="25560" cy="360"/>
           </a:xfrm>
           <a:custGeom>
             <a:avLst/>
@@ -27075,7 +26997,7 @@
         <p:spPr>
           <a:xfrm>
             <a:off x="5721840" y="2982240"/>
-            <a:ext cx="26280" cy="360"/>
+            <a:ext cx="25560" cy="360"/>
           </a:xfrm>
           <a:custGeom>
             <a:avLst/>
@@ -27117,7 +27039,7 @@
         <p:spPr>
           <a:xfrm>
             <a:off x="5747760" y="2962800"/>
-            <a:ext cx="26280" cy="360"/>
+            <a:ext cx="25560" cy="360"/>
           </a:xfrm>
           <a:custGeom>
             <a:avLst/>
@@ -27159,7 +27081,7 @@
         <p:spPr>
           <a:xfrm>
             <a:off x="5773680" y="2943360"/>
-            <a:ext cx="26280" cy="360"/>
+            <a:ext cx="25560" cy="360"/>
           </a:xfrm>
           <a:custGeom>
             <a:avLst/>
@@ -27201,7 +27123,7 @@
         <p:spPr>
           <a:xfrm>
             <a:off x="5773680" y="2962800"/>
-            <a:ext cx="26280" cy="360"/>
+            <a:ext cx="25560" cy="360"/>
           </a:xfrm>
           <a:custGeom>
             <a:avLst/>
@@ -27243,7 +27165,7 @@
         <p:spPr>
           <a:xfrm>
             <a:off x="5773680" y="2982240"/>
-            <a:ext cx="26280" cy="360"/>
+            <a:ext cx="25560" cy="360"/>
           </a:xfrm>
           <a:custGeom>
             <a:avLst/>
@@ -27387,7 +27309,7 @@
         <p:spPr>
           <a:xfrm>
             <a:off x="5700960" y="2849760"/>
-            <a:ext cx="27000" cy="16560"/>
+            <a:ext cx="26280" cy="15840"/>
           </a:xfrm>
           <a:custGeom>
             <a:avLst/>
@@ -27439,7 +27361,7 @@
         <p:spPr>
           <a:xfrm>
             <a:off x="5698800" y="2837160"/>
-            <a:ext cx="27000" cy="16560"/>
+            <a:ext cx="26280" cy="15840"/>
           </a:xfrm>
           <a:custGeom>
             <a:avLst/>
@@ -27491,7 +27413,7 @@
         <p:spPr>
           <a:xfrm>
             <a:off x="5696640" y="2824200"/>
-            <a:ext cx="27000" cy="16560"/>
+            <a:ext cx="26280" cy="15840"/>
           </a:xfrm>
           <a:custGeom>
             <a:avLst/>
@@ -27543,7 +27465,7 @@
         <p:spPr>
           <a:xfrm>
             <a:off x="5685840" y="2842560"/>
-            <a:ext cx="7920" cy="12960"/>
+            <a:ext cx="7200" cy="12240"/>
           </a:xfrm>
           <a:custGeom>
             <a:avLst/>
@@ -27595,7 +27517,7 @@
         <p:spPr>
           <a:xfrm>
             <a:off x="5689080" y="2810160"/>
-            <a:ext cx="84600" cy="63720"/>
+            <a:ext cx="83880" cy="63000"/>
           </a:xfrm>
           <a:custGeom>
             <a:avLst/>
@@ -27647,7 +27569,7 @@
         <p:spPr>
           <a:xfrm>
             <a:off x="5609160" y="2820960"/>
-            <a:ext cx="77040" cy="73080"/>
+            <a:ext cx="76320" cy="72360"/>
           </a:xfrm>
           <a:custGeom>
             <a:avLst/>
@@ -27800,7 +27722,7 @@
         <p:spPr>
           <a:xfrm>
             <a:off x="5589720" y="3372480"/>
-            <a:ext cx="70200" cy="21240"/>
+            <a:ext cx="69480" cy="20520"/>
           </a:xfrm>
           <a:custGeom>
             <a:avLst/>
@@ -27899,7 +27821,7 @@
         <p:spPr>
           <a:xfrm>
             <a:off x="5127120" y="2838600"/>
-            <a:ext cx="470880" cy="588960"/>
+            <a:ext cx="470160" cy="588240"/>
           </a:xfrm>
           <a:custGeom>
             <a:avLst/>
@@ -27950,7 +27872,7 @@
         <p:spPr>
           <a:xfrm>
             <a:off x="5127120" y="2838600"/>
-            <a:ext cx="470880" cy="588960"/>
+            <a:ext cx="470160" cy="588240"/>
           </a:xfrm>
           <a:custGeom>
             <a:avLst/>
@@ -28002,7 +27924,7 @@
         <p:spPr>
           <a:xfrm>
             <a:off x="3291840" y="3371040"/>
-            <a:ext cx="57960" cy="353160"/>
+            <a:ext cx="57240" cy="352440"/>
           </a:xfrm>
           <a:custGeom>
             <a:avLst/>
@@ -28053,7 +27975,7 @@
         <p:spPr>
           <a:xfrm>
             <a:off x="3291840" y="3371040"/>
-            <a:ext cx="57960" cy="353160"/>
+            <a:ext cx="57240" cy="352440"/>
           </a:xfrm>
           <a:custGeom>
             <a:avLst/>
@@ -28105,7 +28027,7 @@
         <p:spPr>
           <a:xfrm>
             <a:off x="3115080" y="3252960"/>
-            <a:ext cx="176040" cy="588960"/>
+            <a:ext cx="175320" cy="588240"/>
           </a:xfrm>
           <a:custGeom>
             <a:avLst/>
@@ -28156,7 +28078,7 @@
         <p:spPr>
           <a:xfrm>
             <a:off x="3115080" y="3252960"/>
-            <a:ext cx="176040" cy="588960"/>
+            <a:ext cx="175320" cy="588240"/>
           </a:xfrm>
           <a:custGeom>
             <a:avLst/>
@@ -28208,7 +28130,7 @@
         <p:spPr>
           <a:xfrm>
             <a:off x="3291840" y="3488760"/>
-            <a:ext cx="176040" cy="117000"/>
+            <a:ext cx="175320" cy="116280"/>
           </a:xfrm>
           <a:custGeom>
             <a:avLst/>
@@ -28256,7 +28178,7 @@
         <p:spPr>
           <a:xfrm>
             <a:off x="3291840" y="3488760"/>
-            <a:ext cx="176040" cy="117000"/>
+            <a:ext cx="175320" cy="116280"/>
           </a:xfrm>
           <a:custGeom>
             <a:avLst/>
@@ -28305,7 +28227,7 @@
         <p:spPr>
           <a:xfrm>
             <a:off x="3056040" y="3371040"/>
-            <a:ext cx="353160" cy="353160"/>
+            <a:ext cx="352440" cy="352440"/>
           </a:xfrm>
           <a:custGeom>
             <a:avLst/>
@@ -28420,7 +28342,7 @@
         <p:spPr>
           <a:xfrm>
             <a:off x="3056040" y="3371040"/>
-            <a:ext cx="353160" cy="353160"/>
+            <a:ext cx="352440" cy="352440"/>
           </a:xfrm>
           <a:custGeom>
             <a:avLst/>
@@ -28552,7 +28474,7 @@
         <p:spPr>
           <a:xfrm>
             <a:off x="3291840" y="3252960"/>
-            <a:ext cx="353160" cy="117000"/>
+            <a:ext cx="352440" cy="116280"/>
           </a:xfrm>
           <a:custGeom>
             <a:avLst/>
@@ -28603,7 +28525,7 @@
         <p:spPr>
           <a:xfrm>
             <a:off x="3291840" y="3252960"/>
-            <a:ext cx="353160" cy="117000"/>
+            <a:ext cx="352440" cy="116280"/>
           </a:xfrm>
           <a:custGeom>
             <a:avLst/>
@@ -28655,7 +28577,7 @@
         <p:spPr>
           <a:xfrm>
             <a:off x="3291840" y="3724560"/>
-            <a:ext cx="353160" cy="117000"/>
+            <a:ext cx="352440" cy="116280"/>
           </a:xfrm>
           <a:custGeom>
             <a:avLst/>
@@ -28706,7 +28628,7 @@
         <p:spPr>
           <a:xfrm>
             <a:off x="3291840" y="3724560"/>
-            <a:ext cx="353160" cy="117000"/>
+            <a:ext cx="352440" cy="116280"/>
           </a:xfrm>
           <a:custGeom>
             <a:avLst/>
@@ -28758,7 +28680,7 @@
         <p:spPr>
           <a:xfrm>
             <a:off x="6181200" y="2958120"/>
-            <a:ext cx="57960" cy="353160"/>
+            <a:ext cx="57240" cy="352440"/>
           </a:xfrm>
           <a:custGeom>
             <a:avLst/>
@@ -28809,7 +28731,7 @@
         <p:spPr>
           <a:xfrm>
             <a:off x="6181200" y="2958120"/>
-            <a:ext cx="57960" cy="353160"/>
+            <a:ext cx="57240" cy="352440"/>
           </a:xfrm>
           <a:custGeom>
             <a:avLst/>
@@ -28861,7 +28783,7 @@
         <p:spPr>
           <a:xfrm>
             <a:off x="6240240" y="2840400"/>
-            <a:ext cx="176040" cy="588960"/>
+            <a:ext cx="175320" cy="588240"/>
           </a:xfrm>
           <a:custGeom>
             <a:avLst/>
@@ -28912,7 +28834,7 @@
         <p:spPr>
           <a:xfrm>
             <a:off x="6240240" y="2840400"/>
-            <a:ext cx="176040" cy="588960"/>
+            <a:ext cx="175320" cy="588240"/>
           </a:xfrm>
           <a:custGeom>
             <a:avLst/>
@@ -28964,7 +28886,7 @@
         <p:spPr>
           <a:xfrm>
             <a:off x="6063120" y="3076200"/>
-            <a:ext cx="176040" cy="117000"/>
+            <a:ext cx="175320" cy="116280"/>
           </a:xfrm>
           <a:custGeom>
             <a:avLst/>
@@ -29012,7 +28934,7 @@
         <p:spPr>
           <a:xfrm>
             <a:off x="6063120" y="3076200"/>
-            <a:ext cx="176040" cy="117000"/>
+            <a:ext cx="175320" cy="116280"/>
           </a:xfrm>
           <a:custGeom>
             <a:avLst/>
@@ -29061,7 +28983,7 @@
         <p:spPr>
           <a:xfrm>
             <a:off x="6122160" y="2958120"/>
-            <a:ext cx="353160" cy="353160"/>
+            <a:ext cx="352440" cy="352440"/>
           </a:xfrm>
           <a:custGeom>
             <a:avLst/>
@@ -29193,7 +29115,7 @@
         <p:spPr>
           <a:xfrm>
             <a:off x="6122160" y="2958120"/>
-            <a:ext cx="353160" cy="353160"/>
+            <a:ext cx="352440" cy="352440"/>
           </a:xfrm>
           <a:custGeom>
             <a:avLst/>
@@ -29325,7 +29247,7 @@
         <p:spPr>
           <a:xfrm>
             <a:off x="5886360" y="3312000"/>
-            <a:ext cx="353160" cy="117000"/>
+            <a:ext cx="352440" cy="116280"/>
           </a:xfrm>
           <a:custGeom>
             <a:avLst/>
@@ -29376,7 +29298,7 @@
         <p:spPr>
           <a:xfrm>
             <a:off x="5886360" y="3312000"/>
-            <a:ext cx="353160" cy="117000"/>
+            <a:ext cx="352440" cy="116280"/>
           </a:xfrm>
           <a:custGeom>
             <a:avLst/>
@@ -29428,7 +29350,7 @@
         <p:spPr>
           <a:xfrm>
             <a:off x="5886360" y="2840400"/>
-            <a:ext cx="353160" cy="117000"/>
+            <a:ext cx="352440" cy="116280"/>
           </a:xfrm>
           <a:custGeom>
             <a:avLst/>
@@ -29479,7 +29401,7 @@
         <p:spPr>
           <a:xfrm>
             <a:off x="5886360" y="2840400"/>
-            <a:ext cx="353160" cy="117000"/>
+            <a:ext cx="352440" cy="116280"/>
           </a:xfrm>
           <a:custGeom>
             <a:avLst/>
@@ -29531,7 +29453,7 @@
         <p:spPr>
           <a:xfrm>
             <a:off x="5119920" y="3724560"/>
-            <a:ext cx="1296360" cy="353520"/>
+            <a:ext cx="1295640" cy="352800"/>
           </a:xfrm>
           <a:prstGeom prst="rect">
             <a:avLst/>
@@ -29574,7 +29496,7 @@
               </a:lnSpc>
             </a:pPr>
             <a:r>
-              <a:rPr b="1" lang="en-US" sz="1200" spc="4" strike="noStrike">
+              <a:rPr b="1" lang="en-US" sz="1200" spc="-1" strike="noStrike">
                 <a:solidFill>
                   <a:srgbClr val="000000"/>
                 </a:solidFill>
@@ -29598,7 +29520,7 @@
         <p:spPr>
           <a:xfrm>
             <a:off x="6481800" y="2949840"/>
-            <a:ext cx="600120" cy="182160"/>
+            <a:ext cx="599400" cy="181440"/>
           </a:xfrm>
           <a:prstGeom prst="rect">
             <a:avLst/>
@@ -29623,7 +29545,7 @@
               </a:lnSpc>
             </a:pPr>
             <a:r>
-              <a:rPr b="1" lang="en-US" sz="1200" spc="4" strike="noStrike">
+              <a:rPr b="1" lang="en-US" sz="1200" spc="-1" strike="noStrike">
                 <a:solidFill>
                   <a:srgbClr val="000000"/>
                 </a:solidFill>
@@ -29647,7 +29569,7 @@
         <p:spPr>
           <a:xfrm>
             <a:off x="4471200" y="2663280"/>
-            <a:ext cx="57960" cy="1827000"/>
+            <a:ext cx="57240" cy="1826280"/>
           </a:xfrm>
           <a:custGeom>
             <a:avLst/>
@@ -29698,7 +29620,7 @@
         <p:spPr>
           <a:xfrm>
             <a:off x="4471200" y="2663280"/>
-            <a:ext cx="57960" cy="1827000"/>
+            <a:ext cx="57240" cy="1826280"/>
           </a:xfrm>
           <a:custGeom>
             <a:avLst/>
@@ -29750,7 +29672,7 @@
         <p:spPr>
           <a:xfrm>
             <a:off x="4412160" y="3547800"/>
-            <a:ext cx="235080" cy="360"/>
+            <a:ext cx="234360" cy="360"/>
           </a:xfrm>
           <a:custGeom>
             <a:avLst/>
@@ -29792,7 +29714,7 @@
         <p:spPr>
           <a:xfrm>
             <a:off x="4657680" y="3414600"/>
-            <a:ext cx="166680" cy="273960"/>
+            <a:ext cx="165960" cy="273240"/>
           </a:xfrm>
           <a:prstGeom prst="rect">
             <a:avLst/>
@@ -29817,7 +29739,7 @@
               </a:lnSpc>
             </a:pPr>
             <a:r>
-              <a:rPr b="1" lang="en-US" sz="1800" spc="4" strike="noStrike">
+              <a:rPr b="1" lang="en-US" sz="1800" spc="-1" strike="noStrike">
                 <a:solidFill>
                   <a:srgbClr val="000000"/>
                 </a:solidFill>
@@ -29841,7 +29763,7 @@
         <p:spPr>
           <a:xfrm>
             <a:off x="4825080" y="3135240"/>
-            <a:ext cx="294120" cy="353160"/>
+            <a:ext cx="293400" cy="352440"/>
           </a:xfrm>
           <a:custGeom>
             <a:avLst/>
@@ -29928,7 +29850,7 @@
         <p:spPr>
           <a:xfrm>
             <a:off x="4825080" y="3665880"/>
-            <a:ext cx="294120" cy="353160"/>
+            <a:ext cx="293400" cy="352440"/>
           </a:xfrm>
           <a:custGeom>
             <a:avLst/>
@@ -30015,7 +29937,7 @@
         <p:spPr>
           <a:xfrm>
             <a:off x="1688400" y="3365280"/>
-            <a:ext cx="1279800" cy="309240"/>
+            <a:ext cx="1279080" cy="308520"/>
           </a:xfrm>
           <a:prstGeom prst="rect">
             <a:avLst/>
@@ -30040,7 +29962,7 @@
               </a:lnSpc>
             </a:pPr>
             <a:r>
-              <a:rPr b="1" lang="en-US" sz="1200" spc="4" strike="noStrike">
+              <a:rPr b="1" lang="en-US" sz="1200" spc="-1" strike="noStrike">
                 <a:solidFill>
                   <a:srgbClr val="000000"/>
                 </a:solidFill>
@@ -30064,7 +29986,7 @@
         <p:spPr>
           <a:xfrm>
             <a:off x="8147520" y="7217280"/>
-            <a:ext cx="158400" cy="4507200"/>
+            <a:ext cx="157680" cy="4506480"/>
           </a:xfrm>
           <a:prstGeom prst="rect">
             <a:avLst/>
@@ -30088,8 +30010,8 @@
                 <a:spcPts val="884"/>
               </a:lnSpc>
             </a:pPr>
-            <a:fld id="{9144E8A0-35EC-4CBF-AD53-532C59D6A819}" type="slidenum">
-              <a:rPr b="0" lang="en-US" sz="800" spc="4" strike="noStrike">
+            <a:fld id="{5045BC2A-4BDD-4B90-8FB4-0B0968136CEE}" type="slidenum">
+              <a:rPr b="0" lang="en-US" sz="800" spc="-1" strike="noStrike">
                 <a:solidFill>
                   <a:srgbClr val="000000"/>
                 </a:solidFill>
@@ -30113,7 +30035,7 @@
         <p:spPr>
           <a:xfrm>
             <a:off x="496440" y="4587480"/>
-            <a:ext cx="7379640" cy="2995560"/>
+            <a:ext cx="7378920" cy="2994840"/>
           </a:xfrm>
           <a:prstGeom prst="rect">
             <a:avLst/>
@@ -30132,7 +30054,7 @@
         <p:txBody>
           <a:bodyPr lIns="0" rIns="0" tIns="0" bIns="0"/>
           <a:p>
-            <a:pPr marL="378360" indent="-364680">
+            <a:pPr marL="378360" indent="-363960">
               <a:lnSpc>
                 <a:spcPct val="100000"/>
               </a:lnSpc>
@@ -30143,7 +30065,7 @@
               <a:buChar char="•"/>
             </a:pPr>
             <a:r>
-              <a:rPr b="0" lang="en-US" sz="2050" spc="4" strike="noStrike">
+              <a:rPr b="0" lang="en-US" sz="2050" spc="-1" strike="noStrike">
                 <a:solidFill>
                   <a:srgbClr val="000000"/>
                 </a:solidFill>
@@ -30157,7 +30079,7 @@
             </a:endParaRPr>
           </a:p>
           <a:p>
-            <a:pPr marL="355680" indent="-342000">
+            <a:pPr marL="355680" indent="-341280">
               <a:lnSpc>
                 <a:spcPct val="100000"/>
               </a:lnSpc>
@@ -30171,7 +30093,7 @@
               <a:buChar char="•"/>
             </a:pPr>
             <a:r>
-              <a:rPr b="0" lang="en-US" sz="2050" spc="4" strike="noStrike">
+              <a:rPr b="0" lang="en-US" sz="2050" spc="-1" strike="noStrike">
                 <a:solidFill>
                   <a:srgbClr val="000000"/>
                 </a:solidFill>
@@ -30185,7 +30107,7 @@
             </a:endParaRPr>
           </a:p>
           <a:p>
-            <a:pPr marL="378360" indent="-364680">
+            <a:pPr marL="378360" indent="-363960">
               <a:lnSpc>
                 <a:spcPct val="100000"/>
               </a:lnSpc>
@@ -30199,7 +30121,7 @@
               <a:buChar char="•"/>
             </a:pPr>
             <a:r>
-              <a:rPr b="0" lang="en-US" sz="2050" spc="4" strike="noStrike">
+              <a:rPr b="0" lang="en-US" sz="2050" spc="-1" strike="noStrike">
                 <a:solidFill>
                   <a:srgbClr val="000000"/>
                 </a:solidFill>
@@ -30226,7 +30148,7 @@
             </a:endParaRPr>
           </a:p>
           <a:p>
-            <a:pPr marL="1144440" indent="-1130760">
+            <a:pPr marL="1144440" indent="-1130040">
               <a:lnSpc>
                 <a:spcPct val="100000"/>
               </a:lnSpc>
@@ -30235,7 +30157,7 @@
               </a:spcBef>
             </a:pPr>
             <a:r>
-              <a:rPr b="1" lang="en-US" sz="2050" spc="4" strike="noStrike">
+              <a:rPr b="1" lang="en-US" sz="2050" spc="-1" strike="noStrike">
                 <a:solidFill>
                   <a:srgbClr val="000000"/>
                 </a:solidFill>
@@ -30245,7 +30167,7 @@
               <a:t>Problem:</a:t>
             </a:r>
             <a:r>
-              <a:rPr b="0" lang="en-US" sz="2050" spc="4" strike="noStrike">
+              <a:rPr b="0" lang="en-US" sz="2050" spc="-1" strike="noStrike">
                 <a:solidFill>
                   <a:srgbClr val="000000"/>
                 </a:solidFill>
@@ -30255,7 +30177,7 @@
               <a:t> Turing test is not </a:t>
             </a:r>
             <a:r>
-              <a:rPr b="0" lang="en-US" sz="2050" spc="4" strike="noStrike">
+              <a:rPr b="0" lang="en-US" sz="2050" spc="-1" strike="noStrike">
                 <a:solidFill>
                   <a:srgbClr val="7e0000"/>
                 </a:solidFill>
@@ -30265,7 +30187,7 @@
               <a:t>reproducible</a:t>
             </a:r>
             <a:r>
-              <a:rPr b="0" lang="en-US" sz="2050" spc="4" strike="noStrike">
+              <a:rPr b="0" lang="en-US" sz="2050" spc="-1" strike="noStrike">
                 <a:solidFill>
                   <a:srgbClr val="000000"/>
                 </a:solidFill>
@@ -30275,7 +30197,7 @@
               <a:t>, </a:t>
             </a:r>
             <a:r>
-              <a:rPr b="0" lang="en-US" sz="2050" spc="4" strike="noStrike">
+              <a:rPr b="0" lang="en-US" sz="2050" spc="-1" strike="noStrike">
                 <a:solidFill>
                   <a:srgbClr val="7e0000"/>
                 </a:solidFill>
@@ -30285,7 +30207,7 @@
               <a:t>constructive</a:t>
             </a:r>
             <a:r>
-              <a:rPr b="0" lang="en-US" sz="2050" spc="4" strike="noStrike">
+              <a:rPr b="0" lang="en-US" sz="2050" spc="-1" strike="noStrike">
                 <a:solidFill>
                   <a:srgbClr val="000000"/>
                 </a:solidFill>
@@ -30295,7 +30217,7 @@
               <a:t>, or  amenable  to </a:t>
             </a:r>
             <a:r>
-              <a:rPr b="0" lang="en-US" sz="2050" spc="4" strike="noStrike">
+              <a:rPr b="0" lang="en-US" sz="2050" spc="-1" strike="noStrike">
                 <a:solidFill>
                   <a:srgbClr val="7e0000"/>
                 </a:solidFill>
